--- a/Apresentação do projeto FINAL.pptx
+++ b/Apresentação do projeto FINAL.pptx
@@ -206,6 +206,36 @@
   </mc:AlternateContent>
   <c:chart>
     <c:title>
+      <c:tx>
+        <c:rich>
+          <a:bodyPr rot="0" spcFirstLastPara="1" vertOverflow="ellipsis" vert="horz" wrap="square" anchor="ctr" anchorCtr="1"/>
+          <a:lstStyle/>
+          <a:p>
+            <a:pPr>
+              <a:defRPr sz="1862" b="0" i="0" u="none" strike="noStrike" kern="1200" spc="0" baseline="0">
+                <a:solidFill>
+                  <a:schemeClr val="tx1">
+                    <a:lumMod val="65000"/>
+                    <a:lumOff val="35000"/>
+                  </a:schemeClr>
+                </a:solidFill>
+                <a:latin typeface="+mn-lt"/>
+                <a:ea typeface="+mn-ea"/>
+                <a:cs typeface="+mn-cs"/>
+              </a:defRPr>
+            </a:pPr>
+            <a:r>
+              <a:rPr lang="pt-BR" dirty="0"/>
+              <a:t>Análise</a:t>
+            </a:r>
+            <a:r>
+              <a:rPr lang="pt-BR" baseline="0" dirty="0"/>
+              <a:t> de Custos</a:t>
+            </a:r>
+            <a:endParaRPr lang="pt-BR" dirty="0"/>
+          </a:p>
+        </c:rich>
+      </c:tx>
       <c:overlay val="0"/>
       <c:spPr>
         <a:noFill/>
@@ -238,8 +268,10 @@
     <c:autoTitleDeleted val="0"/>
     <c:plotArea>
       <c:layout/>
-      <c:pieChart>
-        <c:varyColors val="1"/>
+      <c:barChart>
+        <c:barDir val="col"/>
+        <c:grouping val="clustered"/>
+        <c:varyColors val="0"/>
         <c:ser>
           <c:idx val="0"/>
           <c:order val="0"/>
@@ -249,231 +281,153 @@
               <c:strCache>
                 <c:ptCount val="1"/>
                 <c:pt idx="0">
-                  <c:v>Vendas</c:v>
+                  <c:v>Série 1</c:v>
                 </c:pt>
               </c:strCache>
             </c:strRef>
           </c:tx>
-          <c:dPt>
-            <c:idx val="0"/>
-            <c:bubble3D val="0"/>
-            <c:spPr>
-              <a:solidFill>
-                <a:schemeClr val="accent1"/>
-              </a:solidFill>
-              <a:ln w="19050">
-                <a:solidFill>
-                  <a:schemeClr val="lt1"/>
-                </a:solidFill>
-              </a:ln>
-              <a:effectLst/>
-            </c:spPr>
-          </c:dPt>
-          <c:dPt>
-            <c:idx val="1"/>
-            <c:bubble3D val="0"/>
-            <c:spPr>
-              <a:solidFill>
-                <a:schemeClr val="accent2"/>
-              </a:solidFill>
-              <a:ln w="19050">
-                <a:solidFill>
-                  <a:schemeClr val="lt1"/>
-                </a:solidFill>
-              </a:ln>
-              <a:effectLst/>
-            </c:spPr>
-          </c:dPt>
-          <c:dPt>
-            <c:idx val="2"/>
-            <c:bubble3D val="0"/>
-            <c:spPr>
-              <a:solidFill>
-                <a:schemeClr val="accent3"/>
-              </a:solidFill>
-              <a:ln w="19050">
-                <a:solidFill>
-                  <a:schemeClr val="lt1"/>
-                </a:solidFill>
-              </a:ln>
-              <a:effectLst/>
-            </c:spPr>
-          </c:dPt>
-          <c:dPt>
-            <c:idx val="3"/>
-            <c:bubble3D val="0"/>
-            <c:spPr>
-              <a:solidFill>
-                <a:schemeClr val="accent4"/>
-              </a:solidFill>
-              <a:ln w="19050">
-                <a:solidFill>
-                  <a:schemeClr val="lt1"/>
-                </a:solidFill>
-              </a:ln>
-              <a:effectLst/>
-            </c:spPr>
-          </c:dPt>
-          <c:dPt>
-            <c:idx val="4"/>
-            <c:bubble3D val="0"/>
-            <c:spPr>
-              <a:solidFill>
-                <a:schemeClr val="accent5"/>
-              </a:solidFill>
-              <a:ln w="19050">
-                <a:solidFill>
-                  <a:schemeClr val="lt1"/>
-                </a:solidFill>
-              </a:ln>
-              <a:effectLst/>
-            </c:spPr>
-          </c:dPt>
-          <c:dPt>
-            <c:idx val="5"/>
-            <c:bubble3D val="0"/>
-            <c:spPr>
-              <a:solidFill>
-                <a:schemeClr val="accent6"/>
-              </a:solidFill>
-              <a:ln w="19050">
-                <a:solidFill>
-                  <a:schemeClr val="lt1"/>
-                </a:solidFill>
-              </a:ln>
-              <a:effectLst/>
-            </c:spPr>
-          </c:dPt>
-          <c:dPt>
-            <c:idx val="6"/>
-            <c:bubble3D val="0"/>
-            <c:spPr>
-              <a:solidFill>
-                <a:schemeClr val="accent1">
-                  <a:lumMod val="60000"/>
-                </a:schemeClr>
-              </a:solidFill>
-              <a:ln w="19050">
-                <a:solidFill>
-                  <a:schemeClr val="lt1"/>
-                </a:solidFill>
-              </a:ln>
-              <a:effectLst/>
-            </c:spPr>
-          </c:dPt>
-          <c:dPt>
-            <c:idx val="7"/>
-            <c:bubble3D val="0"/>
-            <c:spPr>
-              <a:solidFill>
-                <a:schemeClr val="accent2">
-                  <a:lumMod val="60000"/>
-                </a:schemeClr>
-              </a:solidFill>
-              <a:ln w="19050">
-                <a:solidFill>
-                  <a:schemeClr val="lt1"/>
-                </a:solidFill>
-              </a:ln>
-              <a:effectLst/>
-            </c:spPr>
-          </c:dPt>
-          <c:dPt>
-            <c:idx val="8"/>
-            <c:bubble3D val="0"/>
-            <c:spPr>
-              <a:solidFill>
-                <a:schemeClr val="accent3">
-                  <a:lumMod val="60000"/>
-                </a:schemeClr>
-              </a:solidFill>
-              <a:ln w="19050">
-                <a:solidFill>
-                  <a:schemeClr val="lt1"/>
-                </a:solidFill>
-              </a:ln>
-              <a:effectLst/>
-            </c:spPr>
-          </c:dPt>
-          <c:dPt>
-            <c:idx val="9"/>
-            <c:bubble3D val="0"/>
-            <c:spPr>
-              <a:solidFill>
-                <a:schemeClr val="accent4">
-                  <a:lumMod val="60000"/>
-                </a:schemeClr>
-              </a:solidFill>
-              <a:ln w="19050">
-                <a:solidFill>
-                  <a:schemeClr val="lt1"/>
-                </a:solidFill>
-              </a:ln>
-              <a:effectLst/>
-            </c:spPr>
-          </c:dPt>
+          <c:spPr>
+            <a:solidFill>
+              <a:schemeClr val="accent1"/>
+            </a:solidFill>
+            <a:ln>
+              <a:noFill/>
+            </a:ln>
+            <a:effectLst/>
+          </c:spPr>
+          <c:invertIfNegative val="0"/>
           <c:cat>
             <c:strRef>
-              <c:f>Planilha1!$A$2:$A$11</c:f>
+              <c:f>Planilha1!$A$2:$A$5</c:f>
               <c:strCache>
-                <c:ptCount val="10"/>
+                <c:ptCount val="1"/>
                 <c:pt idx="0">
-                  <c:v>Iniciação</c:v>
-                </c:pt>
-                <c:pt idx="1">
-                  <c:v>Planejamento</c:v>
-                </c:pt>
-                <c:pt idx="2">
-                  <c:v>Execução</c:v>
-                </c:pt>
-                <c:pt idx="3">
-                  <c:v>Gestão</c:v>
-                </c:pt>
-                <c:pt idx="4">
-                  <c:v>Requisitos</c:v>
-                </c:pt>
-                <c:pt idx="5">
-                  <c:v>Protótipo</c:v>
-                </c:pt>
-                <c:pt idx="6">
-                  <c:v>Desenvolvimento</c:v>
-                </c:pt>
-                <c:pt idx="7">
-                  <c:v>Deploy</c:v>
-                </c:pt>
-                <c:pt idx="8">
-                  <c:v>Controle </c:v>
-                </c:pt>
-                <c:pt idx="9">
-                  <c:v>Encerramento</c:v>
+                  <c:v>Salários</c:v>
                 </c:pt>
               </c:strCache>
             </c:strRef>
           </c:cat>
           <c:val>
             <c:numRef>
-              <c:f>Planilha1!$B$2:$B$11</c:f>
+              <c:f>Planilha1!$B$2:$B$5</c:f>
               <c:numCache>
-                <c:formatCode>_-[$R$-416]\ * #,##0.00_-;\-[$R$-416]\ * #,##0.00_-;_-[$R$-416]\ * "-"??_-;_-@_-</c:formatCode>
-                <c:ptCount val="10"/>
+                <c:formatCode>General</c:formatCode>
+                <c:ptCount val="4"/>
                 <c:pt idx="0">
-                  <c:v>196</c:v>
-                </c:pt>
-                <c:pt idx="1">
-                  <c:v>1176</c:v>
-                </c:pt>
-                <c:pt idx="2">
-                  <c:v>64059.33</c:v>
-                </c:pt>
-                <c:pt idx="3">
-                  <c:v>31808</c:v>
+                  <c:v>4.3</c:v>
                 </c:pt>
               </c:numCache>
             </c:numRef>
           </c:val>
           <c:extLst>
             <c:ext xmlns:c16="http://schemas.microsoft.com/office/drawing/2014/chart" uri="{C3380CC4-5D6E-409C-BE32-E72D297353CC}">
-              <c16:uniqueId val="{00000000-A6F6-472F-ACE1-B5AD9FD6C93A}"/>
+              <c16:uniqueId val="{00000000-AC30-4CA0-9A54-70277EB26CE6}"/>
+            </c:ext>
+          </c:extLst>
+        </c:ser>
+        <c:ser>
+          <c:idx val="1"/>
+          <c:order val="1"/>
+          <c:tx>
+            <c:strRef>
+              <c:f>Planilha1!$C$1</c:f>
+              <c:strCache>
+                <c:ptCount val="1"/>
+                <c:pt idx="0">
+                  <c:v>Série 2</c:v>
+                </c:pt>
+              </c:strCache>
+            </c:strRef>
+          </c:tx>
+          <c:spPr>
+            <a:solidFill>
+              <a:schemeClr val="accent2"/>
+            </a:solidFill>
+            <a:ln>
+              <a:noFill/>
+            </a:ln>
+            <a:effectLst/>
+          </c:spPr>
+          <c:invertIfNegative val="0"/>
+          <c:cat>
+            <c:strRef>
+              <c:f>Planilha1!$A$2:$A$5</c:f>
+              <c:strCache>
+                <c:ptCount val="1"/>
+                <c:pt idx="0">
+                  <c:v>Salários</c:v>
+                </c:pt>
+              </c:strCache>
+            </c:strRef>
+          </c:cat>
+          <c:val>
+            <c:numRef>
+              <c:f>Planilha1!$C$2:$C$5</c:f>
+              <c:numCache>
+                <c:formatCode>General</c:formatCode>
+                <c:ptCount val="4"/>
+                <c:pt idx="0">
+                  <c:v>2.4</c:v>
+                </c:pt>
+              </c:numCache>
+            </c:numRef>
+          </c:val>
+          <c:extLst>
+            <c:ext xmlns:c16="http://schemas.microsoft.com/office/drawing/2014/chart" uri="{C3380CC4-5D6E-409C-BE32-E72D297353CC}">
+              <c16:uniqueId val="{00000001-AC30-4CA0-9A54-70277EB26CE6}"/>
+            </c:ext>
+          </c:extLst>
+        </c:ser>
+        <c:ser>
+          <c:idx val="2"/>
+          <c:order val="2"/>
+          <c:tx>
+            <c:strRef>
+              <c:f>Planilha1!$D$1</c:f>
+              <c:strCache>
+                <c:ptCount val="1"/>
+                <c:pt idx="0">
+                  <c:v>Série 3</c:v>
+                </c:pt>
+              </c:strCache>
+            </c:strRef>
+          </c:tx>
+          <c:spPr>
+            <a:solidFill>
+              <a:schemeClr val="accent3"/>
+            </a:solidFill>
+            <a:ln>
+              <a:noFill/>
+            </a:ln>
+            <a:effectLst/>
+          </c:spPr>
+          <c:invertIfNegative val="0"/>
+          <c:cat>
+            <c:strRef>
+              <c:f>Planilha1!$A$2:$A$5</c:f>
+              <c:strCache>
+                <c:ptCount val="1"/>
+                <c:pt idx="0">
+                  <c:v>Salários</c:v>
+                </c:pt>
+              </c:strCache>
+            </c:strRef>
+          </c:cat>
+          <c:val>
+            <c:numRef>
+              <c:f>Planilha1!$D$2:$D$5</c:f>
+              <c:numCache>
+                <c:formatCode>General</c:formatCode>
+                <c:ptCount val="4"/>
+                <c:pt idx="0">
+                  <c:v>2</c:v>
+                </c:pt>
+              </c:numCache>
+            </c:numRef>
+          </c:val>
+          <c:extLst>
+            <c:ext xmlns:c16="http://schemas.microsoft.com/office/drawing/2014/chart" uri="{C3380CC4-5D6E-409C-BE32-E72D297353CC}">
+              <c16:uniqueId val="{00000002-AC30-4CA0-9A54-70277EB26CE6}"/>
             </c:ext>
           </c:extLst>
         </c:ser>
@@ -484,10 +438,119 @@
           <c:showSerName val="0"/>
           <c:showPercent val="0"/>
           <c:showBubbleSize val="0"/>
-          <c:showLeaderLines val="1"/>
         </c:dLbls>
-        <c:firstSliceAng val="0"/>
-      </c:pieChart>
+        <c:gapWidth val="219"/>
+        <c:overlap val="-27"/>
+        <c:axId val="1999512015"/>
+        <c:axId val="1947893295"/>
+      </c:barChart>
+      <c:catAx>
+        <c:axId val="1999512015"/>
+        <c:scaling>
+          <c:orientation val="minMax"/>
+        </c:scaling>
+        <c:delete val="0"/>
+        <c:axPos val="b"/>
+        <c:numFmt formatCode="General" sourceLinked="1"/>
+        <c:majorTickMark val="none"/>
+        <c:minorTickMark val="none"/>
+        <c:tickLblPos val="nextTo"/>
+        <c:spPr>
+          <a:noFill/>
+          <a:ln w="9525" cap="flat" cmpd="sng" algn="ctr">
+            <a:solidFill>
+              <a:schemeClr val="tx1">
+                <a:lumMod val="15000"/>
+                <a:lumOff val="85000"/>
+              </a:schemeClr>
+            </a:solidFill>
+            <a:round/>
+          </a:ln>
+          <a:effectLst/>
+        </c:spPr>
+        <c:txPr>
+          <a:bodyPr rot="-60000000" spcFirstLastPara="1" vertOverflow="ellipsis" vert="horz" wrap="square" anchor="ctr" anchorCtr="1"/>
+          <a:lstStyle/>
+          <a:p>
+            <a:pPr>
+              <a:defRPr sz="1197" b="0" i="0" u="none" strike="noStrike" kern="1200" baseline="0">
+                <a:solidFill>
+                  <a:schemeClr val="tx1">
+                    <a:lumMod val="65000"/>
+                    <a:lumOff val="35000"/>
+                  </a:schemeClr>
+                </a:solidFill>
+                <a:latin typeface="+mn-lt"/>
+                <a:ea typeface="+mn-ea"/>
+                <a:cs typeface="+mn-cs"/>
+              </a:defRPr>
+            </a:pPr>
+            <a:endParaRPr lang="pt-BR"/>
+          </a:p>
+        </c:txPr>
+        <c:crossAx val="1947893295"/>
+        <c:crosses val="autoZero"/>
+        <c:auto val="1"/>
+        <c:lblAlgn val="ctr"/>
+        <c:lblOffset val="100"/>
+        <c:noMultiLvlLbl val="0"/>
+      </c:catAx>
+      <c:valAx>
+        <c:axId val="1947893295"/>
+        <c:scaling>
+          <c:orientation val="minMax"/>
+        </c:scaling>
+        <c:delete val="0"/>
+        <c:axPos val="l"/>
+        <c:majorGridlines>
+          <c:spPr>
+            <a:ln w="9525" cap="flat" cmpd="sng" algn="ctr">
+              <a:solidFill>
+                <a:schemeClr val="tx1">
+                  <a:lumMod val="15000"/>
+                  <a:lumOff val="85000"/>
+                </a:schemeClr>
+              </a:solidFill>
+              <a:round/>
+            </a:ln>
+            <a:effectLst/>
+          </c:spPr>
+        </c:majorGridlines>
+        <c:numFmt formatCode="General" sourceLinked="1"/>
+        <c:majorTickMark val="none"/>
+        <c:minorTickMark val="none"/>
+        <c:tickLblPos val="nextTo"/>
+        <c:spPr>
+          <a:noFill/>
+          <a:ln>
+            <a:noFill/>
+          </a:ln>
+          <a:effectLst/>
+        </c:spPr>
+        <c:txPr>
+          <a:bodyPr rot="-60000000" spcFirstLastPara="1" vertOverflow="ellipsis" vert="horz" wrap="square" anchor="ctr" anchorCtr="1"/>
+          <a:lstStyle/>
+          <a:p>
+            <a:pPr>
+              <a:defRPr sz="1197" b="0" i="0" u="none" strike="noStrike" kern="1200" baseline="0">
+                <a:solidFill>
+                  <a:schemeClr val="tx1">
+                    <a:lumMod val="65000"/>
+                    <a:lumOff val="35000"/>
+                  </a:schemeClr>
+                </a:solidFill>
+                <a:latin typeface="+mn-lt"/>
+                <a:ea typeface="+mn-ea"/>
+                <a:cs typeface="+mn-cs"/>
+              </a:defRPr>
+            </a:pPr>
+            <a:endParaRPr lang="pt-BR"/>
+          </a:p>
+        </c:txPr>
+        <c:crossAx val="1999512015"/>
+        <c:crosses val="autoZero"/>
+        <c:crossBetween val="between"/>
+      </c:valAx>
       <c:spPr>
         <a:noFill/>
         <a:ln>
@@ -496,37 +559,6 @@
         <a:effectLst/>
       </c:spPr>
     </c:plotArea>
-    <c:legend>
-      <c:legendPos val="b"/>
-      <c:overlay val="0"/>
-      <c:spPr>
-        <a:noFill/>
-        <a:ln>
-          <a:noFill/>
-        </a:ln>
-        <a:effectLst/>
-      </c:spPr>
-      <c:txPr>
-        <a:bodyPr rot="0" spcFirstLastPara="1" vertOverflow="ellipsis" vert="horz" wrap="square" anchor="ctr" anchorCtr="1"/>
-        <a:lstStyle/>
-        <a:p>
-          <a:pPr>
-            <a:defRPr sz="1197" b="0" i="0" u="none" strike="noStrike" kern="1200" baseline="0">
-              <a:solidFill>
-                <a:schemeClr val="tx1">
-                  <a:lumMod val="65000"/>
-                  <a:lumOff val="35000"/>
-                </a:schemeClr>
-              </a:solidFill>
-              <a:latin typeface="+mn-lt"/>
-              <a:ea typeface="+mn-ea"/>
-              <a:cs typeface="+mn-cs"/>
-            </a:defRPr>
-          </a:pPr>
-          <a:endParaRPr lang="pt-BR"/>
-        </a:p>
-      </c:txPr>
-    </c:legend>
     <c:plotVisOnly val="1"/>
     <c:dispBlanksAs val="gap"/>
     <c:showDLblsOverMax val="0"/>
@@ -595,7 +627,7 @@
 </file>
 
 <file path=ppt/charts/style1.xml><?xml version="1.0" encoding="utf-8"?>
-<cs:chartStyle xmlns:cs="http://schemas.microsoft.com/office/drawing/2012/chartStyle" xmlns:a="http://schemas.openxmlformats.org/drawingml/2006/main" id="251">
+<cs:chartStyle xmlns:cs="http://schemas.microsoft.com/office/drawing/2012/chartStyle" xmlns:a="http://schemas.openxmlformats.org/drawingml/2006/main" id="201">
   <cs:axisTitle>
     <cs:lnRef idx="0"/>
     <cs:fillRef idx="0"/>
@@ -652,7 +684,7 @@
         <a:round/>
       </a:ln>
     </cs:spPr>
-    <cs:defRPr sz="1197" kern="1200"/>
+    <cs:defRPr sz="1330" kern="1200"/>
   </cs:chartArea>
   <cs:dataLabel>
     <cs:lnRef idx="0"/>
@@ -703,13 +735,6 @@
     <cs:fontRef idx="minor">
       <a:schemeClr val="tx1"/>
     </cs:fontRef>
-    <cs:spPr>
-      <a:ln w="19050">
-        <a:solidFill>
-          <a:schemeClr val="lt1"/>
-        </a:solidFill>
-      </a:ln>
-    </cs:spPr>
   </cs:dataPoint>
   <cs:dataPoint3D>
     <cs:lnRef idx="0"/>
@@ -720,19 +745,12 @@
     <cs:fontRef idx="minor">
       <a:schemeClr val="tx1"/>
     </cs:fontRef>
-    <cs:spPr>
-      <a:ln w="25400">
-        <a:solidFill>
-          <a:schemeClr val="lt1"/>
-        </a:solidFill>
-      </a:ln>
-    </cs:spPr>
   </cs:dataPoint3D>
   <cs:dataPointLine>
     <cs:lnRef idx="0">
       <cs:styleClr val="auto"/>
     </cs:lnRef>
-    <cs:fillRef idx="0"/>
+    <cs:fillRef idx="1"/>
     <cs:effectRef idx="0"/>
     <cs:fontRef idx="minor">
       <a:schemeClr val="tx1"/>
@@ -770,7 +788,7 @@
     <cs:lnRef idx="0">
       <cs:styleClr val="auto"/>
     </cs:lnRef>
-    <cs:fillRef idx="0"/>
+    <cs:fillRef idx="1"/>
     <cs:effectRef idx="0"/>
     <cs:fontRef idx="minor">
       <a:schemeClr val="tx1"/>
@@ -813,23 +831,22 @@
     <cs:fillRef idx="0"/>
     <cs:effectRef idx="0"/>
     <cs:fontRef idx="minor">
-      <a:schemeClr val="tx1"/>
+      <a:schemeClr val="dk1"/>
     </cs:fontRef>
     <cs:spPr>
       <a:solidFill>
         <a:schemeClr val="dk1">
-          <a:lumMod val="75000"/>
-          <a:lumOff val="25000"/>
+          <a:lumMod val="65000"/>
+          <a:lumOff val="35000"/>
         </a:schemeClr>
       </a:solidFill>
-      <a:ln w="9525" cap="flat" cmpd="sng" algn="ctr">
+      <a:ln w="9525">
         <a:solidFill>
           <a:schemeClr val="tx1">
             <a:lumMod val="65000"/>
             <a:lumOff val="35000"/>
           </a:schemeClr>
         </a:solidFill>
-        <a:round/>
       </a:ln>
     </cs:spPr>
   </cs:downBar>
@@ -934,8 +951,8 @@
       <a:ln w="9525" cap="flat" cmpd="sng" algn="ctr">
         <a:solidFill>
           <a:schemeClr val="tx1">
-            <a:lumMod val="50000"/>
-            <a:lumOff val="50000"/>
+            <a:lumMod val="75000"/>
+            <a:lumOff val="25000"/>
           </a:schemeClr>
         </a:solidFill>
         <a:round/>
@@ -1067,20 +1084,19 @@
     <cs:fillRef idx="0"/>
     <cs:effectRef idx="0"/>
     <cs:fontRef idx="minor">
-      <a:schemeClr val="tx1"/>
+      <a:schemeClr val="dk1"/>
     </cs:fontRef>
     <cs:spPr>
       <a:solidFill>
         <a:schemeClr val="lt1"/>
       </a:solidFill>
-      <a:ln w="9525" cap="flat" cmpd="sng" algn="ctr">
+      <a:ln w="9525">
         <a:solidFill>
           <a:schemeClr val="tx1">
-            <a:lumMod val="65000"/>
-            <a:lumOff val="35000"/>
+            <a:lumMod val="15000"/>
+            <a:lumOff val="85000"/>
           </a:schemeClr>
         </a:solidFill>
-        <a:round/>
       </a:ln>
     </cs:spPr>
   </cs:upBar>
@@ -4447,17 +4463,18 @@
       </dgm:t>
     </dgm:pt>
     <dgm:pt modelId="{0F9F144E-5A69-4079-9CFE-833FB141B5B7}">
-      <dgm:prSet phldrT="[Text]"/>
+      <dgm:prSet phldrT="[Text]" custT="1"/>
       <dgm:spPr/>
       <dgm:t>
         <a:bodyPr/>
         <a:lstStyle/>
         <a:p>
+          <a:pPr algn="ctr"/>
           <a:r>
-            <a:rPr lang="en-US" dirty="0" err="1"/>
+            <a:rPr lang="en-US" sz="4000" dirty="0" err="1"/>
             <a:t>Pessoas</a:t>
           </a:r>
-          <a:endParaRPr lang="en-US" dirty="0"/>
+          <a:endParaRPr lang="en-US" sz="4000" dirty="0"/>
         </a:p>
       </dgm:t>
     </dgm:pt>
@@ -4468,6 +4485,7 @@
         <a:bodyPr/>
         <a:lstStyle/>
         <a:p>
+          <a:pPr algn="ctr"/>
           <a:endParaRPr lang="en-US"/>
         </a:p>
       </dgm:t>
@@ -4479,6 +4497,7 @@
         <a:bodyPr/>
         <a:lstStyle/>
         <a:p>
+          <a:pPr algn="ctr"/>
           <a:endParaRPr lang="en-US"/>
         </a:p>
       </dgm:t>
@@ -4490,47 +4509,64 @@
         <a:bodyPr/>
         <a:lstStyle/>
         <a:p>
+          <a:pPr algn="l">
+            <a:buFont typeface="Arial" panose="020B0604020202020204" pitchFamily="34" charset="0"/>
+            <a:buChar char="•"/>
+          </a:pPr>
+          <a:r>
+            <a:rPr lang="en-US" dirty="0"/>
+            <a:t>- </a:t>
+          </a:r>
           <a:r>
             <a:rPr lang="en-US" dirty="0" err="1"/>
-            <a:t>Recurso</a:t>
+            <a:t>Gerente</a:t>
           </a:r>
           <a:r>
             <a:rPr lang="en-US" dirty="0"/>
-            <a:t> 1</a:t>
+            <a:t> do </a:t>
+          </a:r>
+          <a:r>
+            <a:rPr lang="en-US" dirty="0" err="1"/>
+            <a:t>projeto</a:t>
+          </a:r>
+          <a:r>
+            <a:rPr lang="en-US" dirty="0"/>
+            <a:t>;</a:t>
           </a:r>
           <a:br>
             <a:rPr lang="en-US" dirty="0"/>
           </a:br>
           <a:r>
+            <a:rPr lang="en-US" dirty="0"/>
+            <a:t>- </a:t>
+          </a:r>
+          <a:r>
             <a:rPr lang="en-US" dirty="0" err="1"/>
-            <a:t>Recurso</a:t>
+            <a:t>Arquiteto</a:t>
           </a:r>
           <a:r>
             <a:rPr lang="en-US" dirty="0"/>
-            <a:t> 2</a:t>
+            <a:t> de Software;</a:t>
           </a:r>
           <a:br>
             <a:rPr lang="en-US" dirty="0"/>
           </a:br>
           <a:r>
+            <a:rPr lang="en-US" dirty="0"/>
+            <a:t>- </a:t>
+          </a:r>
+          <a:r>
             <a:rPr lang="en-US" dirty="0" err="1"/>
-            <a:t>Recurso</a:t>
+            <a:t>Desenvolvedor</a:t>
           </a:r>
           <a:r>
             <a:rPr lang="en-US" dirty="0"/>
-            <a:t> 3</a:t>
+            <a:t>;</a:t>
           </a:r>
           <a:br>
             <a:rPr lang="en-US" dirty="0"/>
           </a:br>
-          <a:r>
-            <a:rPr lang="en-US" dirty="0" err="1"/>
-            <a:t>Recurso</a:t>
-          </a:r>
-          <a:r>
-            <a:rPr lang="en-US" dirty="0"/>
-            <a:t> 4</a:t>
-          </a:r>
+          <a:endParaRPr lang="en-US" dirty="0"/>
         </a:p>
       </dgm:t>
     </dgm:pt>
@@ -4541,6 +4577,7 @@
         <a:bodyPr/>
         <a:lstStyle/>
         <a:p>
+          <a:pPr algn="ctr"/>
           <a:endParaRPr lang="en-US"/>
         </a:p>
       </dgm:t>
@@ -4552,783 +4589,46 @@
         <a:bodyPr/>
         <a:lstStyle/>
         <a:p>
+          <a:pPr algn="ctr"/>
           <a:endParaRPr lang="en-US"/>
         </a:p>
       </dgm:t>
     </dgm:pt>
-    <dgm:pt modelId="{F5E45C32-85BB-467F-80E6-A808871E72F3}">
+    <dgm:pt modelId="{E1D0C85F-256A-49D0-98B1-EF82B460BEB8}">
       <dgm:prSet phldrT="[Text]"/>
       <dgm:spPr/>
       <dgm:t>
         <a:bodyPr/>
         <a:lstStyle/>
         <a:p>
+          <a:pPr algn="ctr"/>
           <a:r>
-            <a:rPr lang="en-US" dirty="0" err="1"/>
-            <a:t>Equipamentos</a:t>
+            <a:rPr lang="en-US"/>
+            <a:t>Notas</a:t>
           </a:r>
           <a:endParaRPr lang="en-US" dirty="0"/>
         </a:p>
       </dgm:t>
     </dgm:pt>
-    <dgm:pt modelId="{FAB096C4-43F1-4FB0-A740-B5A33490B558}" type="parTrans" cxnId="{C3F684FE-A0E7-411B-A303-2C8155B38D48}">
+    <dgm:pt modelId="{1C8D7E60-3B0A-48AF-910A-1EB22CD9E575}" type="parTrans" cxnId="{32BFDFF5-BA4A-4E7F-976E-6B223C296004}">
       <dgm:prSet/>
       <dgm:spPr/>
       <dgm:t>
         <a:bodyPr/>
         <a:lstStyle/>
         <a:p>
-          <a:endParaRPr lang="en-US"/>
+          <a:endParaRPr lang="pt-BR"/>
         </a:p>
       </dgm:t>
     </dgm:pt>
-    <dgm:pt modelId="{F29CEF7E-7A2A-457D-9BE3-75C08A423C81}" type="sibTrans" cxnId="{C3F684FE-A0E7-411B-A303-2C8155B38D48}">
+    <dgm:pt modelId="{D3CF22CB-A42B-478D-97EF-2BFA6DFB59AA}" type="sibTrans" cxnId="{32BFDFF5-BA4A-4E7F-976E-6B223C296004}">
       <dgm:prSet/>
       <dgm:spPr/>
       <dgm:t>
         <a:bodyPr/>
         <a:lstStyle/>
         <a:p>
-          <a:endParaRPr lang="en-US"/>
-        </a:p>
-      </dgm:t>
-    </dgm:pt>
-    <dgm:pt modelId="{6193ECAA-3925-487F-ADF8-CE1362754FFF}">
-      <dgm:prSet phldrT="[Text]"/>
-      <dgm:spPr/>
-      <dgm:t>
-        <a:bodyPr/>
-        <a:lstStyle/>
-        <a:p>
-          <a:r>
-            <a:rPr lang="en-US" dirty="0" err="1"/>
-            <a:t>Recurso</a:t>
-          </a:r>
-          <a:r>
-            <a:rPr lang="en-US" dirty="0"/>
-            <a:t> 1</a:t>
-          </a:r>
-          <a:br>
-            <a:rPr lang="en-US" dirty="0"/>
-          </a:br>
-          <a:r>
-            <a:rPr lang="en-US" dirty="0" err="1"/>
-            <a:t>Recurso</a:t>
-          </a:r>
-          <a:r>
-            <a:rPr lang="en-US" dirty="0"/>
-            <a:t> 2</a:t>
-          </a:r>
-          <a:br>
-            <a:rPr lang="en-US" dirty="0"/>
-          </a:br>
-          <a:r>
-            <a:rPr lang="en-US" dirty="0" err="1"/>
-            <a:t>Recurso</a:t>
-          </a:r>
-          <a:r>
-            <a:rPr lang="en-US" dirty="0"/>
-            <a:t> 3</a:t>
-          </a:r>
-          <a:br>
-            <a:rPr lang="en-US" dirty="0"/>
-          </a:br>
-          <a:r>
-            <a:rPr lang="en-US" dirty="0" err="1"/>
-            <a:t>Recurso</a:t>
-          </a:r>
-          <a:r>
-            <a:rPr lang="en-US" dirty="0"/>
-            <a:t> 4</a:t>
-          </a:r>
-        </a:p>
-      </dgm:t>
-    </dgm:pt>
-    <dgm:pt modelId="{CA95F830-F096-4B8A-8E76-097EF46A4F44}" type="parTrans" cxnId="{FA16C23C-5596-42A1-981A-487742CF3BBD}">
-      <dgm:prSet/>
-      <dgm:spPr/>
-      <dgm:t>
-        <a:bodyPr/>
-        <a:lstStyle/>
-        <a:p>
-          <a:endParaRPr lang="en-US"/>
-        </a:p>
-      </dgm:t>
-    </dgm:pt>
-    <dgm:pt modelId="{4C2F44CE-5AB4-4FFE-B037-FFB0E3B4A7EB}" type="sibTrans" cxnId="{FA16C23C-5596-42A1-981A-487742CF3BBD}">
-      <dgm:prSet/>
-      <dgm:spPr/>
-      <dgm:t>
-        <a:bodyPr/>
-        <a:lstStyle/>
-        <a:p>
-          <a:endParaRPr lang="en-US"/>
-        </a:p>
-      </dgm:t>
-    </dgm:pt>
-    <dgm:pt modelId="{FA9C7340-018E-4F73-A402-B7FF8C34CDC0}">
-      <dgm:prSet phldrT="[Text]"/>
-      <dgm:spPr/>
-      <dgm:t>
-        <a:bodyPr/>
-        <a:lstStyle/>
-        <a:p>
-          <a:r>
-            <a:rPr lang="en-US" dirty="0" err="1"/>
-            <a:t>Notas</a:t>
-          </a:r>
-          <a:endParaRPr lang="en-US" dirty="0"/>
-        </a:p>
-      </dgm:t>
-    </dgm:pt>
-    <dgm:pt modelId="{1805A85A-B92E-48E0-886D-23F094607276}" type="parTrans" cxnId="{92E0E4AC-AA4F-4221-B4F5-BC44ADD50226}">
-      <dgm:prSet/>
-      <dgm:spPr/>
-      <dgm:t>
-        <a:bodyPr/>
-        <a:lstStyle/>
-        <a:p>
-          <a:endParaRPr lang="en-US"/>
-        </a:p>
-      </dgm:t>
-    </dgm:pt>
-    <dgm:pt modelId="{44F9A519-DD68-4648-B8E0-DFC7EF2120B7}" type="sibTrans" cxnId="{92E0E4AC-AA4F-4221-B4F5-BC44ADD50226}">
-      <dgm:prSet/>
-      <dgm:spPr/>
-      <dgm:t>
-        <a:bodyPr/>
-        <a:lstStyle/>
-        <a:p>
-          <a:endParaRPr lang="en-US"/>
-        </a:p>
-      </dgm:t>
-    </dgm:pt>
-    <dgm:pt modelId="{7592B694-086D-4180-B053-CE7AD13C9858}">
-      <dgm:prSet phldrT="[Text]"/>
-      <dgm:spPr/>
-      <dgm:t>
-        <a:bodyPr/>
-        <a:lstStyle/>
-        <a:p>
-          <a:r>
-            <a:rPr lang="en-US" dirty="0" err="1"/>
-            <a:t>Locais</a:t>
-          </a:r>
-          <a:endParaRPr lang="en-US" dirty="0"/>
-        </a:p>
-      </dgm:t>
-    </dgm:pt>
-    <dgm:pt modelId="{C8FADD59-ED12-44D1-A076-7A13B0AC344E}" type="parTrans" cxnId="{583CC615-DAE7-4276-AD9F-C578D26FEDFC}">
-      <dgm:prSet/>
-      <dgm:spPr/>
-      <dgm:t>
-        <a:bodyPr/>
-        <a:lstStyle/>
-        <a:p>
-          <a:endParaRPr lang="en-US"/>
-        </a:p>
-      </dgm:t>
-    </dgm:pt>
-    <dgm:pt modelId="{34A6F1FD-1787-4988-A7E6-472B7C66BD09}" type="sibTrans" cxnId="{583CC615-DAE7-4276-AD9F-C578D26FEDFC}">
-      <dgm:prSet/>
-      <dgm:spPr/>
-      <dgm:t>
-        <a:bodyPr/>
-        <a:lstStyle/>
-        <a:p>
-          <a:endParaRPr lang="en-US"/>
-        </a:p>
-      </dgm:t>
-    </dgm:pt>
-    <dgm:pt modelId="{8665C39E-B30E-4258-BEA9-83E0F7084606}">
-      <dgm:prSet phldrT="[Text]"/>
-      <dgm:spPr/>
-      <dgm:t>
-        <a:bodyPr/>
-        <a:lstStyle/>
-        <a:p>
-          <a:r>
-            <a:rPr lang="en-US" dirty="0" err="1"/>
-            <a:t>Recurso</a:t>
-          </a:r>
-          <a:r>
-            <a:rPr lang="en-US" dirty="0"/>
-            <a:t> 1</a:t>
-          </a:r>
-          <a:br>
-            <a:rPr lang="en-US" dirty="0"/>
-          </a:br>
-          <a:r>
-            <a:rPr lang="en-US" dirty="0" err="1"/>
-            <a:t>Recurso</a:t>
-          </a:r>
-          <a:r>
-            <a:rPr lang="en-US" dirty="0"/>
-            <a:t> 2</a:t>
-          </a:r>
-          <a:br>
-            <a:rPr lang="en-US" dirty="0"/>
-          </a:br>
-          <a:r>
-            <a:rPr lang="en-US" dirty="0" err="1"/>
-            <a:t>Recurso</a:t>
-          </a:r>
-          <a:r>
-            <a:rPr lang="en-US" dirty="0"/>
-            <a:t> 3</a:t>
-          </a:r>
-          <a:br>
-            <a:rPr lang="en-US" dirty="0"/>
-          </a:br>
-          <a:r>
-            <a:rPr lang="en-US" dirty="0" err="1"/>
-            <a:t>Recurso</a:t>
-          </a:r>
-          <a:r>
-            <a:rPr lang="en-US" dirty="0"/>
-            <a:t> 4</a:t>
-          </a:r>
-        </a:p>
-      </dgm:t>
-    </dgm:pt>
-    <dgm:pt modelId="{8211EBE3-1C93-4CFB-BBEE-7A708996ED07}" type="parTrans" cxnId="{8D6B5497-475C-46A9-805D-510F815F9B98}">
-      <dgm:prSet/>
-      <dgm:spPr/>
-      <dgm:t>
-        <a:bodyPr/>
-        <a:lstStyle/>
-        <a:p>
-          <a:endParaRPr lang="en-US"/>
-        </a:p>
-      </dgm:t>
-    </dgm:pt>
-    <dgm:pt modelId="{6779ED75-3327-4C98-9C89-1343058D49BC}" type="sibTrans" cxnId="{8D6B5497-475C-46A9-805D-510F815F9B98}">
-      <dgm:prSet/>
-      <dgm:spPr/>
-      <dgm:t>
-        <a:bodyPr/>
-        <a:lstStyle/>
-        <a:p>
-          <a:endParaRPr lang="en-US"/>
-        </a:p>
-      </dgm:t>
-    </dgm:pt>
-    <dgm:pt modelId="{68DE1B8C-EBBC-4ACF-AD69-E108E4A8C85C}">
-      <dgm:prSet phldrT="[Text]"/>
-      <dgm:spPr/>
-      <dgm:t>
-        <a:bodyPr/>
-        <a:lstStyle/>
-        <a:p>
-          <a:r>
-            <a:rPr lang="en-US" dirty="0"/>
-            <a:t>Outros </a:t>
-          </a:r>
-          <a:r>
-            <a:rPr lang="en-US" dirty="0" err="1"/>
-            <a:t>Serviços</a:t>
-          </a:r>
-          <a:endParaRPr lang="en-US" dirty="0"/>
-        </a:p>
-      </dgm:t>
-    </dgm:pt>
-    <dgm:pt modelId="{94D73433-720A-40B7-8E81-899280B4DD52}" type="parTrans" cxnId="{F53C5B60-EE78-46AA-90FC-BDF2F3396876}">
-      <dgm:prSet/>
-      <dgm:spPr/>
-      <dgm:t>
-        <a:bodyPr/>
-        <a:lstStyle/>
-        <a:p>
-          <a:endParaRPr lang="en-US"/>
-        </a:p>
-      </dgm:t>
-    </dgm:pt>
-    <dgm:pt modelId="{10D11475-433C-4D63-8B5E-9E928E6DD9A1}" type="sibTrans" cxnId="{F53C5B60-EE78-46AA-90FC-BDF2F3396876}">
-      <dgm:prSet/>
-      <dgm:spPr/>
-      <dgm:t>
-        <a:bodyPr/>
-        <a:lstStyle/>
-        <a:p>
-          <a:endParaRPr lang="en-US"/>
-        </a:p>
-      </dgm:t>
-    </dgm:pt>
-    <dgm:pt modelId="{A766E2ED-C2E8-4E07-AF18-7EC57476A5C8}">
-      <dgm:prSet phldrT="[Text]"/>
-      <dgm:spPr/>
-      <dgm:t>
-        <a:bodyPr/>
-        <a:lstStyle/>
-        <a:p>
-          <a:r>
-            <a:rPr lang="en-US" dirty="0" err="1"/>
-            <a:t>Notas</a:t>
-          </a:r>
-          <a:endParaRPr lang="en-US" dirty="0"/>
-        </a:p>
-      </dgm:t>
-    </dgm:pt>
-    <dgm:pt modelId="{A1530F03-6C5E-45D7-8222-AD175A7090BD}" type="parTrans" cxnId="{918FC998-3E81-4E2A-A8E0-FB3EB04E2705}">
-      <dgm:prSet/>
-      <dgm:spPr/>
-      <dgm:t>
-        <a:bodyPr/>
-        <a:lstStyle/>
-        <a:p>
-          <a:endParaRPr lang="en-US"/>
-        </a:p>
-      </dgm:t>
-    </dgm:pt>
-    <dgm:pt modelId="{05B31AC5-A983-4FEC-B0BE-EB0462CF6128}" type="sibTrans" cxnId="{918FC998-3E81-4E2A-A8E0-FB3EB04E2705}">
-      <dgm:prSet/>
-      <dgm:spPr/>
-      <dgm:t>
-        <a:bodyPr/>
-        <a:lstStyle/>
-        <a:p>
-          <a:endParaRPr lang="en-US"/>
-        </a:p>
-      </dgm:t>
-    </dgm:pt>
-    <dgm:pt modelId="{512A4932-71C2-4AF1-A35F-4F4632F17C02}">
-      <dgm:prSet phldrT="[Text]"/>
-      <dgm:spPr/>
-      <dgm:t>
-        <a:bodyPr/>
-        <a:lstStyle/>
-        <a:p>
-          <a:r>
-            <a:rPr lang="en-US" dirty="0" err="1"/>
-            <a:t>Notas</a:t>
-          </a:r>
-          <a:endParaRPr lang="en-US" dirty="0"/>
-        </a:p>
-      </dgm:t>
-    </dgm:pt>
-    <dgm:pt modelId="{47E31259-60CB-40FB-B391-CCAEC2189164}" type="parTrans" cxnId="{42032CCC-41F9-4B3F-A503-E38701F4AC02}">
-      <dgm:prSet/>
-      <dgm:spPr/>
-      <dgm:t>
-        <a:bodyPr/>
-        <a:lstStyle/>
-        <a:p>
-          <a:endParaRPr lang="en-US"/>
-        </a:p>
-      </dgm:t>
-    </dgm:pt>
-    <dgm:pt modelId="{4C7C1C5B-4033-4A4C-87E1-4A3C60B720B7}" type="sibTrans" cxnId="{42032CCC-41F9-4B3F-A503-E38701F4AC02}">
-      <dgm:prSet/>
-      <dgm:spPr/>
-      <dgm:t>
-        <a:bodyPr/>
-        <a:lstStyle/>
-        <a:p>
-          <a:endParaRPr lang="en-US"/>
-        </a:p>
-      </dgm:t>
-    </dgm:pt>
-    <dgm:pt modelId="{8C9EF0B8-B348-4F26-938D-6A3D8F1D01C9}">
-      <dgm:prSet phldrT="[Text]"/>
-      <dgm:spPr/>
-      <dgm:t>
-        <a:bodyPr/>
-        <a:lstStyle/>
-        <a:p>
-          <a:r>
-            <a:rPr lang="en-US" dirty="0" err="1"/>
-            <a:t>Recurso</a:t>
-          </a:r>
-          <a:r>
-            <a:rPr lang="en-US" dirty="0"/>
-            <a:t> 1</a:t>
-          </a:r>
-          <a:br>
-            <a:rPr lang="en-US" dirty="0"/>
-          </a:br>
-          <a:r>
-            <a:rPr lang="en-US" dirty="0" err="1"/>
-            <a:t>Recurso</a:t>
-          </a:r>
-          <a:r>
-            <a:rPr lang="en-US" dirty="0"/>
-            <a:t> 2</a:t>
-          </a:r>
-          <a:br>
-            <a:rPr lang="en-US" dirty="0"/>
-          </a:br>
-          <a:r>
-            <a:rPr lang="en-US" dirty="0" err="1"/>
-            <a:t>Recurso</a:t>
-          </a:r>
-          <a:r>
-            <a:rPr lang="en-US" dirty="0"/>
-            <a:t> 3</a:t>
-          </a:r>
-          <a:br>
-            <a:rPr lang="en-US" dirty="0"/>
-          </a:br>
-          <a:r>
-            <a:rPr lang="en-US" dirty="0" err="1"/>
-            <a:t>Recurso</a:t>
-          </a:r>
-          <a:r>
-            <a:rPr lang="en-US" dirty="0"/>
-            <a:t> 4</a:t>
-          </a:r>
-        </a:p>
-      </dgm:t>
-    </dgm:pt>
-    <dgm:pt modelId="{317FEE05-7414-4035-9841-8DABE546206E}" type="parTrans" cxnId="{B4186457-1219-426F-922C-5AECDCC53AC0}">
-      <dgm:prSet/>
-      <dgm:spPr/>
-      <dgm:t>
-        <a:bodyPr/>
-        <a:lstStyle/>
-        <a:p>
-          <a:endParaRPr lang="en-US"/>
-        </a:p>
-      </dgm:t>
-    </dgm:pt>
-    <dgm:pt modelId="{5DAD05BE-4905-4E9C-9DE0-125B4DBFBE33}" type="sibTrans" cxnId="{B4186457-1219-426F-922C-5AECDCC53AC0}">
-      <dgm:prSet/>
-      <dgm:spPr/>
-      <dgm:t>
-        <a:bodyPr/>
-        <a:lstStyle/>
-        <a:p>
-          <a:endParaRPr lang="en-US"/>
-        </a:p>
-      </dgm:t>
-    </dgm:pt>
-    <dgm:pt modelId="{7DCD12F6-9D96-4CEE-B77D-0059BD9F172C}">
-      <dgm:prSet phldrT="[Text]"/>
-      <dgm:spPr/>
-      <dgm:t>
-        <a:bodyPr/>
-        <a:lstStyle/>
-        <a:p>
-          <a:r>
-            <a:rPr lang="en-US" dirty="0" err="1"/>
-            <a:t>Notas</a:t>
-          </a:r>
-          <a:endParaRPr lang="en-US" dirty="0"/>
-        </a:p>
-      </dgm:t>
-    </dgm:pt>
-    <dgm:pt modelId="{05220267-9773-4777-8E6B-2437F9979F0B}" type="parTrans" cxnId="{8BF652A8-B747-4011-8997-2C8E587087B9}">
-      <dgm:prSet/>
-      <dgm:spPr/>
-      <dgm:t>
-        <a:bodyPr/>
-        <a:lstStyle/>
-        <a:p>
-          <a:endParaRPr lang="en-US"/>
-        </a:p>
-      </dgm:t>
-    </dgm:pt>
-    <dgm:pt modelId="{89843E98-8750-44A8-9562-C70EE7FD83F4}" type="sibTrans" cxnId="{8BF652A8-B747-4011-8997-2C8E587087B9}">
-      <dgm:prSet/>
-      <dgm:spPr/>
-      <dgm:t>
-        <a:bodyPr/>
-        <a:lstStyle/>
-        <a:p>
-          <a:endParaRPr lang="en-US"/>
-        </a:p>
-      </dgm:t>
-    </dgm:pt>
-    <dgm:pt modelId="{990E17D6-2B47-4FC5-AD93-1E96AFBF7BE7}">
-      <dgm:prSet phldrT="[Text]"/>
-      <dgm:spPr/>
-      <dgm:t>
-        <a:bodyPr/>
-        <a:lstStyle/>
-        <a:p>
-          <a:r>
-            <a:rPr lang="en-US" dirty="0" err="1"/>
-            <a:t>Manufatura</a:t>
-          </a:r>
-          <a:endParaRPr lang="en-US" dirty="0"/>
-        </a:p>
-      </dgm:t>
-    </dgm:pt>
-    <dgm:pt modelId="{FE8F1E68-B20A-4328-A3A2-124220A35426}" type="parTrans" cxnId="{C2460F17-CDAE-48DD-9BD8-1126146AE0EF}">
-      <dgm:prSet/>
-      <dgm:spPr/>
-      <dgm:t>
-        <a:bodyPr/>
-        <a:lstStyle/>
-        <a:p>
-          <a:endParaRPr lang="en-US"/>
-        </a:p>
-      </dgm:t>
-    </dgm:pt>
-    <dgm:pt modelId="{DE7A8AB0-B597-4567-B709-EB7E2965A939}" type="sibTrans" cxnId="{C2460F17-CDAE-48DD-9BD8-1126146AE0EF}">
-      <dgm:prSet/>
-      <dgm:spPr/>
-      <dgm:t>
-        <a:bodyPr/>
-        <a:lstStyle/>
-        <a:p>
-          <a:endParaRPr lang="en-US"/>
-        </a:p>
-      </dgm:t>
-    </dgm:pt>
-    <dgm:pt modelId="{7195F398-6161-42FE-8062-43E5A30273CF}">
-      <dgm:prSet phldrT="[Text]"/>
-      <dgm:spPr/>
-      <dgm:t>
-        <a:bodyPr/>
-        <a:lstStyle/>
-        <a:p>
-          <a:r>
-            <a:rPr lang="en-US" dirty="0" err="1"/>
-            <a:t>Recurso</a:t>
-          </a:r>
-          <a:r>
-            <a:rPr lang="en-US" dirty="0"/>
-            <a:t> 1</a:t>
-          </a:r>
-          <a:br>
-            <a:rPr lang="en-US" dirty="0"/>
-          </a:br>
-          <a:r>
-            <a:rPr lang="en-US" dirty="0" err="1"/>
-            <a:t>Recurso</a:t>
-          </a:r>
-          <a:r>
-            <a:rPr lang="en-US" dirty="0"/>
-            <a:t> 2</a:t>
-          </a:r>
-          <a:br>
-            <a:rPr lang="en-US" dirty="0"/>
-          </a:br>
-          <a:r>
-            <a:rPr lang="en-US" dirty="0" err="1"/>
-            <a:t>Recurso</a:t>
-          </a:r>
-          <a:r>
-            <a:rPr lang="en-US" dirty="0"/>
-            <a:t> 3</a:t>
-          </a:r>
-          <a:br>
-            <a:rPr lang="en-US" dirty="0"/>
-          </a:br>
-          <a:r>
-            <a:rPr lang="en-US" dirty="0" err="1"/>
-            <a:t>Recurso</a:t>
-          </a:r>
-          <a:r>
-            <a:rPr lang="en-US" dirty="0"/>
-            <a:t> 4</a:t>
-          </a:r>
-        </a:p>
-      </dgm:t>
-    </dgm:pt>
-    <dgm:pt modelId="{94367AAD-6981-4EE8-AF1A-6EB47FBD0BF3}" type="parTrans" cxnId="{95004706-8520-4D84-A45C-548F7C7AFC8B}">
-      <dgm:prSet/>
-      <dgm:spPr/>
-      <dgm:t>
-        <a:bodyPr/>
-        <a:lstStyle/>
-        <a:p>
-          <a:endParaRPr lang="en-US"/>
-        </a:p>
-      </dgm:t>
-    </dgm:pt>
-    <dgm:pt modelId="{D5E09E1F-03F4-43A5-A259-C5AAD57CBE42}" type="sibTrans" cxnId="{95004706-8520-4D84-A45C-548F7C7AFC8B}">
-      <dgm:prSet/>
-      <dgm:spPr/>
-      <dgm:t>
-        <a:bodyPr/>
-        <a:lstStyle/>
-        <a:p>
-          <a:endParaRPr lang="en-US"/>
-        </a:p>
-      </dgm:t>
-    </dgm:pt>
-    <dgm:pt modelId="{05E0F7CC-1593-4E3E-91A3-86A465E18FB5}">
-      <dgm:prSet phldrT="[Text]"/>
-      <dgm:spPr/>
-      <dgm:t>
-        <a:bodyPr/>
-        <a:lstStyle/>
-        <a:p>
-          <a:r>
-            <a:rPr lang="en-US" dirty="0" err="1"/>
-            <a:t>Notas</a:t>
-          </a:r>
-          <a:endParaRPr lang="en-US" dirty="0"/>
-        </a:p>
-      </dgm:t>
-    </dgm:pt>
-    <dgm:pt modelId="{2F9E893D-D054-435B-BB6A-CA4A2B0A4737}" type="parTrans" cxnId="{EDEABB0C-27C7-4D1E-B786-FB8270D60CCA}">
-      <dgm:prSet/>
-      <dgm:spPr/>
-      <dgm:t>
-        <a:bodyPr/>
-        <a:lstStyle/>
-        <a:p>
-          <a:endParaRPr lang="en-US"/>
-        </a:p>
-      </dgm:t>
-    </dgm:pt>
-    <dgm:pt modelId="{2CA15156-CACD-4A16-951D-4C696CCBC3C2}" type="sibTrans" cxnId="{EDEABB0C-27C7-4D1E-B786-FB8270D60CCA}">
-      <dgm:prSet/>
-      <dgm:spPr/>
-      <dgm:t>
-        <a:bodyPr/>
-        <a:lstStyle/>
-        <a:p>
-          <a:endParaRPr lang="en-US"/>
-        </a:p>
-      </dgm:t>
-    </dgm:pt>
-    <dgm:pt modelId="{DADEE461-B9C7-4E4D-8F76-C4BEE058565B}">
-      <dgm:prSet phldrT="[Text]"/>
-      <dgm:spPr/>
-      <dgm:t>
-        <a:bodyPr/>
-        <a:lstStyle/>
-        <a:p>
-          <a:r>
-            <a:rPr lang="en-US" dirty="0" err="1"/>
-            <a:t>Vendas</a:t>
-          </a:r>
-          <a:endParaRPr lang="en-US" dirty="0"/>
-        </a:p>
-      </dgm:t>
-    </dgm:pt>
-    <dgm:pt modelId="{DBFD308D-4184-4A3D-B3A9-DAB69C287E06}" type="parTrans" cxnId="{F2A74F4D-E89E-4A53-B841-441FF129E762}">
-      <dgm:prSet/>
-      <dgm:spPr/>
-      <dgm:t>
-        <a:bodyPr/>
-        <a:lstStyle/>
-        <a:p>
-          <a:endParaRPr lang="en-US"/>
-        </a:p>
-      </dgm:t>
-    </dgm:pt>
-    <dgm:pt modelId="{D1A547C0-8B30-44BD-9102-3FF9FB549C46}" type="sibTrans" cxnId="{F2A74F4D-E89E-4A53-B841-441FF129E762}">
-      <dgm:prSet/>
-      <dgm:spPr/>
-      <dgm:t>
-        <a:bodyPr/>
-        <a:lstStyle/>
-        <a:p>
-          <a:endParaRPr lang="en-US"/>
-        </a:p>
-      </dgm:t>
-    </dgm:pt>
-    <dgm:pt modelId="{406F5215-17A4-4C94-9F2C-C028103F90A1}">
-      <dgm:prSet phldrT="[Text]"/>
-      <dgm:spPr/>
-      <dgm:t>
-        <a:bodyPr/>
-        <a:lstStyle/>
-        <a:p>
-          <a:r>
-            <a:rPr lang="en-US" dirty="0" err="1"/>
-            <a:t>Recurso</a:t>
-          </a:r>
-          <a:r>
-            <a:rPr lang="en-US" dirty="0"/>
-            <a:t> 1</a:t>
-          </a:r>
-          <a:br>
-            <a:rPr lang="en-US" dirty="0"/>
-          </a:br>
-          <a:r>
-            <a:rPr lang="en-US" dirty="0" err="1"/>
-            <a:t>Recurso</a:t>
-          </a:r>
-          <a:r>
-            <a:rPr lang="en-US" dirty="0"/>
-            <a:t> 2</a:t>
-          </a:r>
-          <a:br>
-            <a:rPr lang="en-US" dirty="0"/>
-          </a:br>
-          <a:r>
-            <a:rPr lang="en-US" dirty="0" err="1"/>
-            <a:t>Recurso</a:t>
-          </a:r>
-          <a:r>
-            <a:rPr lang="en-US" dirty="0"/>
-            <a:t> 3</a:t>
-          </a:r>
-          <a:br>
-            <a:rPr lang="en-US" dirty="0"/>
-          </a:br>
-          <a:r>
-            <a:rPr lang="en-US" dirty="0" err="1"/>
-            <a:t>Recurso</a:t>
-          </a:r>
-          <a:r>
-            <a:rPr lang="en-US" dirty="0"/>
-            <a:t> 4</a:t>
-          </a:r>
-        </a:p>
-      </dgm:t>
-    </dgm:pt>
-    <dgm:pt modelId="{904C488B-EDCA-4CF0-8E08-1FD9CD42A42F}" type="parTrans" cxnId="{5352C17E-F603-4AFE-9421-5C9166D9912F}">
-      <dgm:prSet/>
-      <dgm:spPr/>
-      <dgm:t>
-        <a:bodyPr/>
-        <a:lstStyle/>
-        <a:p>
-          <a:endParaRPr lang="en-US"/>
-        </a:p>
-      </dgm:t>
-    </dgm:pt>
-    <dgm:pt modelId="{733D6CE6-CDD6-45DB-9725-6A2D30AF5778}" type="sibTrans" cxnId="{5352C17E-F603-4AFE-9421-5C9166D9912F}">
-      <dgm:prSet/>
-      <dgm:spPr/>
-      <dgm:t>
-        <a:bodyPr/>
-        <a:lstStyle/>
-        <a:p>
-          <a:endParaRPr lang="en-US"/>
-        </a:p>
-      </dgm:t>
-    </dgm:pt>
-    <dgm:pt modelId="{E86573C5-0EDE-4AD1-BC6F-18E4089AD966}">
-      <dgm:prSet phldrT="[Text]"/>
-      <dgm:spPr/>
-      <dgm:t>
-        <a:bodyPr/>
-        <a:lstStyle/>
-        <a:p>
-          <a:r>
-            <a:rPr lang="en-US" dirty="0" err="1"/>
-            <a:t>Notas</a:t>
-          </a:r>
-          <a:endParaRPr lang="en-US" dirty="0"/>
-        </a:p>
-      </dgm:t>
-    </dgm:pt>
-    <dgm:pt modelId="{051DB31F-7909-4291-8AE0-ABB3A60F17B3}" type="parTrans" cxnId="{1FA22335-7EE3-4E2C-8CC8-A00A41859142}">
-      <dgm:prSet/>
-      <dgm:spPr/>
-      <dgm:t>
-        <a:bodyPr/>
-        <a:lstStyle/>
-        <a:p>
-          <a:endParaRPr lang="en-US"/>
-        </a:p>
-      </dgm:t>
-    </dgm:pt>
-    <dgm:pt modelId="{33F99918-D81E-4B9F-988C-60B2D20A1F79}" type="sibTrans" cxnId="{1FA22335-7EE3-4E2C-8CC8-A00A41859142}">
-      <dgm:prSet/>
-      <dgm:spPr/>
-      <dgm:t>
-        <a:bodyPr/>
-        <a:lstStyle/>
-        <a:p>
-          <a:endParaRPr lang="en-US"/>
+          <a:endParaRPr lang="pt-BR"/>
         </a:p>
       </dgm:t>
     </dgm:pt>
@@ -5347,11 +4647,11 @@
       <dgm:spPr/>
     </dgm:pt>
     <dgm:pt modelId="{9046789A-6150-4534-817A-88A1F11F0BDA}" type="pres">
-      <dgm:prSet presAssocID="{0F9F144E-5A69-4079-9CFE-833FB141B5B7}" presName="aNode" presStyleLbl="bgShp" presStyleIdx="0" presStyleCnt="6"/>
+      <dgm:prSet presAssocID="{0F9F144E-5A69-4079-9CFE-833FB141B5B7}" presName="aNode" presStyleLbl="bgShp" presStyleIdx="0" presStyleCnt="1" custLinFactNeighborX="0" custLinFactNeighborY="77"/>
       <dgm:spPr/>
     </dgm:pt>
     <dgm:pt modelId="{F032D9DC-6E96-4533-82F7-966FA94900AA}" type="pres">
-      <dgm:prSet presAssocID="{0F9F144E-5A69-4079-9CFE-833FB141B5B7}" presName="textNode" presStyleLbl="bgShp" presStyleIdx="0" presStyleCnt="6"/>
+      <dgm:prSet presAssocID="{0F9F144E-5A69-4079-9CFE-833FB141B5B7}" presName="textNode" presStyleLbl="bgShp" presStyleIdx="0" presStyleCnt="1"/>
       <dgm:spPr/>
     </dgm:pt>
     <dgm:pt modelId="{B5BC7729-4343-49E6-A4EF-D07AFE39FD9B}" type="pres">
@@ -5363,239 +4663,19 @@
       <dgm:spPr/>
     </dgm:pt>
     <dgm:pt modelId="{A8FD0D76-AFC6-4802-9090-E980FDBECC91}" type="pres">
-      <dgm:prSet presAssocID="{32074760-1CE6-4EA9-A667-33C7E19C2D94}" presName="childNode" presStyleLbl="node1" presStyleIdx="0" presStyleCnt="12">
+      <dgm:prSet presAssocID="{32074760-1CE6-4EA9-A667-33C7E19C2D94}" presName="childNode" presStyleLbl="node1" presStyleIdx="0" presStyleCnt="2" custLinFactNeighborX="1102" custLinFactNeighborY="-8923">
         <dgm:presLayoutVars>
           <dgm:bulletEnabled val="1"/>
         </dgm:presLayoutVars>
       </dgm:prSet>
       <dgm:spPr/>
     </dgm:pt>
-    <dgm:pt modelId="{B8931CD7-CDC0-4094-A84B-34C86C5DA39D}" type="pres">
+    <dgm:pt modelId="{D745CFF1-2B85-49E4-8F39-4348401A7D3D}" type="pres">
       <dgm:prSet presAssocID="{32074760-1CE6-4EA9-A667-33C7E19C2D94}" presName="aSpace2" presStyleCnt="0"/>
       <dgm:spPr/>
     </dgm:pt>
-    <dgm:pt modelId="{D88EF221-1E19-407F-A109-45D126E6B0AD}" type="pres">
-      <dgm:prSet presAssocID="{A766E2ED-C2E8-4E07-AF18-7EC57476A5C8}" presName="childNode" presStyleLbl="node1" presStyleIdx="1" presStyleCnt="12">
-        <dgm:presLayoutVars>
-          <dgm:bulletEnabled val="1"/>
-        </dgm:presLayoutVars>
-      </dgm:prSet>
-      <dgm:spPr/>
-    </dgm:pt>
-    <dgm:pt modelId="{C9C82461-FD43-4EC4-813A-C5DDCB53324F}" type="pres">
-      <dgm:prSet presAssocID="{0F9F144E-5A69-4079-9CFE-833FB141B5B7}" presName="aSpace" presStyleCnt="0"/>
-      <dgm:spPr/>
-    </dgm:pt>
-    <dgm:pt modelId="{8BCCD3FB-2367-4C8C-8BF4-4A3211E36F9D}" type="pres">
-      <dgm:prSet presAssocID="{F5E45C32-85BB-467F-80E6-A808871E72F3}" presName="compNode" presStyleCnt="0"/>
-      <dgm:spPr/>
-    </dgm:pt>
-    <dgm:pt modelId="{E7B9CF75-AF6A-4290-854A-077BB9A2D77C}" type="pres">
-      <dgm:prSet presAssocID="{F5E45C32-85BB-467F-80E6-A808871E72F3}" presName="aNode" presStyleLbl="bgShp" presStyleIdx="1" presStyleCnt="6"/>
-      <dgm:spPr/>
-    </dgm:pt>
-    <dgm:pt modelId="{2487EB6F-DE81-4509-80D3-3047844600F3}" type="pres">
-      <dgm:prSet presAssocID="{F5E45C32-85BB-467F-80E6-A808871E72F3}" presName="textNode" presStyleLbl="bgShp" presStyleIdx="1" presStyleCnt="6"/>
-      <dgm:spPr/>
-    </dgm:pt>
-    <dgm:pt modelId="{C2211325-8BBF-4C60-9ACA-1D2794FAABC8}" type="pres">
-      <dgm:prSet presAssocID="{F5E45C32-85BB-467F-80E6-A808871E72F3}" presName="compChildNode" presStyleCnt="0"/>
-      <dgm:spPr/>
-    </dgm:pt>
-    <dgm:pt modelId="{B2780439-4F9B-4F9F-A6E9-950663472748}" type="pres">
-      <dgm:prSet presAssocID="{F5E45C32-85BB-467F-80E6-A808871E72F3}" presName="theInnerList" presStyleCnt="0"/>
-      <dgm:spPr/>
-    </dgm:pt>
-    <dgm:pt modelId="{5CE69C38-1462-4F71-A252-F397C9008295}" type="pres">
-      <dgm:prSet presAssocID="{6193ECAA-3925-487F-ADF8-CE1362754FFF}" presName="childNode" presStyleLbl="node1" presStyleIdx="2" presStyleCnt="12">
-        <dgm:presLayoutVars>
-          <dgm:bulletEnabled val="1"/>
-        </dgm:presLayoutVars>
-      </dgm:prSet>
-      <dgm:spPr/>
-    </dgm:pt>
-    <dgm:pt modelId="{5042C203-E2AD-404F-8812-509816C4E958}" type="pres">
-      <dgm:prSet presAssocID="{6193ECAA-3925-487F-ADF8-CE1362754FFF}" presName="aSpace2" presStyleCnt="0"/>
-      <dgm:spPr/>
-    </dgm:pt>
-    <dgm:pt modelId="{BD436606-D1DD-4535-A521-C5E4F9743128}" type="pres">
-      <dgm:prSet presAssocID="{FA9C7340-018E-4F73-A402-B7FF8C34CDC0}" presName="childNode" presStyleLbl="node1" presStyleIdx="3" presStyleCnt="12">
-        <dgm:presLayoutVars>
-          <dgm:bulletEnabled val="1"/>
-        </dgm:presLayoutVars>
-      </dgm:prSet>
-      <dgm:spPr/>
-    </dgm:pt>
-    <dgm:pt modelId="{03CB735D-973C-4AB1-BFE0-DDB003F67757}" type="pres">
-      <dgm:prSet presAssocID="{F5E45C32-85BB-467F-80E6-A808871E72F3}" presName="aSpace" presStyleCnt="0"/>
-      <dgm:spPr/>
-    </dgm:pt>
-    <dgm:pt modelId="{0A5DD276-9362-4684-BD52-D98FE1BB5A62}" type="pres">
-      <dgm:prSet presAssocID="{7592B694-086D-4180-B053-CE7AD13C9858}" presName="compNode" presStyleCnt="0"/>
-      <dgm:spPr/>
-    </dgm:pt>
-    <dgm:pt modelId="{6E5A89BC-14D8-4DAA-BBC1-B070DD5BD626}" type="pres">
-      <dgm:prSet presAssocID="{7592B694-086D-4180-B053-CE7AD13C9858}" presName="aNode" presStyleLbl="bgShp" presStyleIdx="2" presStyleCnt="6"/>
-      <dgm:spPr/>
-    </dgm:pt>
-    <dgm:pt modelId="{B6E9B2AA-8010-4FAB-90D2-72717C05AE96}" type="pres">
-      <dgm:prSet presAssocID="{7592B694-086D-4180-B053-CE7AD13C9858}" presName="textNode" presStyleLbl="bgShp" presStyleIdx="2" presStyleCnt="6"/>
-      <dgm:spPr/>
-    </dgm:pt>
-    <dgm:pt modelId="{8CAB1258-DC19-487A-8C4B-18A77888EC3B}" type="pres">
-      <dgm:prSet presAssocID="{7592B694-086D-4180-B053-CE7AD13C9858}" presName="compChildNode" presStyleCnt="0"/>
-      <dgm:spPr/>
-    </dgm:pt>
-    <dgm:pt modelId="{0F905639-1614-400B-8FA5-CBB0DE167D28}" type="pres">
-      <dgm:prSet presAssocID="{7592B694-086D-4180-B053-CE7AD13C9858}" presName="theInnerList" presStyleCnt="0"/>
-      <dgm:spPr/>
-    </dgm:pt>
-    <dgm:pt modelId="{85B657F5-5C9C-42F8-A245-10BA7A824404}" type="pres">
-      <dgm:prSet presAssocID="{8665C39E-B30E-4258-BEA9-83E0F7084606}" presName="childNode" presStyleLbl="node1" presStyleIdx="4" presStyleCnt="12">
-        <dgm:presLayoutVars>
-          <dgm:bulletEnabled val="1"/>
-        </dgm:presLayoutVars>
-      </dgm:prSet>
-      <dgm:spPr/>
-    </dgm:pt>
-    <dgm:pt modelId="{AC0DD7DC-3B42-48D8-A1BA-88D01627AD9F}" type="pres">
-      <dgm:prSet presAssocID="{8665C39E-B30E-4258-BEA9-83E0F7084606}" presName="aSpace2" presStyleCnt="0"/>
-      <dgm:spPr/>
-    </dgm:pt>
-    <dgm:pt modelId="{51239DC3-E9A2-43DA-8F69-23A0808C5F7B}" type="pres">
-      <dgm:prSet presAssocID="{512A4932-71C2-4AF1-A35F-4F4632F17C02}" presName="childNode" presStyleLbl="node1" presStyleIdx="5" presStyleCnt="12">
-        <dgm:presLayoutVars>
-          <dgm:bulletEnabled val="1"/>
-        </dgm:presLayoutVars>
-      </dgm:prSet>
-      <dgm:spPr/>
-    </dgm:pt>
-    <dgm:pt modelId="{AA409656-EC9E-49D6-8BDF-28792EB46183}" type="pres">
-      <dgm:prSet presAssocID="{7592B694-086D-4180-B053-CE7AD13C9858}" presName="aSpace" presStyleCnt="0"/>
-      <dgm:spPr/>
-    </dgm:pt>
-    <dgm:pt modelId="{79CE3980-98C8-4564-915E-59923DFBBF03}" type="pres">
-      <dgm:prSet presAssocID="{68DE1B8C-EBBC-4ACF-AD69-E108E4A8C85C}" presName="compNode" presStyleCnt="0"/>
-      <dgm:spPr/>
-    </dgm:pt>
-    <dgm:pt modelId="{DFC8EC82-A76D-41CD-A597-E02C5F5CBEEE}" type="pres">
-      <dgm:prSet presAssocID="{68DE1B8C-EBBC-4ACF-AD69-E108E4A8C85C}" presName="aNode" presStyleLbl="bgShp" presStyleIdx="3" presStyleCnt="6"/>
-      <dgm:spPr/>
-    </dgm:pt>
-    <dgm:pt modelId="{A9276CF6-D6BB-4D87-85EE-C74A56417B50}" type="pres">
-      <dgm:prSet presAssocID="{68DE1B8C-EBBC-4ACF-AD69-E108E4A8C85C}" presName="textNode" presStyleLbl="bgShp" presStyleIdx="3" presStyleCnt="6"/>
-      <dgm:spPr/>
-    </dgm:pt>
-    <dgm:pt modelId="{6F4913EE-3597-469A-BAA0-D082AC5E47A9}" type="pres">
-      <dgm:prSet presAssocID="{68DE1B8C-EBBC-4ACF-AD69-E108E4A8C85C}" presName="compChildNode" presStyleCnt="0"/>
-      <dgm:spPr/>
-    </dgm:pt>
-    <dgm:pt modelId="{03EEACD6-906A-419E-ACC7-F193A552FC8A}" type="pres">
-      <dgm:prSet presAssocID="{68DE1B8C-EBBC-4ACF-AD69-E108E4A8C85C}" presName="theInnerList" presStyleCnt="0"/>
-      <dgm:spPr/>
-    </dgm:pt>
-    <dgm:pt modelId="{EF50A355-5315-401C-A8B8-05A2B4F30FE3}" type="pres">
-      <dgm:prSet presAssocID="{8C9EF0B8-B348-4F26-938D-6A3D8F1D01C9}" presName="childNode" presStyleLbl="node1" presStyleIdx="6" presStyleCnt="12">
-        <dgm:presLayoutVars>
-          <dgm:bulletEnabled val="1"/>
-        </dgm:presLayoutVars>
-      </dgm:prSet>
-      <dgm:spPr/>
-    </dgm:pt>
-    <dgm:pt modelId="{8F5E152E-D1EC-4A61-89CE-BF7F4DA1F822}" type="pres">
-      <dgm:prSet presAssocID="{8C9EF0B8-B348-4F26-938D-6A3D8F1D01C9}" presName="aSpace2" presStyleCnt="0"/>
-      <dgm:spPr/>
-    </dgm:pt>
-    <dgm:pt modelId="{60B6E648-ADB0-4695-B9EA-290DF28C1E3A}" type="pres">
-      <dgm:prSet presAssocID="{7DCD12F6-9D96-4CEE-B77D-0059BD9F172C}" presName="childNode" presStyleLbl="node1" presStyleIdx="7" presStyleCnt="12">
-        <dgm:presLayoutVars>
-          <dgm:bulletEnabled val="1"/>
-        </dgm:presLayoutVars>
-      </dgm:prSet>
-      <dgm:spPr/>
-    </dgm:pt>
-    <dgm:pt modelId="{EA1AAD27-E3B9-4DA2-AE2C-330662C2BE86}" type="pres">
-      <dgm:prSet presAssocID="{68DE1B8C-EBBC-4ACF-AD69-E108E4A8C85C}" presName="aSpace" presStyleCnt="0"/>
-      <dgm:spPr/>
-    </dgm:pt>
-    <dgm:pt modelId="{11320078-92D3-471C-BC38-D27E99C2A837}" type="pres">
-      <dgm:prSet presAssocID="{990E17D6-2B47-4FC5-AD93-1E96AFBF7BE7}" presName="compNode" presStyleCnt="0"/>
-      <dgm:spPr/>
-    </dgm:pt>
-    <dgm:pt modelId="{B7745507-FF48-4A3D-94B6-C22B44E66409}" type="pres">
-      <dgm:prSet presAssocID="{990E17D6-2B47-4FC5-AD93-1E96AFBF7BE7}" presName="aNode" presStyleLbl="bgShp" presStyleIdx="4" presStyleCnt="6"/>
-      <dgm:spPr/>
-    </dgm:pt>
-    <dgm:pt modelId="{3B09E531-2667-42C3-B344-18F91AEDB3E2}" type="pres">
-      <dgm:prSet presAssocID="{990E17D6-2B47-4FC5-AD93-1E96AFBF7BE7}" presName="textNode" presStyleLbl="bgShp" presStyleIdx="4" presStyleCnt="6"/>
-      <dgm:spPr/>
-    </dgm:pt>
-    <dgm:pt modelId="{2DBE89DF-7F6D-4774-A904-1B3DE19B3EBD}" type="pres">
-      <dgm:prSet presAssocID="{990E17D6-2B47-4FC5-AD93-1E96AFBF7BE7}" presName="compChildNode" presStyleCnt="0"/>
-      <dgm:spPr/>
-    </dgm:pt>
-    <dgm:pt modelId="{77A9AB98-8E8B-4D79-AABA-8B07E0953387}" type="pres">
-      <dgm:prSet presAssocID="{990E17D6-2B47-4FC5-AD93-1E96AFBF7BE7}" presName="theInnerList" presStyleCnt="0"/>
-      <dgm:spPr/>
-    </dgm:pt>
-    <dgm:pt modelId="{E9562205-A509-4BB9-93FE-4A2A129662F8}" type="pres">
-      <dgm:prSet presAssocID="{7195F398-6161-42FE-8062-43E5A30273CF}" presName="childNode" presStyleLbl="node1" presStyleIdx="8" presStyleCnt="12">
-        <dgm:presLayoutVars>
-          <dgm:bulletEnabled val="1"/>
-        </dgm:presLayoutVars>
-      </dgm:prSet>
-      <dgm:spPr/>
-    </dgm:pt>
-    <dgm:pt modelId="{2F513BE7-2B73-4016-936D-B3511B975C1B}" type="pres">
-      <dgm:prSet presAssocID="{7195F398-6161-42FE-8062-43E5A30273CF}" presName="aSpace2" presStyleCnt="0"/>
-      <dgm:spPr/>
-    </dgm:pt>
-    <dgm:pt modelId="{B73DEB73-79BB-4F9E-967F-68A26D38A128}" type="pres">
-      <dgm:prSet presAssocID="{05E0F7CC-1593-4E3E-91A3-86A465E18FB5}" presName="childNode" presStyleLbl="node1" presStyleIdx="9" presStyleCnt="12">
-        <dgm:presLayoutVars>
-          <dgm:bulletEnabled val="1"/>
-        </dgm:presLayoutVars>
-      </dgm:prSet>
-      <dgm:spPr/>
-    </dgm:pt>
-    <dgm:pt modelId="{D0E2F36F-C1E8-4F0F-9068-B29DC99474F5}" type="pres">
-      <dgm:prSet presAssocID="{990E17D6-2B47-4FC5-AD93-1E96AFBF7BE7}" presName="aSpace" presStyleCnt="0"/>
-      <dgm:spPr/>
-    </dgm:pt>
-    <dgm:pt modelId="{144690A0-3A60-4675-BA35-6AA8DAF53BCF}" type="pres">
-      <dgm:prSet presAssocID="{DADEE461-B9C7-4E4D-8F76-C4BEE058565B}" presName="compNode" presStyleCnt="0"/>
-      <dgm:spPr/>
-    </dgm:pt>
-    <dgm:pt modelId="{D473E531-D125-469C-87A6-33F7D5E8F115}" type="pres">
-      <dgm:prSet presAssocID="{DADEE461-B9C7-4E4D-8F76-C4BEE058565B}" presName="aNode" presStyleLbl="bgShp" presStyleIdx="5" presStyleCnt="6"/>
-      <dgm:spPr/>
-    </dgm:pt>
-    <dgm:pt modelId="{FAA74DE5-4B5D-4A3C-B4A0-F426ACCBD9E4}" type="pres">
-      <dgm:prSet presAssocID="{DADEE461-B9C7-4E4D-8F76-C4BEE058565B}" presName="textNode" presStyleLbl="bgShp" presStyleIdx="5" presStyleCnt="6"/>
-      <dgm:spPr/>
-    </dgm:pt>
-    <dgm:pt modelId="{DF18FC3D-4823-4D45-9CFE-41B7B5561571}" type="pres">
-      <dgm:prSet presAssocID="{DADEE461-B9C7-4E4D-8F76-C4BEE058565B}" presName="compChildNode" presStyleCnt="0"/>
-      <dgm:spPr/>
-    </dgm:pt>
-    <dgm:pt modelId="{919D7678-E6E0-476A-B5BC-63494CB38EAC}" type="pres">
-      <dgm:prSet presAssocID="{DADEE461-B9C7-4E4D-8F76-C4BEE058565B}" presName="theInnerList" presStyleCnt="0"/>
-      <dgm:spPr/>
-    </dgm:pt>
-    <dgm:pt modelId="{F542268E-C995-45FF-9CF3-9C7C99773B2D}" type="pres">
-      <dgm:prSet presAssocID="{406F5215-17A4-4C94-9F2C-C028103F90A1}" presName="childNode" presStyleLbl="node1" presStyleIdx="10" presStyleCnt="12">
-        <dgm:presLayoutVars>
-          <dgm:bulletEnabled val="1"/>
-        </dgm:presLayoutVars>
-      </dgm:prSet>
-      <dgm:spPr/>
-    </dgm:pt>
-    <dgm:pt modelId="{EDB0CE32-C98B-4DDC-BD38-B873B50786A7}" type="pres">
-      <dgm:prSet presAssocID="{406F5215-17A4-4C94-9F2C-C028103F90A1}" presName="aSpace2" presStyleCnt="0"/>
-      <dgm:spPr/>
-    </dgm:pt>
-    <dgm:pt modelId="{784606F8-6B08-4F32-B104-EEE71C2B2615}" type="pres">
-      <dgm:prSet presAssocID="{E86573C5-0EDE-4AD1-BC6F-18E4089AD966}" presName="childNode" presStyleLbl="node1" presStyleIdx="11" presStyleCnt="12">
+    <dgm:pt modelId="{A78DE45E-C60B-4E9B-83BA-CD2E2B4B1E78}" type="pres">
+      <dgm:prSet presAssocID="{E1D0C85F-256A-49D0-98B1-EF82B460BEB8}" presName="childNode" presStyleLbl="node1" presStyleIdx="1" presStyleCnt="2" custLinFactNeighborX="1102" custLinFactNeighborY="-2738">
         <dgm:presLayoutVars>
           <dgm:bulletEnabled val="1"/>
         </dgm:presLayoutVars>
@@ -5604,102 +4684,22 @@
     </dgm:pt>
   </dgm:ptLst>
   <dgm:cxnLst>
-    <dgm:cxn modelId="{95004706-8520-4D84-A45C-548F7C7AFC8B}" srcId="{990E17D6-2B47-4FC5-AD93-1E96AFBF7BE7}" destId="{7195F398-6161-42FE-8062-43E5A30273CF}" srcOrd="0" destOrd="0" parTransId="{94367AAD-6981-4EE8-AF1A-6EB47FBD0BF3}" sibTransId="{D5E09E1F-03F4-43A5-A259-C5AAD57CBE42}"/>
-    <dgm:cxn modelId="{EDEABB0C-27C7-4D1E-B786-FB8270D60CCA}" srcId="{990E17D6-2B47-4FC5-AD93-1E96AFBF7BE7}" destId="{05E0F7CC-1593-4E3E-91A3-86A465E18FB5}" srcOrd="1" destOrd="0" parTransId="{2F9E893D-D054-435B-BB6A-CA4A2B0A4737}" sibTransId="{2CA15156-CACD-4A16-951D-4C696CCBC3C2}"/>
-    <dgm:cxn modelId="{8C6AE60D-6D2C-43C1-B6A7-625FBDA717DB}" type="presOf" srcId="{6193ECAA-3925-487F-ADF8-CE1362754FFF}" destId="{5CE69C38-1462-4F71-A252-F397C9008295}" srcOrd="0" destOrd="0" presId="urn:microsoft.com/office/officeart/2005/8/layout/lProcess2"/>
-    <dgm:cxn modelId="{D99B010E-0ACB-44CB-A2B4-BE85F23A2691}" type="presOf" srcId="{A766E2ED-C2E8-4E07-AF18-7EC57476A5C8}" destId="{D88EF221-1E19-407F-A109-45D126E6B0AD}" srcOrd="0" destOrd="0" presId="urn:microsoft.com/office/officeart/2005/8/layout/lProcess2"/>
-    <dgm:cxn modelId="{583CC615-DAE7-4276-AD9F-C578D26FEDFC}" srcId="{DF4857E7-5C40-4E4D-8F9E-0F40BE240B2F}" destId="{7592B694-086D-4180-B053-CE7AD13C9858}" srcOrd="2" destOrd="0" parTransId="{C8FADD59-ED12-44D1-A076-7A13B0AC344E}" sibTransId="{34A6F1FD-1787-4988-A7E6-472B7C66BD09}"/>
-    <dgm:cxn modelId="{C2460F17-CDAE-48DD-9BD8-1126146AE0EF}" srcId="{DF4857E7-5C40-4E4D-8F9E-0F40BE240B2F}" destId="{990E17D6-2B47-4FC5-AD93-1E96AFBF7BE7}" srcOrd="4" destOrd="0" parTransId="{FE8F1E68-B20A-4328-A3A2-124220A35426}" sibTransId="{DE7A8AB0-B597-4567-B709-EB7E2965A939}"/>
-    <dgm:cxn modelId="{67733918-5668-4225-8CDE-3F334169F997}" type="presOf" srcId="{05E0F7CC-1593-4E3E-91A3-86A465E18FB5}" destId="{B73DEB73-79BB-4F9E-967F-68A26D38A128}" srcOrd="0" destOrd="0" presId="urn:microsoft.com/office/officeart/2005/8/layout/lProcess2"/>
-    <dgm:cxn modelId="{CC8BD522-6257-44B6-9161-41007E0ACFDF}" type="presOf" srcId="{7592B694-086D-4180-B053-CE7AD13C9858}" destId="{B6E9B2AA-8010-4FAB-90D2-72717C05AE96}" srcOrd="1" destOrd="0" presId="urn:microsoft.com/office/officeart/2005/8/layout/lProcess2"/>
-    <dgm:cxn modelId="{83E81F2B-79AB-4219-A2F9-D0A46724138B}" type="presOf" srcId="{8665C39E-B30E-4258-BEA9-83E0F7084606}" destId="{85B657F5-5C9C-42F8-A245-10BA7A824404}" srcOrd="0" destOrd="0" presId="urn:microsoft.com/office/officeart/2005/8/layout/lProcess2"/>
-    <dgm:cxn modelId="{E0D9E42F-1F07-4AC4-B5F0-0E9963FD1771}" type="presOf" srcId="{68DE1B8C-EBBC-4ACF-AD69-E108E4A8C85C}" destId="{A9276CF6-D6BB-4D87-85EE-C74A56417B50}" srcOrd="1" destOrd="0" presId="urn:microsoft.com/office/officeart/2005/8/layout/lProcess2"/>
-    <dgm:cxn modelId="{1FA22335-7EE3-4E2C-8CC8-A00A41859142}" srcId="{DADEE461-B9C7-4E4D-8F76-C4BEE058565B}" destId="{E86573C5-0EDE-4AD1-BC6F-18E4089AD966}" srcOrd="1" destOrd="0" parTransId="{051DB31F-7909-4291-8AE0-ABB3A60F17B3}" sibTransId="{33F99918-D81E-4B9F-988C-60B2D20A1F79}"/>
     <dgm:cxn modelId="{5D00CF3B-960E-4F22-9482-F7C0216D09BA}" type="presOf" srcId="{32074760-1CE6-4EA9-A667-33C7E19C2D94}" destId="{A8FD0D76-AFC6-4802-9090-E980FDBECC91}" srcOrd="0" destOrd="0" presId="urn:microsoft.com/office/officeart/2005/8/layout/lProcess2"/>
-    <dgm:cxn modelId="{FA16C23C-5596-42A1-981A-487742CF3BBD}" srcId="{F5E45C32-85BB-467F-80E6-A808871E72F3}" destId="{6193ECAA-3925-487F-ADF8-CE1362754FFF}" srcOrd="0" destOrd="0" parTransId="{CA95F830-F096-4B8A-8E76-097EF46A4F44}" sibTransId="{4C2F44CE-5AB4-4FFE-B037-FFB0E3B4A7EB}"/>
-    <dgm:cxn modelId="{E36B5B3E-775C-4AE1-8480-BACC4F11C349}" type="presOf" srcId="{990E17D6-2B47-4FC5-AD93-1E96AFBF7BE7}" destId="{B7745507-FF48-4A3D-94B6-C22B44E66409}" srcOrd="0" destOrd="0" presId="urn:microsoft.com/office/officeart/2005/8/layout/lProcess2"/>
-    <dgm:cxn modelId="{F53C5B60-EE78-46AA-90FC-BDF2F3396876}" srcId="{DF4857E7-5C40-4E4D-8F9E-0F40BE240B2F}" destId="{68DE1B8C-EBBC-4ACF-AD69-E108E4A8C85C}" srcOrd="3" destOrd="0" parTransId="{94D73433-720A-40B7-8E81-899280B4DD52}" sibTransId="{10D11475-433C-4D63-8B5E-9E928E6DD9A1}"/>
-    <dgm:cxn modelId="{C62A7668-323D-4AF4-9DE5-910CEAB9B3D1}" type="presOf" srcId="{68DE1B8C-EBBC-4ACF-AD69-E108E4A8C85C}" destId="{DFC8EC82-A76D-41CD-A597-E02C5F5CBEEE}" srcOrd="0" destOrd="0" presId="urn:microsoft.com/office/officeart/2005/8/layout/lProcess2"/>
     <dgm:cxn modelId="{792FB76A-389C-45B7-8308-227DADB5CF70}" srcId="{0F9F144E-5A69-4079-9CFE-833FB141B5B7}" destId="{32074760-1CE6-4EA9-A667-33C7E19C2D94}" srcOrd="0" destOrd="0" parTransId="{41FFA3F1-CAF6-4B0C-90FB-AAF097D8C840}" sibTransId="{66E711EC-17A3-40E0-B60B-5A2F466C9D11}"/>
-    <dgm:cxn modelId="{F2A74F4D-E89E-4A53-B841-441FF129E762}" srcId="{DF4857E7-5C40-4E4D-8F9E-0F40BE240B2F}" destId="{DADEE461-B9C7-4E4D-8F76-C4BEE058565B}" srcOrd="5" destOrd="0" parTransId="{DBFD308D-4184-4A3D-B3A9-DAB69C287E06}" sibTransId="{D1A547C0-8B30-44BD-9102-3FF9FB549C46}"/>
     <dgm:cxn modelId="{289EF76D-F45F-4E2D-9034-82A92BE13009}" type="presOf" srcId="{0F9F144E-5A69-4079-9CFE-833FB141B5B7}" destId="{F032D9DC-6E96-4533-82F7-966FA94900AA}" srcOrd="1" destOrd="0" presId="urn:microsoft.com/office/officeart/2005/8/layout/lProcess2"/>
     <dgm:cxn modelId="{E50C2150-C487-4A7A-8378-DABB69742D08}" type="presOf" srcId="{0F9F144E-5A69-4079-9CFE-833FB141B5B7}" destId="{9046789A-6150-4534-817A-88A1F11F0BDA}" srcOrd="0" destOrd="0" presId="urn:microsoft.com/office/officeart/2005/8/layout/lProcess2"/>
-    <dgm:cxn modelId="{B4186457-1219-426F-922C-5AECDCC53AC0}" srcId="{68DE1B8C-EBBC-4ACF-AD69-E108E4A8C85C}" destId="{8C9EF0B8-B348-4F26-938D-6A3D8F1D01C9}" srcOrd="0" destOrd="0" parTransId="{317FEE05-7414-4035-9841-8DABE546206E}" sibTransId="{5DAD05BE-4905-4E9C-9DE0-125B4DBFBE33}"/>
-    <dgm:cxn modelId="{5352C17E-F603-4AFE-9421-5C9166D9912F}" srcId="{DADEE461-B9C7-4E4D-8F76-C4BEE058565B}" destId="{406F5215-17A4-4C94-9F2C-C028103F90A1}" srcOrd="0" destOrd="0" parTransId="{904C488B-EDCA-4CF0-8E08-1FD9CD42A42F}" sibTransId="{733D6CE6-CDD6-45DB-9725-6A2D30AF5778}"/>
-    <dgm:cxn modelId="{47F67989-30FB-438B-8ECB-66637B580035}" type="presOf" srcId="{7195F398-6161-42FE-8062-43E5A30273CF}" destId="{E9562205-A509-4BB9-93FE-4A2A129662F8}" srcOrd="0" destOrd="0" presId="urn:microsoft.com/office/officeart/2005/8/layout/lProcess2"/>
-    <dgm:cxn modelId="{BA1CED8F-A1D5-432B-8255-94B9025209EA}" type="presOf" srcId="{F5E45C32-85BB-467F-80E6-A808871E72F3}" destId="{E7B9CF75-AF6A-4290-854A-077BB9A2D77C}" srcOrd="0" destOrd="0" presId="urn:microsoft.com/office/officeart/2005/8/layout/lProcess2"/>
     <dgm:cxn modelId="{696FC290-58F8-4B0A-B325-8A4CDCEFC93C}" srcId="{DF4857E7-5C40-4E4D-8F9E-0F40BE240B2F}" destId="{0F9F144E-5A69-4079-9CFE-833FB141B5B7}" srcOrd="0" destOrd="0" parTransId="{5295059C-89BD-48FC-9FB0-63BD38C2AF52}" sibTransId="{FAB8FA54-A1F3-488D-B823-07CCB71E4D44}"/>
-    <dgm:cxn modelId="{8D6B5497-475C-46A9-805D-510F815F9B98}" srcId="{7592B694-086D-4180-B053-CE7AD13C9858}" destId="{8665C39E-B30E-4258-BEA9-83E0F7084606}" srcOrd="0" destOrd="0" parTransId="{8211EBE3-1C93-4CFB-BBEE-7A708996ED07}" sibTransId="{6779ED75-3327-4C98-9C89-1343058D49BC}"/>
-    <dgm:cxn modelId="{918FC998-3E81-4E2A-A8E0-FB3EB04E2705}" srcId="{0F9F144E-5A69-4079-9CFE-833FB141B5B7}" destId="{A766E2ED-C2E8-4E07-AF18-7EC57476A5C8}" srcOrd="1" destOrd="0" parTransId="{A1530F03-6C5E-45D7-8222-AD175A7090BD}" sibTransId="{05B31AC5-A983-4FEC-B0BE-EB0462CF6128}"/>
-    <dgm:cxn modelId="{8F10C49D-1803-4EC6-9EDA-D37497D9EC84}" type="presOf" srcId="{406F5215-17A4-4C94-9F2C-C028103F90A1}" destId="{F542268E-C995-45FF-9CF3-9C7C99773B2D}" srcOrd="0" destOrd="0" presId="urn:microsoft.com/office/officeart/2005/8/layout/lProcess2"/>
-    <dgm:cxn modelId="{F74FB39F-D3BA-4532-9AD2-651900316F62}" type="presOf" srcId="{F5E45C32-85BB-467F-80E6-A808871E72F3}" destId="{2487EB6F-DE81-4509-80D3-3047844600F3}" srcOrd="1" destOrd="0" presId="urn:microsoft.com/office/officeart/2005/8/layout/lProcess2"/>
-    <dgm:cxn modelId="{46C263A3-2EA0-40BC-875B-5BF78B88BD8B}" type="presOf" srcId="{8C9EF0B8-B348-4F26-938D-6A3D8F1D01C9}" destId="{EF50A355-5315-401C-A8B8-05A2B4F30FE3}" srcOrd="0" destOrd="0" presId="urn:microsoft.com/office/officeart/2005/8/layout/lProcess2"/>
-    <dgm:cxn modelId="{8BF652A8-B747-4011-8997-2C8E587087B9}" srcId="{68DE1B8C-EBBC-4ACF-AD69-E108E4A8C85C}" destId="{7DCD12F6-9D96-4CEE-B77D-0059BD9F172C}" srcOrd="1" destOrd="0" parTransId="{05220267-9773-4777-8E6B-2437F9979F0B}" sibTransId="{89843E98-8750-44A8-9562-C70EE7FD83F4}"/>
-    <dgm:cxn modelId="{D1BF75A8-494E-4949-BADC-BE7490A6FA2A}" type="presOf" srcId="{990E17D6-2B47-4FC5-AD93-1E96AFBF7BE7}" destId="{3B09E531-2667-42C3-B344-18F91AEDB3E2}" srcOrd="1" destOrd="0" presId="urn:microsoft.com/office/officeart/2005/8/layout/lProcess2"/>
-    <dgm:cxn modelId="{27DF33AB-6368-4F2E-B75A-C7817C7D91DB}" type="presOf" srcId="{DADEE461-B9C7-4E4D-8F76-C4BEE058565B}" destId="{D473E531-D125-469C-87A6-33F7D5E8F115}" srcOrd="0" destOrd="0" presId="urn:microsoft.com/office/officeart/2005/8/layout/lProcess2"/>
-    <dgm:cxn modelId="{92E0E4AC-AA4F-4221-B4F5-BC44ADD50226}" srcId="{F5E45C32-85BB-467F-80E6-A808871E72F3}" destId="{FA9C7340-018E-4F73-A402-B7FF8C34CDC0}" srcOrd="1" destOrd="0" parTransId="{1805A85A-B92E-48E0-886D-23F094607276}" sibTransId="{44F9A519-DD68-4648-B8E0-DFC7EF2120B7}"/>
-    <dgm:cxn modelId="{453739C3-0A54-40C5-A263-FB80F74E6276}" type="presOf" srcId="{512A4932-71C2-4AF1-A35F-4F4632F17C02}" destId="{51239DC3-E9A2-43DA-8F69-23A0808C5F7B}" srcOrd="0" destOrd="0" presId="urn:microsoft.com/office/officeart/2005/8/layout/lProcess2"/>
-    <dgm:cxn modelId="{42032CCC-41F9-4B3F-A503-E38701F4AC02}" srcId="{7592B694-086D-4180-B053-CE7AD13C9858}" destId="{512A4932-71C2-4AF1-A35F-4F4632F17C02}" srcOrd="1" destOrd="0" parTransId="{47E31259-60CB-40FB-B391-CCAEC2189164}" sibTransId="{4C7C1C5B-4033-4A4C-87E1-4A3C60B720B7}"/>
-    <dgm:cxn modelId="{96A4D3D2-A12D-49C7-A10B-B14E94537E5F}" type="presOf" srcId="{7592B694-086D-4180-B053-CE7AD13C9858}" destId="{6E5A89BC-14D8-4DAA-BBC1-B070DD5BD626}" srcOrd="0" destOrd="0" presId="urn:microsoft.com/office/officeart/2005/8/layout/lProcess2"/>
-    <dgm:cxn modelId="{508A62D5-C4DC-46F1-9252-E7CA9912754F}" type="presOf" srcId="{7DCD12F6-9D96-4CEE-B77D-0059BD9F172C}" destId="{60B6E648-ADB0-4695-B9EA-290DF28C1E3A}" srcOrd="0" destOrd="0" presId="urn:microsoft.com/office/officeart/2005/8/layout/lProcess2"/>
-    <dgm:cxn modelId="{BFBEE4E7-FBFD-4256-B22B-6A24AAAD95F5}" type="presOf" srcId="{E86573C5-0EDE-4AD1-BC6F-18E4089AD966}" destId="{784606F8-6B08-4F32-B104-EEE71C2B2615}" srcOrd="0" destOrd="0" presId="urn:microsoft.com/office/officeart/2005/8/layout/lProcess2"/>
-    <dgm:cxn modelId="{8EB2F3E8-96A4-4BEF-93F5-7F94D719DB5B}" type="presOf" srcId="{FA9C7340-018E-4F73-A402-B7FF8C34CDC0}" destId="{BD436606-D1DD-4535-A521-C5E4F9743128}" srcOrd="0" destOrd="0" presId="urn:microsoft.com/office/officeart/2005/8/layout/lProcess2"/>
+    <dgm:cxn modelId="{CA6053EA-5507-471C-A32A-4594D9A1A2C0}" type="presOf" srcId="{E1D0C85F-256A-49D0-98B1-EF82B460BEB8}" destId="{A78DE45E-C60B-4E9B-83BA-CD2E2B4B1E78}" srcOrd="0" destOrd="0" presId="urn:microsoft.com/office/officeart/2005/8/layout/lProcess2"/>
+    <dgm:cxn modelId="{32BFDFF5-BA4A-4E7F-976E-6B223C296004}" srcId="{0F9F144E-5A69-4079-9CFE-833FB141B5B7}" destId="{E1D0C85F-256A-49D0-98B1-EF82B460BEB8}" srcOrd="1" destOrd="0" parTransId="{1C8D7E60-3B0A-48AF-910A-1EB22CD9E575}" sibTransId="{D3CF22CB-A42B-478D-97EF-2BFA6DFB59AA}"/>
     <dgm:cxn modelId="{E2944EF7-F23E-450D-ACBF-27740D3132DA}" type="presOf" srcId="{DF4857E7-5C40-4E4D-8F9E-0F40BE240B2F}" destId="{4514D2E9-87FF-454C-A554-FD761A8568C7}" srcOrd="0" destOrd="0" presId="urn:microsoft.com/office/officeart/2005/8/layout/lProcess2"/>
-    <dgm:cxn modelId="{AFD2BFF7-D060-411A-BCDE-8CD18195E901}" type="presOf" srcId="{DADEE461-B9C7-4E4D-8F76-C4BEE058565B}" destId="{FAA74DE5-4B5D-4A3C-B4A0-F426ACCBD9E4}" srcOrd="1" destOrd="0" presId="urn:microsoft.com/office/officeart/2005/8/layout/lProcess2"/>
-    <dgm:cxn modelId="{C3F684FE-A0E7-411B-A303-2C8155B38D48}" srcId="{DF4857E7-5C40-4E4D-8F9E-0F40BE240B2F}" destId="{F5E45C32-85BB-467F-80E6-A808871E72F3}" srcOrd="1" destOrd="0" parTransId="{FAB096C4-43F1-4FB0-A740-B5A33490B558}" sibTransId="{F29CEF7E-7A2A-457D-9BE3-75C08A423C81}"/>
     <dgm:cxn modelId="{87662C25-1674-4359-9488-1BB6E8FB7C5E}" type="presParOf" srcId="{4514D2E9-87FF-454C-A554-FD761A8568C7}" destId="{D7F4306A-6D29-4C14-BF5D-EE8CBCC47C9B}" srcOrd="0" destOrd="0" presId="urn:microsoft.com/office/officeart/2005/8/layout/lProcess2"/>
     <dgm:cxn modelId="{B97EE0F9-2192-4DC4-B213-C50AE73F06C7}" type="presParOf" srcId="{D7F4306A-6D29-4C14-BF5D-EE8CBCC47C9B}" destId="{9046789A-6150-4534-817A-88A1F11F0BDA}" srcOrd="0" destOrd="0" presId="urn:microsoft.com/office/officeart/2005/8/layout/lProcess2"/>
     <dgm:cxn modelId="{B99CFBFA-0343-4C03-B2BA-5BF04CA6B25A}" type="presParOf" srcId="{D7F4306A-6D29-4C14-BF5D-EE8CBCC47C9B}" destId="{F032D9DC-6E96-4533-82F7-966FA94900AA}" srcOrd="1" destOrd="0" presId="urn:microsoft.com/office/officeart/2005/8/layout/lProcess2"/>
     <dgm:cxn modelId="{D1405E6F-1AB1-446A-B6CB-D65890F82A80}" type="presParOf" srcId="{D7F4306A-6D29-4C14-BF5D-EE8CBCC47C9B}" destId="{B5BC7729-4343-49E6-A4EF-D07AFE39FD9B}" srcOrd="2" destOrd="0" presId="urn:microsoft.com/office/officeart/2005/8/layout/lProcess2"/>
     <dgm:cxn modelId="{DD24EB41-5480-4343-8AE6-38A0A8891005}" type="presParOf" srcId="{B5BC7729-4343-49E6-A4EF-D07AFE39FD9B}" destId="{77D879FB-9835-4934-9699-09AF88C70266}" srcOrd="0" destOrd="0" presId="urn:microsoft.com/office/officeart/2005/8/layout/lProcess2"/>
     <dgm:cxn modelId="{D2248297-3C1F-4669-9AE2-C4DCACAB213B}" type="presParOf" srcId="{77D879FB-9835-4934-9699-09AF88C70266}" destId="{A8FD0D76-AFC6-4802-9090-E980FDBECC91}" srcOrd="0" destOrd="0" presId="urn:microsoft.com/office/officeart/2005/8/layout/lProcess2"/>
-    <dgm:cxn modelId="{8332AFE4-A184-4957-8FDE-7A33A6E2ECFC}" type="presParOf" srcId="{77D879FB-9835-4934-9699-09AF88C70266}" destId="{B8931CD7-CDC0-4094-A84B-34C86C5DA39D}" srcOrd="1" destOrd="0" presId="urn:microsoft.com/office/officeart/2005/8/layout/lProcess2"/>
-    <dgm:cxn modelId="{FA098DF2-859E-4DEA-BE5D-100859FC13CE}" type="presParOf" srcId="{77D879FB-9835-4934-9699-09AF88C70266}" destId="{D88EF221-1E19-407F-A109-45D126E6B0AD}" srcOrd="2" destOrd="0" presId="urn:microsoft.com/office/officeart/2005/8/layout/lProcess2"/>
-    <dgm:cxn modelId="{86623436-7B3F-4C2C-A9B0-3F59AAEFA479}" type="presParOf" srcId="{4514D2E9-87FF-454C-A554-FD761A8568C7}" destId="{C9C82461-FD43-4EC4-813A-C5DDCB53324F}" srcOrd="1" destOrd="0" presId="urn:microsoft.com/office/officeart/2005/8/layout/lProcess2"/>
-    <dgm:cxn modelId="{D608E546-5C2F-4D2A-BB7B-821FDF09BF67}" type="presParOf" srcId="{4514D2E9-87FF-454C-A554-FD761A8568C7}" destId="{8BCCD3FB-2367-4C8C-8BF4-4A3211E36F9D}" srcOrd="2" destOrd="0" presId="urn:microsoft.com/office/officeart/2005/8/layout/lProcess2"/>
-    <dgm:cxn modelId="{DCF88821-2AEA-4AF1-97FC-A624ACBCB9A9}" type="presParOf" srcId="{8BCCD3FB-2367-4C8C-8BF4-4A3211E36F9D}" destId="{E7B9CF75-AF6A-4290-854A-077BB9A2D77C}" srcOrd="0" destOrd="0" presId="urn:microsoft.com/office/officeart/2005/8/layout/lProcess2"/>
-    <dgm:cxn modelId="{CAF101AD-1514-41BA-B5B4-797C420D6F8A}" type="presParOf" srcId="{8BCCD3FB-2367-4C8C-8BF4-4A3211E36F9D}" destId="{2487EB6F-DE81-4509-80D3-3047844600F3}" srcOrd="1" destOrd="0" presId="urn:microsoft.com/office/officeart/2005/8/layout/lProcess2"/>
-    <dgm:cxn modelId="{31419446-8BD4-4B5D-A7AF-7A2CC7C3BA53}" type="presParOf" srcId="{8BCCD3FB-2367-4C8C-8BF4-4A3211E36F9D}" destId="{C2211325-8BBF-4C60-9ACA-1D2794FAABC8}" srcOrd="2" destOrd="0" presId="urn:microsoft.com/office/officeart/2005/8/layout/lProcess2"/>
-    <dgm:cxn modelId="{EF7F5CBD-2BAA-45D3-B418-9C8D4A4600A6}" type="presParOf" srcId="{C2211325-8BBF-4C60-9ACA-1D2794FAABC8}" destId="{B2780439-4F9B-4F9F-A6E9-950663472748}" srcOrd="0" destOrd="0" presId="urn:microsoft.com/office/officeart/2005/8/layout/lProcess2"/>
-    <dgm:cxn modelId="{D863A55D-1C85-44CB-BBD7-9BF0FD569D07}" type="presParOf" srcId="{B2780439-4F9B-4F9F-A6E9-950663472748}" destId="{5CE69C38-1462-4F71-A252-F397C9008295}" srcOrd="0" destOrd="0" presId="urn:microsoft.com/office/officeart/2005/8/layout/lProcess2"/>
-    <dgm:cxn modelId="{B0DA1DD7-99B9-45D4-8AFC-6DB22055ADF6}" type="presParOf" srcId="{B2780439-4F9B-4F9F-A6E9-950663472748}" destId="{5042C203-E2AD-404F-8812-509816C4E958}" srcOrd="1" destOrd="0" presId="urn:microsoft.com/office/officeart/2005/8/layout/lProcess2"/>
-    <dgm:cxn modelId="{A52103D7-729D-4203-938E-107EDF0207C4}" type="presParOf" srcId="{B2780439-4F9B-4F9F-A6E9-950663472748}" destId="{BD436606-D1DD-4535-A521-C5E4F9743128}" srcOrd="2" destOrd="0" presId="urn:microsoft.com/office/officeart/2005/8/layout/lProcess2"/>
-    <dgm:cxn modelId="{360F5C48-0267-47CB-99BB-7191CBF9141A}" type="presParOf" srcId="{4514D2E9-87FF-454C-A554-FD761A8568C7}" destId="{03CB735D-973C-4AB1-BFE0-DDB003F67757}" srcOrd="3" destOrd="0" presId="urn:microsoft.com/office/officeart/2005/8/layout/lProcess2"/>
-    <dgm:cxn modelId="{C84D9FA0-9149-4569-AEE7-1C751082E7C2}" type="presParOf" srcId="{4514D2E9-87FF-454C-A554-FD761A8568C7}" destId="{0A5DD276-9362-4684-BD52-D98FE1BB5A62}" srcOrd="4" destOrd="0" presId="urn:microsoft.com/office/officeart/2005/8/layout/lProcess2"/>
-    <dgm:cxn modelId="{8567C357-EBBD-4D64-81C6-E012D76DB0EB}" type="presParOf" srcId="{0A5DD276-9362-4684-BD52-D98FE1BB5A62}" destId="{6E5A89BC-14D8-4DAA-BBC1-B070DD5BD626}" srcOrd="0" destOrd="0" presId="urn:microsoft.com/office/officeart/2005/8/layout/lProcess2"/>
-    <dgm:cxn modelId="{DA7BCFBC-CA2B-45EF-A474-8F031FD9F86D}" type="presParOf" srcId="{0A5DD276-9362-4684-BD52-D98FE1BB5A62}" destId="{B6E9B2AA-8010-4FAB-90D2-72717C05AE96}" srcOrd="1" destOrd="0" presId="urn:microsoft.com/office/officeart/2005/8/layout/lProcess2"/>
-    <dgm:cxn modelId="{8D3EFA57-A700-41A1-AD59-794F3DD69633}" type="presParOf" srcId="{0A5DD276-9362-4684-BD52-D98FE1BB5A62}" destId="{8CAB1258-DC19-487A-8C4B-18A77888EC3B}" srcOrd="2" destOrd="0" presId="urn:microsoft.com/office/officeart/2005/8/layout/lProcess2"/>
-    <dgm:cxn modelId="{6585D9AB-1428-40B7-822D-A567EAAB0175}" type="presParOf" srcId="{8CAB1258-DC19-487A-8C4B-18A77888EC3B}" destId="{0F905639-1614-400B-8FA5-CBB0DE167D28}" srcOrd="0" destOrd="0" presId="urn:microsoft.com/office/officeart/2005/8/layout/lProcess2"/>
-    <dgm:cxn modelId="{6199D3BC-0895-41DA-9AE7-1A03FFBD0D3C}" type="presParOf" srcId="{0F905639-1614-400B-8FA5-CBB0DE167D28}" destId="{85B657F5-5C9C-42F8-A245-10BA7A824404}" srcOrd="0" destOrd="0" presId="urn:microsoft.com/office/officeart/2005/8/layout/lProcess2"/>
-    <dgm:cxn modelId="{4FD6122C-B946-4609-804F-144CADAAAA98}" type="presParOf" srcId="{0F905639-1614-400B-8FA5-CBB0DE167D28}" destId="{AC0DD7DC-3B42-48D8-A1BA-88D01627AD9F}" srcOrd="1" destOrd="0" presId="urn:microsoft.com/office/officeart/2005/8/layout/lProcess2"/>
-    <dgm:cxn modelId="{8E9C2A8C-CCEB-455D-A169-CCCB7814B618}" type="presParOf" srcId="{0F905639-1614-400B-8FA5-CBB0DE167D28}" destId="{51239DC3-E9A2-43DA-8F69-23A0808C5F7B}" srcOrd="2" destOrd="0" presId="urn:microsoft.com/office/officeart/2005/8/layout/lProcess2"/>
-    <dgm:cxn modelId="{F687C962-9202-4033-BB3F-A3E0ECDB4482}" type="presParOf" srcId="{4514D2E9-87FF-454C-A554-FD761A8568C7}" destId="{AA409656-EC9E-49D6-8BDF-28792EB46183}" srcOrd="5" destOrd="0" presId="urn:microsoft.com/office/officeart/2005/8/layout/lProcess2"/>
-    <dgm:cxn modelId="{844AE41E-F160-4B7B-9CBD-5C0A6B69E675}" type="presParOf" srcId="{4514D2E9-87FF-454C-A554-FD761A8568C7}" destId="{79CE3980-98C8-4564-915E-59923DFBBF03}" srcOrd="6" destOrd="0" presId="urn:microsoft.com/office/officeart/2005/8/layout/lProcess2"/>
-    <dgm:cxn modelId="{350D2A50-F7D4-494B-B7FE-D41102E46D08}" type="presParOf" srcId="{79CE3980-98C8-4564-915E-59923DFBBF03}" destId="{DFC8EC82-A76D-41CD-A597-E02C5F5CBEEE}" srcOrd="0" destOrd="0" presId="urn:microsoft.com/office/officeart/2005/8/layout/lProcess2"/>
-    <dgm:cxn modelId="{EBD3A6B0-4AC4-4322-97EA-944B31278AB4}" type="presParOf" srcId="{79CE3980-98C8-4564-915E-59923DFBBF03}" destId="{A9276CF6-D6BB-4D87-85EE-C74A56417B50}" srcOrd="1" destOrd="0" presId="urn:microsoft.com/office/officeart/2005/8/layout/lProcess2"/>
-    <dgm:cxn modelId="{4BEDEA35-0042-4EF6-83C2-F9B640978B7A}" type="presParOf" srcId="{79CE3980-98C8-4564-915E-59923DFBBF03}" destId="{6F4913EE-3597-469A-BAA0-D082AC5E47A9}" srcOrd="2" destOrd="0" presId="urn:microsoft.com/office/officeart/2005/8/layout/lProcess2"/>
-    <dgm:cxn modelId="{7110F9EA-6D1F-4603-8E37-A5A4D99808D8}" type="presParOf" srcId="{6F4913EE-3597-469A-BAA0-D082AC5E47A9}" destId="{03EEACD6-906A-419E-ACC7-F193A552FC8A}" srcOrd="0" destOrd="0" presId="urn:microsoft.com/office/officeart/2005/8/layout/lProcess2"/>
-    <dgm:cxn modelId="{7C2A0BFA-707B-41B2-8393-47146D5AF6B1}" type="presParOf" srcId="{03EEACD6-906A-419E-ACC7-F193A552FC8A}" destId="{EF50A355-5315-401C-A8B8-05A2B4F30FE3}" srcOrd="0" destOrd="0" presId="urn:microsoft.com/office/officeart/2005/8/layout/lProcess2"/>
-    <dgm:cxn modelId="{B2A1BBE1-F3D2-42AE-AF42-1DBD0A10CD08}" type="presParOf" srcId="{03EEACD6-906A-419E-ACC7-F193A552FC8A}" destId="{8F5E152E-D1EC-4A61-89CE-BF7F4DA1F822}" srcOrd="1" destOrd="0" presId="urn:microsoft.com/office/officeart/2005/8/layout/lProcess2"/>
-    <dgm:cxn modelId="{36CAC585-FE1A-4035-97C4-E712A267A2EF}" type="presParOf" srcId="{03EEACD6-906A-419E-ACC7-F193A552FC8A}" destId="{60B6E648-ADB0-4695-B9EA-290DF28C1E3A}" srcOrd="2" destOrd="0" presId="urn:microsoft.com/office/officeart/2005/8/layout/lProcess2"/>
-    <dgm:cxn modelId="{224CEBE7-7472-4DAD-AD71-64CCFB44B7AE}" type="presParOf" srcId="{4514D2E9-87FF-454C-A554-FD761A8568C7}" destId="{EA1AAD27-E3B9-4DA2-AE2C-330662C2BE86}" srcOrd="7" destOrd="0" presId="urn:microsoft.com/office/officeart/2005/8/layout/lProcess2"/>
-    <dgm:cxn modelId="{1FC8785F-E789-4956-9E56-7A17EA6686EF}" type="presParOf" srcId="{4514D2E9-87FF-454C-A554-FD761A8568C7}" destId="{11320078-92D3-471C-BC38-D27E99C2A837}" srcOrd="8" destOrd="0" presId="urn:microsoft.com/office/officeart/2005/8/layout/lProcess2"/>
-    <dgm:cxn modelId="{2A61E2C7-BE1E-494B-A6B6-EB8790A49A31}" type="presParOf" srcId="{11320078-92D3-471C-BC38-D27E99C2A837}" destId="{B7745507-FF48-4A3D-94B6-C22B44E66409}" srcOrd="0" destOrd="0" presId="urn:microsoft.com/office/officeart/2005/8/layout/lProcess2"/>
-    <dgm:cxn modelId="{5265A14D-07FC-4789-82FD-D04A6E9A5881}" type="presParOf" srcId="{11320078-92D3-471C-BC38-D27E99C2A837}" destId="{3B09E531-2667-42C3-B344-18F91AEDB3E2}" srcOrd="1" destOrd="0" presId="urn:microsoft.com/office/officeart/2005/8/layout/lProcess2"/>
-    <dgm:cxn modelId="{4140C665-945C-4E6E-A42B-9A765BE61AC4}" type="presParOf" srcId="{11320078-92D3-471C-BC38-D27E99C2A837}" destId="{2DBE89DF-7F6D-4774-A904-1B3DE19B3EBD}" srcOrd="2" destOrd="0" presId="urn:microsoft.com/office/officeart/2005/8/layout/lProcess2"/>
-    <dgm:cxn modelId="{653072C8-B6D8-4118-B5D7-1F3B05F6D8AC}" type="presParOf" srcId="{2DBE89DF-7F6D-4774-A904-1B3DE19B3EBD}" destId="{77A9AB98-8E8B-4D79-AABA-8B07E0953387}" srcOrd="0" destOrd="0" presId="urn:microsoft.com/office/officeart/2005/8/layout/lProcess2"/>
-    <dgm:cxn modelId="{0C5F82CF-2C75-4D78-BD04-DBD2E08E44EA}" type="presParOf" srcId="{77A9AB98-8E8B-4D79-AABA-8B07E0953387}" destId="{E9562205-A509-4BB9-93FE-4A2A129662F8}" srcOrd="0" destOrd="0" presId="urn:microsoft.com/office/officeart/2005/8/layout/lProcess2"/>
-    <dgm:cxn modelId="{D68609E1-7C15-4F84-9DDF-2EC0CEE8AA28}" type="presParOf" srcId="{77A9AB98-8E8B-4D79-AABA-8B07E0953387}" destId="{2F513BE7-2B73-4016-936D-B3511B975C1B}" srcOrd="1" destOrd="0" presId="urn:microsoft.com/office/officeart/2005/8/layout/lProcess2"/>
-    <dgm:cxn modelId="{17414F32-7E89-448C-8250-C0D191463E75}" type="presParOf" srcId="{77A9AB98-8E8B-4D79-AABA-8B07E0953387}" destId="{B73DEB73-79BB-4F9E-967F-68A26D38A128}" srcOrd="2" destOrd="0" presId="urn:microsoft.com/office/officeart/2005/8/layout/lProcess2"/>
-    <dgm:cxn modelId="{1038EC56-951E-4F63-938C-6D8F3EA40B85}" type="presParOf" srcId="{4514D2E9-87FF-454C-A554-FD761A8568C7}" destId="{D0E2F36F-C1E8-4F0F-9068-B29DC99474F5}" srcOrd="9" destOrd="0" presId="urn:microsoft.com/office/officeart/2005/8/layout/lProcess2"/>
-    <dgm:cxn modelId="{3544C526-B019-4A1C-A6B3-F4B5C85F8640}" type="presParOf" srcId="{4514D2E9-87FF-454C-A554-FD761A8568C7}" destId="{144690A0-3A60-4675-BA35-6AA8DAF53BCF}" srcOrd="10" destOrd="0" presId="urn:microsoft.com/office/officeart/2005/8/layout/lProcess2"/>
-    <dgm:cxn modelId="{EDC2B2AF-A432-418C-BF87-9C687D7D134D}" type="presParOf" srcId="{144690A0-3A60-4675-BA35-6AA8DAF53BCF}" destId="{D473E531-D125-469C-87A6-33F7D5E8F115}" srcOrd="0" destOrd="0" presId="urn:microsoft.com/office/officeart/2005/8/layout/lProcess2"/>
-    <dgm:cxn modelId="{F049D8FC-6752-4861-9871-9611BB8E85F6}" type="presParOf" srcId="{144690A0-3A60-4675-BA35-6AA8DAF53BCF}" destId="{FAA74DE5-4B5D-4A3C-B4A0-F426ACCBD9E4}" srcOrd="1" destOrd="0" presId="urn:microsoft.com/office/officeart/2005/8/layout/lProcess2"/>
-    <dgm:cxn modelId="{F149A7FC-498B-4595-A421-567EC5F3EA17}" type="presParOf" srcId="{144690A0-3A60-4675-BA35-6AA8DAF53BCF}" destId="{DF18FC3D-4823-4D45-9CFE-41B7B5561571}" srcOrd="2" destOrd="0" presId="urn:microsoft.com/office/officeart/2005/8/layout/lProcess2"/>
-    <dgm:cxn modelId="{B770F9D7-1225-43B3-B830-EB36696276F7}" type="presParOf" srcId="{DF18FC3D-4823-4D45-9CFE-41B7B5561571}" destId="{919D7678-E6E0-476A-B5BC-63494CB38EAC}" srcOrd="0" destOrd="0" presId="urn:microsoft.com/office/officeart/2005/8/layout/lProcess2"/>
-    <dgm:cxn modelId="{F03161AE-AE11-41CC-876F-3EA18FE8989F}" type="presParOf" srcId="{919D7678-E6E0-476A-B5BC-63494CB38EAC}" destId="{F542268E-C995-45FF-9CF3-9C7C99773B2D}" srcOrd="0" destOrd="0" presId="urn:microsoft.com/office/officeart/2005/8/layout/lProcess2"/>
-    <dgm:cxn modelId="{FF10C8AF-A61D-4662-A374-D44E2F0ED640}" type="presParOf" srcId="{919D7678-E6E0-476A-B5BC-63494CB38EAC}" destId="{EDB0CE32-C98B-4DDC-BD38-B873B50786A7}" srcOrd="1" destOrd="0" presId="urn:microsoft.com/office/officeart/2005/8/layout/lProcess2"/>
-    <dgm:cxn modelId="{B422AC6D-0839-4300-9F57-8D3B63FAC2CF}" type="presParOf" srcId="{919D7678-E6E0-476A-B5BC-63494CB38EAC}" destId="{784606F8-6B08-4F32-B104-EEE71C2B2615}" srcOrd="2" destOrd="0" presId="urn:microsoft.com/office/officeart/2005/8/layout/lProcess2"/>
+    <dgm:cxn modelId="{57D4AE1C-2433-4FCF-B32C-A7D40B494A13}" type="presParOf" srcId="{77D879FB-9835-4934-9699-09AF88C70266}" destId="{D745CFF1-2B85-49E4-8F39-4348401A7D3D}" srcOrd="1" destOrd="0" presId="urn:microsoft.com/office/officeart/2005/8/layout/lProcess2"/>
+    <dgm:cxn modelId="{7C8E5041-4E13-4EC2-8F75-17F16DB111F1}" type="presParOf" srcId="{77D879FB-9835-4934-9699-09AF88C70266}" destId="{A78DE45E-C60B-4E9B-83BA-CD2E2B4B1E78}" srcOrd="2" destOrd="0" presId="urn:microsoft.com/office/officeart/2005/8/layout/lProcess2"/>
   </dgm:cxnLst>
   <dgm:bg/>
   <dgm:whole/>
@@ -7021,8 +6021,8 @@
       </dsp:nvSpPr>
       <dsp:spPr>
         <a:xfrm>
-          <a:off x="3772" y="0"/>
-          <a:ext cx="1490443" cy="4127500"/>
+          <a:off x="0" y="0"/>
+          <a:ext cx="3078161" cy="4127500"/>
         </a:xfrm>
         <a:prstGeom prst="roundRect">
           <a:avLst>
@@ -7056,12 +6056,12 @@
         <a:fontRef idx="minor"/>
       </dsp:style>
       <dsp:txBody>
-        <a:bodyPr spcFirstLastPara="0" vert="horz" wrap="square" lIns="64770" tIns="64770" rIns="64770" bIns="64770" numCol="1" spcCol="1270" anchor="ctr" anchorCtr="0">
+        <a:bodyPr spcFirstLastPara="0" vert="horz" wrap="square" lIns="152400" tIns="152400" rIns="152400" bIns="152400" numCol="1" spcCol="1270" anchor="ctr" anchorCtr="0">
           <a:noAutofit/>
         </a:bodyPr>
         <a:lstStyle/>
         <a:p>
-          <a:pPr marL="0" lvl="0" indent="0" algn="ctr" defTabSz="755650">
+          <a:pPr marL="0" lvl="0" indent="0" algn="ctr" defTabSz="1778000">
             <a:lnSpc>
               <a:spcPct val="90000"/>
             </a:lnSpc>
@@ -7074,15 +6074,15 @@
             <a:buNone/>
           </a:pPr>
           <a:r>
-            <a:rPr lang="en-US" sz="1700" kern="1200" dirty="0" err="1"/>
+            <a:rPr lang="en-US" sz="4000" kern="1200" dirty="0" err="1"/>
             <a:t>Pessoas</a:t>
           </a:r>
-          <a:endParaRPr lang="en-US" sz="1700" kern="1200" dirty="0"/>
+          <a:endParaRPr lang="en-US" sz="4000" kern="1200" dirty="0"/>
         </a:p>
       </dsp:txBody>
       <dsp:txXfrm>
-        <a:off x="3772" y="0"/>
-        <a:ext cx="1490443" cy="1238250"/>
+        <a:off x="0" y="0"/>
+        <a:ext cx="3078161" cy="1238250"/>
       </dsp:txXfrm>
     </dsp:sp>
     <dsp:sp modelId="{A8FD0D76-AFC6-4802-9090-E980FDBECC91}">
@@ -7092,8 +6092,8 @@
       </dsp:nvSpPr>
       <dsp:spPr>
         <a:xfrm>
-          <a:off x="152816" y="1239459"/>
-          <a:ext cx="1192355" cy="1244497"/>
+          <a:off x="334953" y="1222375"/>
+          <a:ext cx="2462528" cy="1244497"/>
         </a:xfrm>
         <a:prstGeom prst="roundRect">
           <a:avLst>
@@ -7136,12 +6136,12 @@
         </a:fontRef>
       </dsp:style>
       <dsp:txBody>
-        <a:bodyPr spcFirstLastPara="0" vert="horz" wrap="square" lIns="48260" tIns="36195" rIns="48260" bIns="36195" numCol="1" spcCol="1270" anchor="ctr" anchorCtr="0">
+        <a:bodyPr spcFirstLastPara="0" vert="horz" wrap="square" lIns="45720" tIns="34290" rIns="45720" bIns="34290" numCol="1" spcCol="1270" anchor="ctr" anchorCtr="0">
           <a:noAutofit/>
         </a:bodyPr>
         <a:lstStyle/>
         <a:p>
-          <a:pPr marL="0" lvl="0" indent="0" algn="ctr" defTabSz="844550">
+          <a:pPr marL="0" lvl="0" indent="0" algn="l" defTabSz="800100">
             <a:lnSpc>
               <a:spcPct val="90000"/>
             </a:lnSpc>
@@ -7151,65 +6151,79 @@
             <a:spcAft>
               <a:spcPct val="35000"/>
             </a:spcAft>
+            <a:buFont typeface="Arial" panose="020B0604020202020204" pitchFamily="34" charset="0"/>
             <a:buNone/>
           </a:pPr>
           <a:r>
-            <a:rPr lang="en-US" sz="1900" kern="1200" dirty="0" err="1"/>
-            <a:t>Recurso</a:t>
+            <a:rPr lang="en-US" sz="1800" kern="1200" dirty="0"/>
+            <a:t>- </a:t>
           </a:r>
           <a:r>
-            <a:rPr lang="en-US" sz="1900" kern="1200" dirty="0"/>
-            <a:t> 1</a:t>
+            <a:rPr lang="en-US" sz="1800" kern="1200" dirty="0" err="1"/>
+            <a:t>Gerente</a:t>
+          </a:r>
+          <a:r>
+            <a:rPr lang="en-US" sz="1800" kern="1200" dirty="0"/>
+            <a:t> do </a:t>
+          </a:r>
+          <a:r>
+            <a:rPr lang="en-US" sz="1800" kern="1200" dirty="0" err="1"/>
+            <a:t>projeto</a:t>
+          </a:r>
+          <a:r>
+            <a:rPr lang="en-US" sz="1800" kern="1200" dirty="0"/>
+            <a:t>;</a:t>
           </a:r>
           <a:br>
-            <a:rPr lang="en-US" sz="1900" kern="1200" dirty="0"/>
+            <a:rPr lang="en-US" sz="1800" kern="1200" dirty="0"/>
           </a:br>
           <a:r>
-            <a:rPr lang="en-US" sz="1900" kern="1200" dirty="0" err="1"/>
-            <a:t>Recurso</a:t>
+            <a:rPr lang="en-US" sz="1800" kern="1200" dirty="0"/>
+            <a:t>- </a:t>
           </a:r>
           <a:r>
-            <a:rPr lang="en-US" sz="1900" kern="1200" dirty="0"/>
-            <a:t> 2</a:t>
+            <a:rPr lang="en-US" sz="1800" kern="1200" dirty="0" err="1"/>
+            <a:t>Arquiteto</a:t>
+          </a:r>
+          <a:r>
+            <a:rPr lang="en-US" sz="1800" kern="1200" dirty="0"/>
+            <a:t> de Software;</a:t>
           </a:r>
           <a:br>
-            <a:rPr lang="en-US" sz="1900" kern="1200" dirty="0"/>
+            <a:rPr lang="en-US" sz="1800" kern="1200" dirty="0"/>
           </a:br>
           <a:r>
-            <a:rPr lang="en-US" sz="1900" kern="1200" dirty="0" err="1"/>
-            <a:t>Recurso</a:t>
+            <a:rPr lang="en-US" sz="1800" kern="1200" dirty="0"/>
+            <a:t>- </a:t>
           </a:r>
           <a:r>
-            <a:rPr lang="en-US" sz="1900" kern="1200" dirty="0"/>
-            <a:t> 3</a:t>
+            <a:rPr lang="en-US" sz="1800" kern="1200" dirty="0" err="1"/>
+            <a:t>Desenvolvedor</a:t>
+          </a:r>
+          <a:r>
+            <a:rPr lang="en-US" sz="1800" kern="1200" dirty="0"/>
+            <a:t>;</a:t>
           </a:r>
           <a:br>
-            <a:rPr lang="en-US" sz="1900" kern="1200" dirty="0"/>
+            <a:rPr lang="en-US" sz="1800" kern="1200" dirty="0"/>
           </a:br>
-          <a:r>
-            <a:rPr lang="en-US" sz="1900" kern="1200" dirty="0" err="1"/>
-            <a:t>Recurso</a:t>
-          </a:r>
-          <a:r>
-            <a:rPr lang="en-US" sz="1900" kern="1200" dirty="0"/>
-            <a:t> 4</a:t>
-          </a:r>
+          <a:endParaRPr lang="en-US" sz="1800" kern="1200" dirty="0"/>
         </a:p>
       </dsp:txBody>
       <dsp:txXfrm>
-        <a:off x="187739" y="1274382"/>
-        <a:ext cx="1122509" cy="1174651"/>
+        <a:off x="371403" y="1258825"/>
+        <a:ext cx="2389628" cy="1171597"/>
       </dsp:txXfrm>
     </dsp:sp>
-    <dsp:sp modelId="{D88EF221-1E19-407F-A109-45D126E6B0AD}">
+    <dsp:sp modelId="{A78DE45E-C60B-4E9B-83BA-CD2E2B4B1E78}">
       <dsp:nvSpPr>
         <dsp:cNvPr id="0" name=""/>
         <dsp:cNvSpPr/>
       </dsp:nvSpPr>
       <dsp:spPr>
         <a:xfrm>
-          <a:off x="152816" y="2675418"/>
-          <a:ext cx="1192355" cy="1244497"/>
+          <a:off x="334953" y="2670175"/>
+          <a:ext cx="2462528" cy="1244497"/>
         </a:xfrm>
         <a:prstGeom prst="roundRect">
           <a:avLst>
@@ -7252,12 +6266,12 @@
         </a:fontRef>
       </dsp:style>
       <dsp:txBody>
-        <a:bodyPr spcFirstLastPara="0" vert="horz" wrap="square" lIns="48260" tIns="36195" rIns="48260" bIns="36195" numCol="1" spcCol="1270" anchor="ctr" anchorCtr="0">
+        <a:bodyPr spcFirstLastPara="0" vert="horz" wrap="square" lIns="45720" tIns="34290" rIns="45720" bIns="34290" numCol="1" spcCol="1270" anchor="ctr" anchorCtr="0">
           <a:noAutofit/>
         </a:bodyPr>
         <a:lstStyle/>
         <a:p>
-          <a:pPr marL="0" lvl="0" indent="0" algn="ctr" defTabSz="844550">
+          <a:pPr marL="0" lvl="0" indent="0" algn="ctr" defTabSz="800100">
             <a:lnSpc>
               <a:spcPct val="90000"/>
             </a:lnSpc>
@@ -7270,1354 +6284,15 @@
             <a:buNone/>
           </a:pPr>
           <a:r>
-            <a:rPr lang="en-US" sz="1900" kern="1200" dirty="0" err="1"/>
+            <a:rPr lang="en-US" sz="1800" kern="1200"/>
             <a:t>Notas</a:t>
           </a:r>
-          <a:endParaRPr lang="en-US" sz="1900" kern="1200" dirty="0"/>
+          <a:endParaRPr lang="en-US" sz="1800" kern="1200" dirty="0"/>
         </a:p>
       </dsp:txBody>
       <dsp:txXfrm>
-        <a:off x="187739" y="2710341"/>
-        <a:ext cx="1122509" cy="1174651"/>
-      </dsp:txXfrm>
-    </dsp:sp>
-    <dsp:sp modelId="{E7B9CF75-AF6A-4290-854A-077BB9A2D77C}">
-      <dsp:nvSpPr>
-        <dsp:cNvPr id="0" name=""/>
-        <dsp:cNvSpPr/>
-      </dsp:nvSpPr>
-      <dsp:spPr>
-        <a:xfrm>
-          <a:off x="1605999" y="0"/>
-          <a:ext cx="1490443" cy="4127500"/>
-        </a:xfrm>
-        <a:prstGeom prst="roundRect">
-          <a:avLst>
-            <a:gd name="adj" fmla="val 10000"/>
-          </a:avLst>
-        </a:prstGeom>
-        <a:solidFill>
-          <a:schemeClr val="dk2">
-            <a:tint val="40000"/>
-            <a:hueOff val="0"/>
-            <a:satOff val="0"/>
-            <a:lumOff val="0"/>
-            <a:alphaOff val="0"/>
-          </a:schemeClr>
-        </a:solidFill>
-        <a:ln>
-          <a:noFill/>
-        </a:ln>
-        <a:effectLst/>
-      </dsp:spPr>
-      <dsp:style>
-        <a:lnRef idx="0">
-          <a:scrgbClr r="0" g="0" b="0"/>
-        </a:lnRef>
-        <a:fillRef idx="1">
-          <a:scrgbClr r="0" g="0" b="0"/>
-        </a:fillRef>
-        <a:effectRef idx="0">
-          <a:scrgbClr r="0" g="0" b="0"/>
-        </a:effectRef>
-        <a:fontRef idx="minor"/>
-      </dsp:style>
-      <dsp:txBody>
-        <a:bodyPr spcFirstLastPara="0" vert="horz" wrap="square" lIns="64770" tIns="64770" rIns="64770" bIns="64770" numCol="1" spcCol="1270" anchor="ctr" anchorCtr="0">
-          <a:noAutofit/>
-        </a:bodyPr>
-        <a:lstStyle/>
-        <a:p>
-          <a:pPr marL="0" lvl="0" indent="0" algn="ctr" defTabSz="755650">
-            <a:lnSpc>
-              <a:spcPct val="90000"/>
-            </a:lnSpc>
-            <a:spcBef>
-              <a:spcPct val="0"/>
-            </a:spcBef>
-            <a:spcAft>
-              <a:spcPct val="35000"/>
-            </a:spcAft>
-            <a:buNone/>
-          </a:pPr>
-          <a:r>
-            <a:rPr lang="en-US" sz="1700" kern="1200" dirty="0" err="1"/>
-            <a:t>Equipamentos</a:t>
-          </a:r>
-          <a:endParaRPr lang="en-US" sz="1700" kern="1200" dirty="0"/>
-        </a:p>
-      </dsp:txBody>
-      <dsp:txXfrm>
-        <a:off x="1605999" y="0"/>
-        <a:ext cx="1490443" cy="1238250"/>
-      </dsp:txXfrm>
-    </dsp:sp>
-    <dsp:sp modelId="{5CE69C38-1462-4F71-A252-F397C9008295}">
-      <dsp:nvSpPr>
-        <dsp:cNvPr id="0" name=""/>
-        <dsp:cNvSpPr/>
-      </dsp:nvSpPr>
-      <dsp:spPr>
-        <a:xfrm>
-          <a:off x="1755044" y="1239459"/>
-          <a:ext cx="1192355" cy="1244497"/>
-        </a:xfrm>
-        <a:prstGeom prst="roundRect">
-          <a:avLst>
-            <a:gd name="adj" fmla="val 10000"/>
-          </a:avLst>
-        </a:prstGeom>
-        <a:solidFill>
-          <a:schemeClr val="dk2">
-            <a:hueOff val="0"/>
-            <a:satOff val="0"/>
-            <a:lumOff val="0"/>
-            <a:alphaOff val="0"/>
-          </a:schemeClr>
-        </a:solidFill>
-        <a:ln w="12700" cap="flat" cmpd="sng" algn="ctr">
-          <a:solidFill>
-            <a:schemeClr val="lt2">
-              <a:hueOff val="0"/>
-              <a:satOff val="0"/>
-              <a:lumOff val="0"/>
-              <a:alphaOff val="0"/>
-            </a:schemeClr>
-          </a:solidFill>
-          <a:prstDash val="solid"/>
-        </a:ln>
-        <a:effectLst/>
-      </dsp:spPr>
-      <dsp:style>
-        <a:lnRef idx="2">
-          <a:scrgbClr r="0" g="0" b="0"/>
-        </a:lnRef>
-        <a:fillRef idx="1">
-          <a:scrgbClr r="0" g="0" b="0"/>
-        </a:fillRef>
-        <a:effectRef idx="0">
-          <a:scrgbClr r="0" g="0" b="0"/>
-        </a:effectRef>
-        <a:fontRef idx="minor">
-          <a:schemeClr val="lt1"/>
-        </a:fontRef>
-      </dsp:style>
-      <dsp:txBody>
-        <a:bodyPr spcFirstLastPara="0" vert="horz" wrap="square" lIns="48260" tIns="36195" rIns="48260" bIns="36195" numCol="1" spcCol="1270" anchor="ctr" anchorCtr="0">
-          <a:noAutofit/>
-        </a:bodyPr>
-        <a:lstStyle/>
-        <a:p>
-          <a:pPr marL="0" lvl="0" indent="0" algn="ctr" defTabSz="844550">
-            <a:lnSpc>
-              <a:spcPct val="90000"/>
-            </a:lnSpc>
-            <a:spcBef>
-              <a:spcPct val="0"/>
-            </a:spcBef>
-            <a:spcAft>
-              <a:spcPct val="35000"/>
-            </a:spcAft>
-            <a:buNone/>
-          </a:pPr>
-          <a:r>
-            <a:rPr lang="en-US" sz="1900" kern="1200" dirty="0" err="1"/>
-            <a:t>Recurso</a:t>
-          </a:r>
-          <a:r>
-            <a:rPr lang="en-US" sz="1900" kern="1200" dirty="0"/>
-            <a:t> 1</a:t>
-          </a:r>
-          <a:br>
-            <a:rPr lang="en-US" sz="1900" kern="1200" dirty="0"/>
-          </a:br>
-          <a:r>
-            <a:rPr lang="en-US" sz="1900" kern="1200" dirty="0" err="1"/>
-            <a:t>Recurso</a:t>
-          </a:r>
-          <a:r>
-            <a:rPr lang="en-US" sz="1900" kern="1200" dirty="0"/>
-            <a:t> 2</a:t>
-          </a:r>
-          <a:br>
-            <a:rPr lang="en-US" sz="1900" kern="1200" dirty="0"/>
-          </a:br>
-          <a:r>
-            <a:rPr lang="en-US" sz="1900" kern="1200" dirty="0" err="1"/>
-            <a:t>Recurso</a:t>
-          </a:r>
-          <a:r>
-            <a:rPr lang="en-US" sz="1900" kern="1200" dirty="0"/>
-            <a:t> 3</a:t>
-          </a:r>
-          <a:br>
-            <a:rPr lang="en-US" sz="1900" kern="1200" dirty="0"/>
-          </a:br>
-          <a:r>
-            <a:rPr lang="en-US" sz="1900" kern="1200" dirty="0" err="1"/>
-            <a:t>Recurso</a:t>
-          </a:r>
-          <a:r>
-            <a:rPr lang="en-US" sz="1900" kern="1200" dirty="0"/>
-            <a:t> 4</a:t>
-          </a:r>
-        </a:p>
-      </dsp:txBody>
-      <dsp:txXfrm>
-        <a:off x="1789967" y="1274382"/>
-        <a:ext cx="1122509" cy="1174651"/>
-      </dsp:txXfrm>
-    </dsp:sp>
-    <dsp:sp modelId="{BD436606-D1DD-4535-A521-C5E4F9743128}">
-      <dsp:nvSpPr>
-        <dsp:cNvPr id="0" name=""/>
-        <dsp:cNvSpPr/>
-      </dsp:nvSpPr>
-      <dsp:spPr>
-        <a:xfrm>
-          <a:off x="1755044" y="2675418"/>
-          <a:ext cx="1192355" cy="1244497"/>
-        </a:xfrm>
-        <a:prstGeom prst="roundRect">
-          <a:avLst>
-            <a:gd name="adj" fmla="val 10000"/>
-          </a:avLst>
-        </a:prstGeom>
-        <a:solidFill>
-          <a:schemeClr val="dk2">
-            <a:hueOff val="0"/>
-            <a:satOff val="0"/>
-            <a:lumOff val="0"/>
-            <a:alphaOff val="0"/>
-          </a:schemeClr>
-        </a:solidFill>
-        <a:ln w="12700" cap="flat" cmpd="sng" algn="ctr">
-          <a:solidFill>
-            <a:schemeClr val="lt2">
-              <a:hueOff val="0"/>
-              <a:satOff val="0"/>
-              <a:lumOff val="0"/>
-              <a:alphaOff val="0"/>
-            </a:schemeClr>
-          </a:solidFill>
-          <a:prstDash val="solid"/>
-        </a:ln>
-        <a:effectLst/>
-      </dsp:spPr>
-      <dsp:style>
-        <a:lnRef idx="2">
-          <a:scrgbClr r="0" g="0" b="0"/>
-        </a:lnRef>
-        <a:fillRef idx="1">
-          <a:scrgbClr r="0" g="0" b="0"/>
-        </a:fillRef>
-        <a:effectRef idx="0">
-          <a:scrgbClr r="0" g="0" b="0"/>
-        </a:effectRef>
-        <a:fontRef idx="minor">
-          <a:schemeClr val="lt1"/>
-        </a:fontRef>
-      </dsp:style>
-      <dsp:txBody>
-        <a:bodyPr spcFirstLastPara="0" vert="horz" wrap="square" lIns="48260" tIns="36195" rIns="48260" bIns="36195" numCol="1" spcCol="1270" anchor="ctr" anchorCtr="0">
-          <a:noAutofit/>
-        </a:bodyPr>
-        <a:lstStyle/>
-        <a:p>
-          <a:pPr marL="0" lvl="0" indent="0" algn="ctr" defTabSz="844550">
-            <a:lnSpc>
-              <a:spcPct val="90000"/>
-            </a:lnSpc>
-            <a:spcBef>
-              <a:spcPct val="0"/>
-            </a:spcBef>
-            <a:spcAft>
-              <a:spcPct val="35000"/>
-            </a:spcAft>
-            <a:buNone/>
-          </a:pPr>
-          <a:r>
-            <a:rPr lang="en-US" sz="1900" kern="1200" dirty="0" err="1"/>
-            <a:t>Notas</a:t>
-          </a:r>
-          <a:endParaRPr lang="en-US" sz="1900" kern="1200" dirty="0"/>
-        </a:p>
-      </dsp:txBody>
-      <dsp:txXfrm>
-        <a:off x="1789967" y="2710341"/>
-        <a:ext cx="1122509" cy="1174651"/>
-      </dsp:txXfrm>
-    </dsp:sp>
-    <dsp:sp modelId="{6E5A89BC-14D8-4DAA-BBC1-B070DD5BD626}">
-      <dsp:nvSpPr>
-        <dsp:cNvPr id="0" name=""/>
-        <dsp:cNvSpPr/>
-      </dsp:nvSpPr>
-      <dsp:spPr>
-        <a:xfrm>
-          <a:off x="3208226" y="0"/>
-          <a:ext cx="1490443" cy="4127500"/>
-        </a:xfrm>
-        <a:prstGeom prst="roundRect">
-          <a:avLst>
-            <a:gd name="adj" fmla="val 10000"/>
-          </a:avLst>
-        </a:prstGeom>
-        <a:solidFill>
-          <a:schemeClr val="dk2">
-            <a:tint val="40000"/>
-            <a:hueOff val="0"/>
-            <a:satOff val="0"/>
-            <a:lumOff val="0"/>
-            <a:alphaOff val="0"/>
-          </a:schemeClr>
-        </a:solidFill>
-        <a:ln>
-          <a:noFill/>
-        </a:ln>
-        <a:effectLst/>
-      </dsp:spPr>
-      <dsp:style>
-        <a:lnRef idx="0">
-          <a:scrgbClr r="0" g="0" b="0"/>
-        </a:lnRef>
-        <a:fillRef idx="1">
-          <a:scrgbClr r="0" g="0" b="0"/>
-        </a:fillRef>
-        <a:effectRef idx="0">
-          <a:scrgbClr r="0" g="0" b="0"/>
-        </a:effectRef>
-        <a:fontRef idx="minor"/>
-      </dsp:style>
-      <dsp:txBody>
-        <a:bodyPr spcFirstLastPara="0" vert="horz" wrap="square" lIns="64770" tIns="64770" rIns="64770" bIns="64770" numCol="1" spcCol="1270" anchor="ctr" anchorCtr="0">
-          <a:noAutofit/>
-        </a:bodyPr>
-        <a:lstStyle/>
-        <a:p>
-          <a:pPr marL="0" lvl="0" indent="0" algn="ctr" defTabSz="755650">
-            <a:lnSpc>
-              <a:spcPct val="90000"/>
-            </a:lnSpc>
-            <a:spcBef>
-              <a:spcPct val="0"/>
-            </a:spcBef>
-            <a:spcAft>
-              <a:spcPct val="35000"/>
-            </a:spcAft>
-            <a:buNone/>
-          </a:pPr>
-          <a:r>
-            <a:rPr lang="en-US" sz="1700" kern="1200" dirty="0" err="1"/>
-            <a:t>Locais</a:t>
-          </a:r>
-          <a:endParaRPr lang="en-US" sz="1700" kern="1200" dirty="0"/>
-        </a:p>
-      </dsp:txBody>
-      <dsp:txXfrm>
-        <a:off x="3208226" y="0"/>
-        <a:ext cx="1490443" cy="1238250"/>
-      </dsp:txXfrm>
-    </dsp:sp>
-    <dsp:sp modelId="{85B657F5-5C9C-42F8-A245-10BA7A824404}">
-      <dsp:nvSpPr>
-        <dsp:cNvPr id="0" name=""/>
-        <dsp:cNvSpPr/>
-      </dsp:nvSpPr>
-      <dsp:spPr>
-        <a:xfrm>
-          <a:off x="3357271" y="1239459"/>
-          <a:ext cx="1192355" cy="1244497"/>
-        </a:xfrm>
-        <a:prstGeom prst="roundRect">
-          <a:avLst>
-            <a:gd name="adj" fmla="val 10000"/>
-          </a:avLst>
-        </a:prstGeom>
-        <a:solidFill>
-          <a:schemeClr val="dk2">
-            <a:hueOff val="0"/>
-            <a:satOff val="0"/>
-            <a:lumOff val="0"/>
-            <a:alphaOff val="0"/>
-          </a:schemeClr>
-        </a:solidFill>
-        <a:ln w="12700" cap="flat" cmpd="sng" algn="ctr">
-          <a:solidFill>
-            <a:schemeClr val="lt2">
-              <a:hueOff val="0"/>
-              <a:satOff val="0"/>
-              <a:lumOff val="0"/>
-              <a:alphaOff val="0"/>
-            </a:schemeClr>
-          </a:solidFill>
-          <a:prstDash val="solid"/>
-        </a:ln>
-        <a:effectLst/>
-      </dsp:spPr>
-      <dsp:style>
-        <a:lnRef idx="2">
-          <a:scrgbClr r="0" g="0" b="0"/>
-        </a:lnRef>
-        <a:fillRef idx="1">
-          <a:scrgbClr r="0" g="0" b="0"/>
-        </a:fillRef>
-        <a:effectRef idx="0">
-          <a:scrgbClr r="0" g="0" b="0"/>
-        </a:effectRef>
-        <a:fontRef idx="minor">
-          <a:schemeClr val="lt1"/>
-        </a:fontRef>
-      </dsp:style>
-      <dsp:txBody>
-        <a:bodyPr spcFirstLastPara="0" vert="horz" wrap="square" lIns="48260" tIns="36195" rIns="48260" bIns="36195" numCol="1" spcCol="1270" anchor="ctr" anchorCtr="0">
-          <a:noAutofit/>
-        </a:bodyPr>
-        <a:lstStyle/>
-        <a:p>
-          <a:pPr marL="0" lvl="0" indent="0" algn="ctr" defTabSz="844550">
-            <a:lnSpc>
-              <a:spcPct val="90000"/>
-            </a:lnSpc>
-            <a:spcBef>
-              <a:spcPct val="0"/>
-            </a:spcBef>
-            <a:spcAft>
-              <a:spcPct val="35000"/>
-            </a:spcAft>
-            <a:buNone/>
-          </a:pPr>
-          <a:r>
-            <a:rPr lang="en-US" sz="1900" kern="1200" dirty="0" err="1"/>
-            <a:t>Recurso</a:t>
-          </a:r>
-          <a:r>
-            <a:rPr lang="en-US" sz="1900" kern="1200" dirty="0"/>
-            <a:t> 1</a:t>
-          </a:r>
-          <a:br>
-            <a:rPr lang="en-US" sz="1900" kern="1200" dirty="0"/>
-          </a:br>
-          <a:r>
-            <a:rPr lang="en-US" sz="1900" kern="1200" dirty="0" err="1"/>
-            <a:t>Recurso</a:t>
-          </a:r>
-          <a:r>
-            <a:rPr lang="en-US" sz="1900" kern="1200" dirty="0"/>
-            <a:t> 2</a:t>
-          </a:r>
-          <a:br>
-            <a:rPr lang="en-US" sz="1900" kern="1200" dirty="0"/>
-          </a:br>
-          <a:r>
-            <a:rPr lang="en-US" sz="1900" kern="1200" dirty="0" err="1"/>
-            <a:t>Recurso</a:t>
-          </a:r>
-          <a:r>
-            <a:rPr lang="en-US" sz="1900" kern="1200" dirty="0"/>
-            <a:t> 3</a:t>
-          </a:r>
-          <a:br>
-            <a:rPr lang="en-US" sz="1900" kern="1200" dirty="0"/>
-          </a:br>
-          <a:r>
-            <a:rPr lang="en-US" sz="1900" kern="1200" dirty="0" err="1"/>
-            <a:t>Recurso</a:t>
-          </a:r>
-          <a:r>
-            <a:rPr lang="en-US" sz="1900" kern="1200" dirty="0"/>
-            <a:t> 4</a:t>
-          </a:r>
-        </a:p>
-      </dsp:txBody>
-      <dsp:txXfrm>
-        <a:off x="3392194" y="1274382"/>
-        <a:ext cx="1122509" cy="1174651"/>
-      </dsp:txXfrm>
-    </dsp:sp>
-    <dsp:sp modelId="{51239DC3-E9A2-43DA-8F69-23A0808C5F7B}">
-      <dsp:nvSpPr>
-        <dsp:cNvPr id="0" name=""/>
-        <dsp:cNvSpPr/>
-      </dsp:nvSpPr>
-      <dsp:spPr>
-        <a:xfrm>
-          <a:off x="3357271" y="2675418"/>
-          <a:ext cx="1192355" cy="1244497"/>
-        </a:xfrm>
-        <a:prstGeom prst="roundRect">
-          <a:avLst>
-            <a:gd name="adj" fmla="val 10000"/>
-          </a:avLst>
-        </a:prstGeom>
-        <a:solidFill>
-          <a:schemeClr val="dk2">
-            <a:hueOff val="0"/>
-            <a:satOff val="0"/>
-            <a:lumOff val="0"/>
-            <a:alphaOff val="0"/>
-          </a:schemeClr>
-        </a:solidFill>
-        <a:ln w="12700" cap="flat" cmpd="sng" algn="ctr">
-          <a:solidFill>
-            <a:schemeClr val="lt2">
-              <a:hueOff val="0"/>
-              <a:satOff val="0"/>
-              <a:lumOff val="0"/>
-              <a:alphaOff val="0"/>
-            </a:schemeClr>
-          </a:solidFill>
-          <a:prstDash val="solid"/>
-        </a:ln>
-        <a:effectLst/>
-      </dsp:spPr>
-      <dsp:style>
-        <a:lnRef idx="2">
-          <a:scrgbClr r="0" g="0" b="0"/>
-        </a:lnRef>
-        <a:fillRef idx="1">
-          <a:scrgbClr r="0" g="0" b="0"/>
-        </a:fillRef>
-        <a:effectRef idx="0">
-          <a:scrgbClr r="0" g="0" b="0"/>
-        </a:effectRef>
-        <a:fontRef idx="minor">
-          <a:schemeClr val="lt1"/>
-        </a:fontRef>
-      </dsp:style>
-      <dsp:txBody>
-        <a:bodyPr spcFirstLastPara="0" vert="horz" wrap="square" lIns="48260" tIns="36195" rIns="48260" bIns="36195" numCol="1" spcCol="1270" anchor="ctr" anchorCtr="0">
-          <a:noAutofit/>
-        </a:bodyPr>
-        <a:lstStyle/>
-        <a:p>
-          <a:pPr marL="0" lvl="0" indent="0" algn="ctr" defTabSz="844550">
-            <a:lnSpc>
-              <a:spcPct val="90000"/>
-            </a:lnSpc>
-            <a:spcBef>
-              <a:spcPct val="0"/>
-            </a:spcBef>
-            <a:spcAft>
-              <a:spcPct val="35000"/>
-            </a:spcAft>
-            <a:buNone/>
-          </a:pPr>
-          <a:r>
-            <a:rPr lang="en-US" sz="1900" kern="1200" dirty="0" err="1"/>
-            <a:t>Notas</a:t>
-          </a:r>
-          <a:endParaRPr lang="en-US" sz="1900" kern="1200" dirty="0"/>
-        </a:p>
-      </dsp:txBody>
-      <dsp:txXfrm>
-        <a:off x="3392194" y="2710341"/>
-        <a:ext cx="1122509" cy="1174651"/>
-      </dsp:txXfrm>
-    </dsp:sp>
-    <dsp:sp modelId="{DFC8EC82-A76D-41CD-A597-E02C5F5CBEEE}">
-      <dsp:nvSpPr>
-        <dsp:cNvPr id="0" name=""/>
-        <dsp:cNvSpPr/>
-      </dsp:nvSpPr>
-      <dsp:spPr>
-        <a:xfrm>
-          <a:off x="4810454" y="0"/>
-          <a:ext cx="1490443" cy="4127500"/>
-        </a:xfrm>
-        <a:prstGeom prst="roundRect">
-          <a:avLst>
-            <a:gd name="adj" fmla="val 10000"/>
-          </a:avLst>
-        </a:prstGeom>
-        <a:solidFill>
-          <a:schemeClr val="dk2">
-            <a:tint val="40000"/>
-            <a:hueOff val="0"/>
-            <a:satOff val="0"/>
-            <a:lumOff val="0"/>
-            <a:alphaOff val="0"/>
-          </a:schemeClr>
-        </a:solidFill>
-        <a:ln>
-          <a:noFill/>
-        </a:ln>
-        <a:effectLst/>
-      </dsp:spPr>
-      <dsp:style>
-        <a:lnRef idx="0">
-          <a:scrgbClr r="0" g="0" b="0"/>
-        </a:lnRef>
-        <a:fillRef idx="1">
-          <a:scrgbClr r="0" g="0" b="0"/>
-        </a:fillRef>
-        <a:effectRef idx="0">
-          <a:scrgbClr r="0" g="0" b="0"/>
-        </a:effectRef>
-        <a:fontRef idx="minor"/>
-      </dsp:style>
-      <dsp:txBody>
-        <a:bodyPr spcFirstLastPara="0" vert="horz" wrap="square" lIns="64770" tIns="64770" rIns="64770" bIns="64770" numCol="1" spcCol="1270" anchor="ctr" anchorCtr="0">
-          <a:noAutofit/>
-        </a:bodyPr>
-        <a:lstStyle/>
-        <a:p>
-          <a:pPr marL="0" lvl="0" indent="0" algn="ctr" defTabSz="755650">
-            <a:lnSpc>
-              <a:spcPct val="90000"/>
-            </a:lnSpc>
-            <a:spcBef>
-              <a:spcPct val="0"/>
-            </a:spcBef>
-            <a:spcAft>
-              <a:spcPct val="35000"/>
-            </a:spcAft>
-            <a:buNone/>
-          </a:pPr>
-          <a:r>
-            <a:rPr lang="en-US" sz="1700" kern="1200" dirty="0"/>
-            <a:t>Outros </a:t>
-          </a:r>
-          <a:r>
-            <a:rPr lang="en-US" sz="1700" kern="1200" dirty="0" err="1"/>
-            <a:t>Serviços</a:t>
-          </a:r>
-          <a:endParaRPr lang="en-US" sz="1700" kern="1200" dirty="0"/>
-        </a:p>
-      </dsp:txBody>
-      <dsp:txXfrm>
-        <a:off x="4810454" y="0"/>
-        <a:ext cx="1490443" cy="1238250"/>
-      </dsp:txXfrm>
-    </dsp:sp>
-    <dsp:sp modelId="{EF50A355-5315-401C-A8B8-05A2B4F30FE3}">
-      <dsp:nvSpPr>
-        <dsp:cNvPr id="0" name=""/>
-        <dsp:cNvSpPr/>
-      </dsp:nvSpPr>
-      <dsp:spPr>
-        <a:xfrm>
-          <a:off x="4959498" y="1239459"/>
-          <a:ext cx="1192355" cy="1244497"/>
-        </a:xfrm>
-        <a:prstGeom prst="roundRect">
-          <a:avLst>
-            <a:gd name="adj" fmla="val 10000"/>
-          </a:avLst>
-        </a:prstGeom>
-        <a:solidFill>
-          <a:schemeClr val="dk2">
-            <a:hueOff val="0"/>
-            <a:satOff val="0"/>
-            <a:lumOff val="0"/>
-            <a:alphaOff val="0"/>
-          </a:schemeClr>
-        </a:solidFill>
-        <a:ln w="12700" cap="flat" cmpd="sng" algn="ctr">
-          <a:solidFill>
-            <a:schemeClr val="lt2">
-              <a:hueOff val="0"/>
-              <a:satOff val="0"/>
-              <a:lumOff val="0"/>
-              <a:alphaOff val="0"/>
-            </a:schemeClr>
-          </a:solidFill>
-          <a:prstDash val="solid"/>
-        </a:ln>
-        <a:effectLst/>
-      </dsp:spPr>
-      <dsp:style>
-        <a:lnRef idx="2">
-          <a:scrgbClr r="0" g="0" b="0"/>
-        </a:lnRef>
-        <a:fillRef idx="1">
-          <a:scrgbClr r="0" g="0" b="0"/>
-        </a:fillRef>
-        <a:effectRef idx="0">
-          <a:scrgbClr r="0" g="0" b="0"/>
-        </a:effectRef>
-        <a:fontRef idx="minor">
-          <a:schemeClr val="lt1"/>
-        </a:fontRef>
-      </dsp:style>
-      <dsp:txBody>
-        <a:bodyPr spcFirstLastPara="0" vert="horz" wrap="square" lIns="48260" tIns="36195" rIns="48260" bIns="36195" numCol="1" spcCol="1270" anchor="ctr" anchorCtr="0">
-          <a:noAutofit/>
-        </a:bodyPr>
-        <a:lstStyle/>
-        <a:p>
-          <a:pPr marL="0" lvl="0" indent="0" algn="ctr" defTabSz="844550">
-            <a:lnSpc>
-              <a:spcPct val="90000"/>
-            </a:lnSpc>
-            <a:spcBef>
-              <a:spcPct val="0"/>
-            </a:spcBef>
-            <a:spcAft>
-              <a:spcPct val="35000"/>
-            </a:spcAft>
-            <a:buNone/>
-          </a:pPr>
-          <a:r>
-            <a:rPr lang="en-US" sz="1900" kern="1200" dirty="0" err="1"/>
-            <a:t>Recurso</a:t>
-          </a:r>
-          <a:r>
-            <a:rPr lang="en-US" sz="1900" kern="1200" dirty="0"/>
-            <a:t> 1</a:t>
-          </a:r>
-          <a:br>
-            <a:rPr lang="en-US" sz="1900" kern="1200" dirty="0"/>
-          </a:br>
-          <a:r>
-            <a:rPr lang="en-US" sz="1900" kern="1200" dirty="0" err="1"/>
-            <a:t>Recurso</a:t>
-          </a:r>
-          <a:r>
-            <a:rPr lang="en-US" sz="1900" kern="1200" dirty="0"/>
-            <a:t> 2</a:t>
-          </a:r>
-          <a:br>
-            <a:rPr lang="en-US" sz="1900" kern="1200" dirty="0"/>
-          </a:br>
-          <a:r>
-            <a:rPr lang="en-US" sz="1900" kern="1200" dirty="0" err="1"/>
-            <a:t>Recurso</a:t>
-          </a:r>
-          <a:r>
-            <a:rPr lang="en-US" sz="1900" kern="1200" dirty="0"/>
-            <a:t> 3</a:t>
-          </a:r>
-          <a:br>
-            <a:rPr lang="en-US" sz="1900" kern="1200" dirty="0"/>
-          </a:br>
-          <a:r>
-            <a:rPr lang="en-US" sz="1900" kern="1200" dirty="0" err="1"/>
-            <a:t>Recurso</a:t>
-          </a:r>
-          <a:r>
-            <a:rPr lang="en-US" sz="1900" kern="1200" dirty="0"/>
-            <a:t> 4</a:t>
-          </a:r>
-        </a:p>
-      </dsp:txBody>
-      <dsp:txXfrm>
-        <a:off x="4994421" y="1274382"/>
-        <a:ext cx="1122509" cy="1174651"/>
-      </dsp:txXfrm>
-    </dsp:sp>
-    <dsp:sp modelId="{60B6E648-ADB0-4695-B9EA-290DF28C1E3A}">
-      <dsp:nvSpPr>
-        <dsp:cNvPr id="0" name=""/>
-        <dsp:cNvSpPr/>
-      </dsp:nvSpPr>
-      <dsp:spPr>
-        <a:xfrm>
-          <a:off x="4959498" y="2675418"/>
-          <a:ext cx="1192355" cy="1244497"/>
-        </a:xfrm>
-        <a:prstGeom prst="roundRect">
-          <a:avLst>
-            <a:gd name="adj" fmla="val 10000"/>
-          </a:avLst>
-        </a:prstGeom>
-        <a:solidFill>
-          <a:schemeClr val="dk2">
-            <a:hueOff val="0"/>
-            <a:satOff val="0"/>
-            <a:lumOff val="0"/>
-            <a:alphaOff val="0"/>
-          </a:schemeClr>
-        </a:solidFill>
-        <a:ln w="12700" cap="flat" cmpd="sng" algn="ctr">
-          <a:solidFill>
-            <a:schemeClr val="lt2">
-              <a:hueOff val="0"/>
-              <a:satOff val="0"/>
-              <a:lumOff val="0"/>
-              <a:alphaOff val="0"/>
-            </a:schemeClr>
-          </a:solidFill>
-          <a:prstDash val="solid"/>
-        </a:ln>
-        <a:effectLst/>
-      </dsp:spPr>
-      <dsp:style>
-        <a:lnRef idx="2">
-          <a:scrgbClr r="0" g="0" b="0"/>
-        </a:lnRef>
-        <a:fillRef idx="1">
-          <a:scrgbClr r="0" g="0" b="0"/>
-        </a:fillRef>
-        <a:effectRef idx="0">
-          <a:scrgbClr r="0" g="0" b="0"/>
-        </a:effectRef>
-        <a:fontRef idx="minor">
-          <a:schemeClr val="lt1"/>
-        </a:fontRef>
-      </dsp:style>
-      <dsp:txBody>
-        <a:bodyPr spcFirstLastPara="0" vert="horz" wrap="square" lIns="48260" tIns="36195" rIns="48260" bIns="36195" numCol="1" spcCol="1270" anchor="ctr" anchorCtr="0">
-          <a:noAutofit/>
-        </a:bodyPr>
-        <a:lstStyle/>
-        <a:p>
-          <a:pPr marL="0" lvl="0" indent="0" algn="ctr" defTabSz="844550">
-            <a:lnSpc>
-              <a:spcPct val="90000"/>
-            </a:lnSpc>
-            <a:spcBef>
-              <a:spcPct val="0"/>
-            </a:spcBef>
-            <a:spcAft>
-              <a:spcPct val="35000"/>
-            </a:spcAft>
-            <a:buNone/>
-          </a:pPr>
-          <a:r>
-            <a:rPr lang="en-US" sz="1900" kern="1200" dirty="0" err="1"/>
-            <a:t>Notas</a:t>
-          </a:r>
-          <a:endParaRPr lang="en-US" sz="1900" kern="1200" dirty="0"/>
-        </a:p>
-      </dsp:txBody>
-      <dsp:txXfrm>
-        <a:off x="4994421" y="2710341"/>
-        <a:ext cx="1122509" cy="1174651"/>
-      </dsp:txXfrm>
-    </dsp:sp>
-    <dsp:sp modelId="{B7745507-FF48-4A3D-94B6-C22B44E66409}">
-      <dsp:nvSpPr>
-        <dsp:cNvPr id="0" name=""/>
-        <dsp:cNvSpPr/>
-      </dsp:nvSpPr>
-      <dsp:spPr>
-        <a:xfrm>
-          <a:off x="6412681" y="0"/>
-          <a:ext cx="1490443" cy="4127500"/>
-        </a:xfrm>
-        <a:prstGeom prst="roundRect">
-          <a:avLst>
-            <a:gd name="adj" fmla="val 10000"/>
-          </a:avLst>
-        </a:prstGeom>
-        <a:solidFill>
-          <a:schemeClr val="dk2">
-            <a:tint val="40000"/>
-            <a:hueOff val="0"/>
-            <a:satOff val="0"/>
-            <a:lumOff val="0"/>
-            <a:alphaOff val="0"/>
-          </a:schemeClr>
-        </a:solidFill>
-        <a:ln>
-          <a:noFill/>
-        </a:ln>
-        <a:effectLst/>
-      </dsp:spPr>
-      <dsp:style>
-        <a:lnRef idx="0">
-          <a:scrgbClr r="0" g="0" b="0"/>
-        </a:lnRef>
-        <a:fillRef idx="1">
-          <a:scrgbClr r="0" g="0" b="0"/>
-        </a:fillRef>
-        <a:effectRef idx="0">
-          <a:scrgbClr r="0" g="0" b="0"/>
-        </a:effectRef>
-        <a:fontRef idx="minor"/>
-      </dsp:style>
-      <dsp:txBody>
-        <a:bodyPr spcFirstLastPara="0" vert="horz" wrap="square" lIns="64770" tIns="64770" rIns="64770" bIns="64770" numCol="1" spcCol="1270" anchor="ctr" anchorCtr="0">
-          <a:noAutofit/>
-        </a:bodyPr>
-        <a:lstStyle/>
-        <a:p>
-          <a:pPr marL="0" lvl="0" indent="0" algn="ctr" defTabSz="755650">
-            <a:lnSpc>
-              <a:spcPct val="90000"/>
-            </a:lnSpc>
-            <a:spcBef>
-              <a:spcPct val="0"/>
-            </a:spcBef>
-            <a:spcAft>
-              <a:spcPct val="35000"/>
-            </a:spcAft>
-            <a:buNone/>
-          </a:pPr>
-          <a:r>
-            <a:rPr lang="en-US" sz="1700" kern="1200" dirty="0" err="1"/>
-            <a:t>Manufatura</a:t>
-          </a:r>
-          <a:endParaRPr lang="en-US" sz="1700" kern="1200" dirty="0"/>
-        </a:p>
-      </dsp:txBody>
-      <dsp:txXfrm>
-        <a:off x="6412681" y="0"/>
-        <a:ext cx="1490443" cy="1238250"/>
-      </dsp:txXfrm>
-    </dsp:sp>
-    <dsp:sp modelId="{E9562205-A509-4BB9-93FE-4A2A129662F8}">
-      <dsp:nvSpPr>
-        <dsp:cNvPr id="0" name=""/>
-        <dsp:cNvSpPr/>
-      </dsp:nvSpPr>
-      <dsp:spPr>
-        <a:xfrm>
-          <a:off x="6561725" y="1239459"/>
-          <a:ext cx="1192355" cy="1244497"/>
-        </a:xfrm>
-        <a:prstGeom prst="roundRect">
-          <a:avLst>
-            <a:gd name="adj" fmla="val 10000"/>
-          </a:avLst>
-        </a:prstGeom>
-        <a:solidFill>
-          <a:schemeClr val="dk2">
-            <a:hueOff val="0"/>
-            <a:satOff val="0"/>
-            <a:lumOff val="0"/>
-            <a:alphaOff val="0"/>
-          </a:schemeClr>
-        </a:solidFill>
-        <a:ln w="12700" cap="flat" cmpd="sng" algn="ctr">
-          <a:solidFill>
-            <a:schemeClr val="lt2">
-              <a:hueOff val="0"/>
-              <a:satOff val="0"/>
-              <a:lumOff val="0"/>
-              <a:alphaOff val="0"/>
-            </a:schemeClr>
-          </a:solidFill>
-          <a:prstDash val="solid"/>
-        </a:ln>
-        <a:effectLst/>
-      </dsp:spPr>
-      <dsp:style>
-        <a:lnRef idx="2">
-          <a:scrgbClr r="0" g="0" b="0"/>
-        </a:lnRef>
-        <a:fillRef idx="1">
-          <a:scrgbClr r="0" g="0" b="0"/>
-        </a:fillRef>
-        <a:effectRef idx="0">
-          <a:scrgbClr r="0" g="0" b="0"/>
-        </a:effectRef>
-        <a:fontRef idx="minor">
-          <a:schemeClr val="lt1"/>
-        </a:fontRef>
-      </dsp:style>
-      <dsp:txBody>
-        <a:bodyPr spcFirstLastPara="0" vert="horz" wrap="square" lIns="48260" tIns="36195" rIns="48260" bIns="36195" numCol="1" spcCol="1270" anchor="ctr" anchorCtr="0">
-          <a:noAutofit/>
-        </a:bodyPr>
-        <a:lstStyle/>
-        <a:p>
-          <a:pPr marL="0" lvl="0" indent="0" algn="ctr" defTabSz="844550">
-            <a:lnSpc>
-              <a:spcPct val="90000"/>
-            </a:lnSpc>
-            <a:spcBef>
-              <a:spcPct val="0"/>
-            </a:spcBef>
-            <a:spcAft>
-              <a:spcPct val="35000"/>
-            </a:spcAft>
-            <a:buNone/>
-          </a:pPr>
-          <a:r>
-            <a:rPr lang="en-US" sz="1900" kern="1200" dirty="0" err="1"/>
-            <a:t>Recurso</a:t>
-          </a:r>
-          <a:r>
-            <a:rPr lang="en-US" sz="1900" kern="1200" dirty="0"/>
-            <a:t> 1</a:t>
-          </a:r>
-          <a:br>
-            <a:rPr lang="en-US" sz="1900" kern="1200" dirty="0"/>
-          </a:br>
-          <a:r>
-            <a:rPr lang="en-US" sz="1900" kern="1200" dirty="0" err="1"/>
-            <a:t>Recurso</a:t>
-          </a:r>
-          <a:r>
-            <a:rPr lang="en-US" sz="1900" kern="1200" dirty="0"/>
-            <a:t> 2</a:t>
-          </a:r>
-          <a:br>
-            <a:rPr lang="en-US" sz="1900" kern="1200" dirty="0"/>
-          </a:br>
-          <a:r>
-            <a:rPr lang="en-US" sz="1900" kern="1200" dirty="0" err="1"/>
-            <a:t>Recurso</a:t>
-          </a:r>
-          <a:r>
-            <a:rPr lang="en-US" sz="1900" kern="1200" dirty="0"/>
-            <a:t> 3</a:t>
-          </a:r>
-          <a:br>
-            <a:rPr lang="en-US" sz="1900" kern="1200" dirty="0"/>
-          </a:br>
-          <a:r>
-            <a:rPr lang="en-US" sz="1900" kern="1200" dirty="0" err="1"/>
-            <a:t>Recurso</a:t>
-          </a:r>
-          <a:r>
-            <a:rPr lang="en-US" sz="1900" kern="1200" dirty="0"/>
-            <a:t> 4</a:t>
-          </a:r>
-        </a:p>
-      </dsp:txBody>
-      <dsp:txXfrm>
-        <a:off x="6596648" y="1274382"/>
-        <a:ext cx="1122509" cy="1174651"/>
-      </dsp:txXfrm>
-    </dsp:sp>
-    <dsp:sp modelId="{B73DEB73-79BB-4F9E-967F-68A26D38A128}">
-      <dsp:nvSpPr>
-        <dsp:cNvPr id="0" name=""/>
-        <dsp:cNvSpPr/>
-      </dsp:nvSpPr>
-      <dsp:spPr>
-        <a:xfrm>
-          <a:off x="6561725" y="2675418"/>
-          <a:ext cx="1192355" cy="1244497"/>
-        </a:xfrm>
-        <a:prstGeom prst="roundRect">
-          <a:avLst>
-            <a:gd name="adj" fmla="val 10000"/>
-          </a:avLst>
-        </a:prstGeom>
-        <a:solidFill>
-          <a:schemeClr val="dk2">
-            <a:hueOff val="0"/>
-            <a:satOff val="0"/>
-            <a:lumOff val="0"/>
-            <a:alphaOff val="0"/>
-          </a:schemeClr>
-        </a:solidFill>
-        <a:ln w="12700" cap="flat" cmpd="sng" algn="ctr">
-          <a:solidFill>
-            <a:schemeClr val="lt2">
-              <a:hueOff val="0"/>
-              <a:satOff val="0"/>
-              <a:lumOff val="0"/>
-              <a:alphaOff val="0"/>
-            </a:schemeClr>
-          </a:solidFill>
-          <a:prstDash val="solid"/>
-        </a:ln>
-        <a:effectLst/>
-      </dsp:spPr>
-      <dsp:style>
-        <a:lnRef idx="2">
-          <a:scrgbClr r="0" g="0" b="0"/>
-        </a:lnRef>
-        <a:fillRef idx="1">
-          <a:scrgbClr r="0" g="0" b="0"/>
-        </a:fillRef>
-        <a:effectRef idx="0">
-          <a:scrgbClr r="0" g="0" b="0"/>
-        </a:effectRef>
-        <a:fontRef idx="minor">
-          <a:schemeClr val="lt1"/>
-        </a:fontRef>
-      </dsp:style>
-      <dsp:txBody>
-        <a:bodyPr spcFirstLastPara="0" vert="horz" wrap="square" lIns="48260" tIns="36195" rIns="48260" bIns="36195" numCol="1" spcCol="1270" anchor="ctr" anchorCtr="0">
-          <a:noAutofit/>
-        </a:bodyPr>
-        <a:lstStyle/>
-        <a:p>
-          <a:pPr marL="0" lvl="0" indent="0" algn="ctr" defTabSz="844550">
-            <a:lnSpc>
-              <a:spcPct val="90000"/>
-            </a:lnSpc>
-            <a:spcBef>
-              <a:spcPct val="0"/>
-            </a:spcBef>
-            <a:spcAft>
-              <a:spcPct val="35000"/>
-            </a:spcAft>
-            <a:buNone/>
-          </a:pPr>
-          <a:r>
-            <a:rPr lang="en-US" sz="1900" kern="1200" dirty="0" err="1"/>
-            <a:t>Notas</a:t>
-          </a:r>
-          <a:endParaRPr lang="en-US" sz="1900" kern="1200" dirty="0"/>
-        </a:p>
-      </dsp:txBody>
-      <dsp:txXfrm>
-        <a:off x="6596648" y="2710341"/>
-        <a:ext cx="1122509" cy="1174651"/>
-      </dsp:txXfrm>
-    </dsp:sp>
-    <dsp:sp modelId="{D473E531-D125-469C-87A6-33F7D5E8F115}">
-      <dsp:nvSpPr>
-        <dsp:cNvPr id="0" name=""/>
-        <dsp:cNvSpPr/>
-      </dsp:nvSpPr>
-      <dsp:spPr>
-        <a:xfrm>
-          <a:off x="8014908" y="0"/>
-          <a:ext cx="1490443" cy="4127500"/>
-        </a:xfrm>
-        <a:prstGeom prst="roundRect">
-          <a:avLst>
-            <a:gd name="adj" fmla="val 10000"/>
-          </a:avLst>
-        </a:prstGeom>
-        <a:solidFill>
-          <a:schemeClr val="dk2">
-            <a:tint val="40000"/>
-            <a:hueOff val="0"/>
-            <a:satOff val="0"/>
-            <a:lumOff val="0"/>
-            <a:alphaOff val="0"/>
-          </a:schemeClr>
-        </a:solidFill>
-        <a:ln>
-          <a:noFill/>
-        </a:ln>
-        <a:effectLst/>
-      </dsp:spPr>
-      <dsp:style>
-        <a:lnRef idx="0">
-          <a:scrgbClr r="0" g="0" b="0"/>
-        </a:lnRef>
-        <a:fillRef idx="1">
-          <a:scrgbClr r="0" g="0" b="0"/>
-        </a:fillRef>
-        <a:effectRef idx="0">
-          <a:scrgbClr r="0" g="0" b="0"/>
-        </a:effectRef>
-        <a:fontRef idx="minor"/>
-      </dsp:style>
-      <dsp:txBody>
-        <a:bodyPr spcFirstLastPara="0" vert="horz" wrap="square" lIns="64770" tIns="64770" rIns="64770" bIns="64770" numCol="1" spcCol="1270" anchor="ctr" anchorCtr="0">
-          <a:noAutofit/>
-        </a:bodyPr>
-        <a:lstStyle/>
-        <a:p>
-          <a:pPr marL="0" lvl="0" indent="0" algn="ctr" defTabSz="755650">
-            <a:lnSpc>
-              <a:spcPct val="90000"/>
-            </a:lnSpc>
-            <a:spcBef>
-              <a:spcPct val="0"/>
-            </a:spcBef>
-            <a:spcAft>
-              <a:spcPct val="35000"/>
-            </a:spcAft>
-            <a:buNone/>
-          </a:pPr>
-          <a:r>
-            <a:rPr lang="en-US" sz="1700" kern="1200" dirty="0" err="1"/>
-            <a:t>Vendas</a:t>
-          </a:r>
-          <a:endParaRPr lang="en-US" sz="1700" kern="1200" dirty="0"/>
-        </a:p>
-      </dsp:txBody>
-      <dsp:txXfrm>
-        <a:off x="8014908" y="0"/>
-        <a:ext cx="1490443" cy="1238250"/>
-      </dsp:txXfrm>
-    </dsp:sp>
-    <dsp:sp modelId="{F542268E-C995-45FF-9CF3-9C7C99773B2D}">
-      <dsp:nvSpPr>
-        <dsp:cNvPr id="0" name=""/>
-        <dsp:cNvSpPr/>
-      </dsp:nvSpPr>
-      <dsp:spPr>
-        <a:xfrm>
-          <a:off x="8163952" y="1239459"/>
-          <a:ext cx="1192355" cy="1244497"/>
-        </a:xfrm>
-        <a:prstGeom prst="roundRect">
-          <a:avLst>
-            <a:gd name="adj" fmla="val 10000"/>
-          </a:avLst>
-        </a:prstGeom>
-        <a:solidFill>
-          <a:schemeClr val="dk2">
-            <a:hueOff val="0"/>
-            <a:satOff val="0"/>
-            <a:lumOff val="0"/>
-            <a:alphaOff val="0"/>
-          </a:schemeClr>
-        </a:solidFill>
-        <a:ln w="12700" cap="flat" cmpd="sng" algn="ctr">
-          <a:solidFill>
-            <a:schemeClr val="lt2">
-              <a:hueOff val="0"/>
-              <a:satOff val="0"/>
-              <a:lumOff val="0"/>
-              <a:alphaOff val="0"/>
-            </a:schemeClr>
-          </a:solidFill>
-          <a:prstDash val="solid"/>
-        </a:ln>
-        <a:effectLst/>
-      </dsp:spPr>
-      <dsp:style>
-        <a:lnRef idx="2">
-          <a:scrgbClr r="0" g="0" b="0"/>
-        </a:lnRef>
-        <a:fillRef idx="1">
-          <a:scrgbClr r="0" g="0" b="0"/>
-        </a:fillRef>
-        <a:effectRef idx="0">
-          <a:scrgbClr r="0" g="0" b="0"/>
-        </a:effectRef>
-        <a:fontRef idx="minor">
-          <a:schemeClr val="lt1"/>
-        </a:fontRef>
-      </dsp:style>
-      <dsp:txBody>
-        <a:bodyPr spcFirstLastPara="0" vert="horz" wrap="square" lIns="48260" tIns="36195" rIns="48260" bIns="36195" numCol="1" spcCol="1270" anchor="ctr" anchorCtr="0">
-          <a:noAutofit/>
-        </a:bodyPr>
-        <a:lstStyle/>
-        <a:p>
-          <a:pPr marL="0" lvl="0" indent="0" algn="ctr" defTabSz="844550">
-            <a:lnSpc>
-              <a:spcPct val="90000"/>
-            </a:lnSpc>
-            <a:spcBef>
-              <a:spcPct val="0"/>
-            </a:spcBef>
-            <a:spcAft>
-              <a:spcPct val="35000"/>
-            </a:spcAft>
-            <a:buNone/>
-          </a:pPr>
-          <a:r>
-            <a:rPr lang="en-US" sz="1900" kern="1200" dirty="0" err="1"/>
-            <a:t>Recurso</a:t>
-          </a:r>
-          <a:r>
-            <a:rPr lang="en-US" sz="1900" kern="1200" dirty="0"/>
-            <a:t> 1</a:t>
-          </a:r>
-          <a:br>
-            <a:rPr lang="en-US" sz="1900" kern="1200" dirty="0"/>
-          </a:br>
-          <a:r>
-            <a:rPr lang="en-US" sz="1900" kern="1200" dirty="0" err="1"/>
-            <a:t>Recurso</a:t>
-          </a:r>
-          <a:r>
-            <a:rPr lang="en-US" sz="1900" kern="1200" dirty="0"/>
-            <a:t> 2</a:t>
-          </a:r>
-          <a:br>
-            <a:rPr lang="en-US" sz="1900" kern="1200" dirty="0"/>
-          </a:br>
-          <a:r>
-            <a:rPr lang="en-US" sz="1900" kern="1200" dirty="0" err="1"/>
-            <a:t>Recurso</a:t>
-          </a:r>
-          <a:r>
-            <a:rPr lang="en-US" sz="1900" kern="1200" dirty="0"/>
-            <a:t> 3</a:t>
-          </a:r>
-          <a:br>
-            <a:rPr lang="en-US" sz="1900" kern="1200" dirty="0"/>
-          </a:br>
-          <a:r>
-            <a:rPr lang="en-US" sz="1900" kern="1200" dirty="0" err="1"/>
-            <a:t>Recurso</a:t>
-          </a:r>
-          <a:r>
-            <a:rPr lang="en-US" sz="1900" kern="1200" dirty="0"/>
-            <a:t> 4</a:t>
-          </a:r>
-        </a:p>
-      </dsp:txBody>
-      <dsp:txXfrm>
-        <a:off x="8198875" y="1274382"/>
-        <a:ext cx="1122509" cy="1174651"/>
-      </dsp:txXfrm>
-    </dsp:sp>
-    <dsp:sp modelId="{784606F8-6B08-4F32-B104-EEE71C2B2615}">
-      <dsp:nvSpPr>
-        <dsp:cNvPr id="0" name=""/>
-        <dsp:cNvSpPr/>
-      </dsp:nvSpPr>
-      <dsp:spPr>
-        <a:xfrm>
-          <a:off x="8163952" y="2675418"/>
-          <a:ext cx="1192355" cy="1244497"/>
-        </a:xfrm>
-        <a:prstGeom prst="roundRect">
-          <a:avLst>
-            <a:gd name="adj" fmla="val 10000"/>
-          </a:avLst>
-        </a:prstGeom>
-        <a:solidFill>
-          <a:schemeClr val="dk2">
-            <a:hueOff val="0"/>
-            <a:satOff val="0"/>
-            <a:lumOff val="0"/>
-            <a:alphaOff val="0"/>
-          </a:schemeClr>
-        </a:solidFill>
-        <a:ln w="12700" cap="flat" cmpd="sng" algn="ctr">
-          <a:solidFill>
-            <a:schemeClr val="lt2">
-              <a:hueOff val="0"/>
-              <a:satOff val="0"/>
-              <a:lumOff val="0"/>
-              <a:alphaOff val="0"/>
-            </a:schemeClr>
-          </a:solidFill>
-          <a:prstDash val="solid"/>
-        </a:ln>
-        <a:effectLst/>
-      </dsp:spPr>
-      <dsp:style>
-        <a:lnRef idx="2">
-          <a:scrgbClr r="0" g="0" b="0"/>
-        </a:lnRef>
-        <a:fillRef idx="1">
-          <a:scrgbClr r="0" g="0" b="0"/>
-        </a:fillRef>
-        <a:effectRef idx="0">
-          <a:scrgbClr r="0" g="0" b="0"/>
-        </a:effectRef>
-        <a:fontRef idx="minor">
-          <a:schemeClr val="lt1"/>
-        </a:fontRef>
-      </dsp:style>
-      <dsp:txBody>
-        <a:bodyPr spcFirstLastPara="0" vert="horz" wrap="square" lIns="48260" tIns="36195" rIns="48260" bIns="36195" numCol="1" spcCol="1270" anchor="ctr" anchorCtr="0">
-          <a:noAutofit/>
-        </a:bodyPr>
-        <a:lstStyle/>
-        <a:p>
-          <a:pPr marL="0" lvl="0" indent="0" algn="ctr" defTabSz="844550">
-            <a:lnSpc>
-              <a:spcPct val="90000"/>
-            </a:lnSpc>
-            <a:spcBef>
-              <a:spcPct val="0"/>
-            </a:spcBef>
-            <a:spcAft>
-              <a:spcPct val="35000"/>
-            </a:spcAft>
-            <a:buNone/>
-          </a:pPr>
-          <a:r>
-            <a:rPr lang="en-US" sz="1900" kern="1200" dirty="0" err="1"/>
-            <a:t>Notas</a:t>
-          </a:r>
-          <a:endParaRPr lang="en-US" sz="1900" kern="1200" dirty="0"/>
-        </a:p>
-      </dsp:txBody>
-      <dsp:txXfrm>
-        <a:off x="8198875" y="2710341"/>
-        <a:ext cx="1122509" cy="1174651"/>
+        <a:off x="371403" y="2706625"/>
+        <a:ext cx="2389628" cy="1171597"/>
       </dsp:txXfrm>
     </dsp:sp>
   </dsp:spTree>
@@ -22730,10 +20405,10 @@
       </p:sp>
       <p:graphicFrame>
         <p:nvGraphicFramePr>
-          <p:cNvPr id="10" name="Espaço Reservado para Conteúdo 9">
+          <p:cNvPr id="5" name="Espaço Reservado para Conteúdo 4">
             <a:extLst>
               <a:ext uri="{FF2B5EF4-FFF2-40B4-BE49-F238E27FC236}">
-                <a16:creationId xmlns:a16="http://schemas.microsoft.com/office/drawing/2014/main" id="{0C56A2EE-0F69-407E-8537-756A6248C469}"/>
+                <a16:creationId xmlns:a16="http://schemas.microsoft.com/office/drawing/2014/main" id="{9EA52F86-040F-47A1-85D6-933AE80CEE00}"/>
               </a:ext>
             </a:extLst>
           </p:cNvPr>
@@ -22744,14 +20419,14 @@
             <p:ph idx="1"/>
             <p:extLst>
               <p:ext uri="{D42A27DB-BD31-4B8C-83A1-F6EECF244321}">
-                <p14:modId xmlns:p14="http://schemas.microsoft.com/office/powerpoint/2010/main" val="3245999925"/>
+                <p14:modId xmlns:p14="http://schemas.microsoft.com/office/powerpoint/2010/main" val="1100810916"/>
               </p:ext>
             </p:extLst>
           </p:nvPr>
         </p:nvGraphicFramePr>
         <p:xfrm>
           <a:off x="1341438" y="1901825"/>
-          <a:ext cx="9509125" cy="4127500"/>
+          <a:ext cx="9509125" cy="3660775"/>
         </p:xfrm>
         <a:graphic>
           <a:graphicData uri="http://schemas.openxmlformats.org/drawingml/2006/chart">
@@ -22759,6 +20434,45 @@
           </a:graphicData>
         </a:graphic>
       </p:graphicFrame>
+      <p:sp>
+        <p:nvSpPr>
+          <p:cNvPr id="7" name="CaixaDeTexto 6">
+            <a:extLst>
+              <a:ext uri="{FF2B5EF4-FFF2-40B4-BE49-F238E27FC236}">
+                <a16:creationId xmlns:a16="http://schemas.microsoft.com/office/drawing/2014/main" id="{F7F2742D-C8BF-4FBD-BF74-6293A3FD7A96}"/>
+              </a:ext>
+            </a:extLst>
+          </p:cNvPr>
+          <p:cNvSpPr txBox="1"/>
+          <p:nvPr/>
+        </p:nvSpPr>
+        <p:spPr>
+          <a:xfrm>
+            <a:off x="4495800" y="5764212"/>
+            <a:ext cx="5257800" cy="492443"/>
+          </a:xfrm>
+          <a:prstGeom prst="rect">
+            <a:avLst/>
+          </a:prstGeom>
+          <a:noFill/>
+        </p:spPr>
+        <p:txBody>
+          <a:bodyPr wrap="square" rtlCol="0">
+            <a:spAutoFit/>
+          </a:bodyPr>
+          <a:lstStyle/>
+          <a:p>
+            <a:r>
+              <a:rPr lang="pt-BR" sz="2600" dirty="0"/>
+              <a:t>TOTAL</a:t>
+            </a:r>
+            <a:r>
+              <a:rPr lang="pt-BR" dirty="0"/>
+              <a:t>:</a:t>
+            </a:r>
+          </a:p>
+        </p:txBody>
+      </p:sp>
     </p:spTree>
   </p:cSld>
   <p:clrMapOvr>
@@ -25667,16 +23381,22 @@
             <p:ph type="title"/>
           </p:nvPr>
         </p:nvSpPr>
-        <p:spPr/>
+        <p:spPr>
+          <a:xfrm>
+            <a:off x="1341439" y="152400"/>
+            <a:ext cx="9509125" cy="1233488"/>
+          </a:xfrm>
+        </p:spPr>
         <p:txBody>
           <a:bodyPr/>
           <a:lstStyle/>
           <a:p>
             <a:pPr eaLnBrk="1" hangingPunct="1"/>
             <a:r>
-              <a:rPr lang="en-US" altLang="pt-BR"/>
+              <a:rPr lang="en-US" altLang="pt-BR" dirty="0" err="1"/>
               <a:t>Recursos</a:t>
             </a:r>
+            <a:endParaRPr lang="en-US" altLang="pt-BR" dirty="0"/>
           </a:p>
         </p:txBody>
       </p:sp>
@@ -25694,11 +23414,16 @@
           </p:cNvGraphicFramePr>
           <p:nvPr>
             <p:ph idx="1"/>
+            <p:extLst>
+              <p:ext uri="{D42A27DB-BD31-4B8C-83A1-F6EECF244321}">
+                <p14:modId xmlns:p14="http://schemas.microsoft.com/office/powerpoint/2010/main" val="751906090"/>
+              </p:ext>
+            </p:extLst>
           </p:nvPr>
         </p:nvGraphicFramePr>
         <p:xfrm>
-          <a:off x="1341438" y="1901825"/>
-          <a:ext cx="9509125" cy="4127500"/>
+          <a:off x="1341439" y="1901825"/>
+          <a:ext cx="3078161" cy="4127500"/>
         </p:xfrm>
         <a:graphic>
           <a:graphicData uri="http://schemas.openxmlformats.org/drawingml/2006/diagram">

--- a/Apresentação do projeto FINAL.pptx
+++ b/Apresentação do projeto FINAL.pptx
@@ -226,11 +226,11 @@
             </a:pPr>
             <a:r>
               <a:rPr lang="pt-BR" dirty="0"/>
-              <a:t>Análise</a:t>
+              <a:t>Custo</a:t>
             </a:r>
             <a:r>
               <a:rPr lang="pt-BR" baseline="0" dirty="0"/>
-              <a:t> de Custos</a:t>
+              <a:t>s do projeto</a:t>
             </a:r>
             <a:endParaRPr lang="pt-BR" dirty="0"/>
           </a:p>
@@ -302,7 +302,7 @@
               <c:strCache>
                 <c:ptCount val="1"/>
                 <c:pt idx="0">
-                  <c:v>Salários</c:v>
+                  <c:v>Salário</c:v>
                 </c:pt>
               </c:strCache>
             </c:strRef>
@@ -313,15 +313,15 @@
               <c:numCache>
                 <c:formatCode>General</c:formatCode>
                 <c:ptCount val="4"/>
-                <c:pt idx="0">
-                  <c:v>4.3</c:v>
+                <c:pt idx="0" formatCode="#,##0.00">
+                  <c:v>145343.32999999999</c:v>
                 </c:pt>
               </c:numCache>
             </c:numRef>
           </c:val>
           <c:extLst>
             <c:ext xmlns:c16="http://schemas.microsoft.com/office/drawing/2014/chart" uri="{C3380CC4-5D6E-409C-BE32-E72D297353CC}">
-              <c16:uniqueId val="{00000000-AC30-4CA0-9A54-70277EB26CE6}"/>
+              <c16:uniqueId val="{00000000-37CF-4CD9-9E1D-AD2BB4EC25BB}"/>
             </c:ext>
           </c:extLst>
         </c:ser>
@@ -355,7 +355,7 @@
               <c:strCache>
                 <c:ptCount val="1"/>
                 <c:pt idx="0">
-                  <c:v>Salários</c:v>
+                  <c:v>Salário</c:v>
                 </c:pt>
               </c:strCache>
             </c:strRef>
@@ -366,15 +366,12 @@
               <c:numCache>
                 <c:formatCode>General</c:formatCode>
                 <c:ptCount val="4"/>
-                <c:pt idx="0">
-                  <c:v>2.4</c:v>
-                </c:pt>
               </c:numCache>
             </c:numRef>
           </c:val>
           <c:extLst>
             <c:ext xmlns:c16="http://schemas.microsoft.com/office/drawing/2014/chart" uri="{C3380CC4-5D6E-409C-BE32-E72D297353CC}">
-              <c16:uniqueId val="{00000001-AC30-4CA0-9A54-70277EB26CE6}"/>
+              <c16:uniqueId val="{00000001-37CF-4CD9-9E1D-AD2BB4EC25BB}"/>
             </c:ext>
           </c:extLst>
         </c:ser>
@@ -408,7 +405,7 @@
               <c:strCache>
                 <c:ptCount val="1"/>
                 <c:pt idx="0">
-                  <c:v>Salários</c:v>
+                  <c:v>Salário</c:v>
                 </c:pt>
               </c:strCache>
             </c:strRef>
@@ -419,15 +416,12 @@
               <c:numCache>
                 <c:formatCode>General</c:formatCode>
                 <c:ptCount val="4"/>
-                <c:pt idx="0">
-                  <c:v>2</c:v>
-                </c:pt>
               </c:numCache>
             </c:numRef>
           </c:val>
           <c:extLst>
             <c:ext xmlns:c16="http://schemas.microsoft.com/office/drawing/2014/chart" uri="{C3380CC4-5D6E-409C-BE32-E72D297353CC}">
-              <c16:uniqueId val="{00000002-AC30-4CA0-9A54-70277EB26CE6}"/>
+              <c16:uniqueId val="{00000002-37CF-4CD9-9E1D-AD2BB4EC25BB}"/>
             </c:ext>
           </c:extLst>
         </c:ser>
@@ -441,11 +435,11 @@
         </c:dLbls>
         <c:gapWidth val="219"/>
         <c:overlap val="-27"/>
-        <c:axId val="1999512015"/>
-        <c:axId val="1947893295"/>
+        <c:axId val="1242865424"/>
+        <c:axId val="1317661264"/>
       </c:barChart>
       <c:catAx>
-        <c:axId val="1999512015"/>
+        <c:axId val="1242865424"/>
         <c:scaling>
           <c:orientation val="minMax"/>
         </c:scaling>
@@ -488,7 +482,7 @@
             <a:endParaRPr lang="pt-BR"/>
           </a:p>
         </c:txPr>
-        <c:crossAx val="1947893295"/>
+        <c:crossAx val="1317661264"/>
         <c:crosses val="autoZero"/>
         <c:auto val="1"/>
         <c:lblAlgn val="ctr"/>
@@ -496,7 +490,7 @@
         <c:noMultiLvlLbl val="0"/>
       </c:catAx>
       <c:valAx>
-        <c:axId val="1947893295"/>
+        <c:axId val="1317661264"/>
         <c:scaling>
           <c:orientation val="minMax"/>
         </c:scaling>
@@ -516,7 +510,7 @@
             <a:effectLst/>
           </c:spPr>
         </c:majorGridlines>
-        <c:numFmt formatCode="General" sourceLinked="1"/>
+        <c:numFmt formatCode="#,##0.00" sourceLinked="1"/>
         <c:majorTickMark val="none"/>
         <c:minorTickMark val="none"/>
         <c:tickLblPos val="nextTo"/>
@@ -547,7 +541,7 @@
             <a:endParaRPr lang="pt-BR"/>
           </a:p>
         </c:txPr>
-        <c:crossAx val="1999512015"/>
+        <c:crossAx val="1242865424"/>
         <c:crosses val="autoZero"/>
         <c:crossBetween val="between"/>
       </c:valAx>
@@ -20403,37 +20397,6 @@
           </a:p>
         </p:txBody>
       </p:sp>
-      <p:graphicFrame>
-        <p:nvGraphicFramePr>
-          <p:cNvPr id="5" name="Espaço Reservado para Conteúdo 4">
-            <a:extLst>
-              <a:ext uri="{FF2B5EF4-FFF2-40B4-BE49-F238E27FC236}">
-                <a16:creationId xmlns:a16="http://schemas.microsoft.com/office/drawing/2014/main" id="{9EA52F86-040F-47A1-85D6-933AE80CEE00}"/>
-              </a:ext>
-            </a:extLst>
-          </p:cNvPr>
-          <p:cNvGraphicFramePr>
-            <a:graphicFrameLocks noGrp="1"/>
-          </p:cNvGraphicFramePr>
-          <p:nvPr>
-            <p:ph idx="1"/>
-            <p:extLst>
-              <p:ext uri="{D42A27DB-BD31-4B8C-83A1-F6EECF244321}">
-                <p14:modId xmlns:p14="http://schemas.microsoft.com/office/powerpoint/2010/main" val="1100810916"/>
-              </p:ext>
-            </p:extLst>
-          </p:nvPr>
-        </p:nvGraphicFramePr>
-        <p:xfrm>
-          <a:off x="1341438" y="1901825"/>
-          <a:ext cx="9509125" cy="3660775"/>
-        </p:xfrm>
-        <a:graphic>
-          <a:graphicData uri="http://schemas.openxmlformats.org/drawingml/2006/chart">
-            <c:chart xmlns:c="http://schemas.openxmlformats.org/drawingml/2006/chart" xmlns:r="http://schemas.openxmlformats.org/officeDocument/2006/relationships" r:id="rId2"/>
-          </a:graphicData>
-        </a:graphic>
-      </p:graphicFrame>
       <p:sp>
         <p:nvSpPr>
           <p:cNvPr id="7" name="CaixaDeTexto 6">
@@ -20449,7 +20412,7 @@
         <p:spPr>
           <a:xfrm>
             <a:off x="4495800" y="5764212"/>
-            <a:ext cx="5257800" cy="492443"/>
+            <a:ext cx="5257800" cy="477054"/>
           </a:xfrm>
           <a:prstGeom prst="rect">
             <a:avLst/>
@@ -20463,16 +20426,46 @@
           <a:lstStyle/>
           <a:p>
             <a:r>
-              <a:rPr lang="pt-BR" sz="2600" dirty="0"/>
-              <a:t>TOTAL</a:t>
-            </a:r>
-            <a:r>
-              <a:rPr lang="pt-BR" dirty="0"/>
-              <a:t>:</a:t>
+              <a:rPr lang="pt-BR" sz="2500" dirty="0">
+                <a:latin typeface="Arial" panose="020B0604020202020204" pitchFamily="34" charset="0"/>
+                <a:cs typeface="Arial" panose="020B0604020202020204" pitchFamily="34" charset="0"/>
+              </a:rPr>
+              <a:t>TOTAL: R$ 145.343,33 </a:t>
             </a:r>
           </a:p>
         </p:txBody>
       </p:sp>
+      <p:graphicFrame>
+        <p:nvGraphicFramePr>
+          <p:cNvPr id="13" name="Espaço Reservado para Conteúdo 12">
+            <a:extLst>
+              <a:ext uri="{FF2B5EF4-FFF2-40B4-BE49-F238E27FC236}">
+                <a16:creationId xmlns:a16="http://schemas.microsoft.com/office/drawing/2014/main" id="{88CB0153-C464-44B5-9467-25AE34F186DA}"/>
+              </a:ext>
+            </a:extLst>
+          </p:cNvPr>
+          <p:cNvGraphicFramePr>
+            <a:graphicFrameLocks noGrp="1"/>
+          </p:cNvGraphicFramePr>
+          <p:nvPr>
+            <p:ph idx="1"/>
+            <p:extLst>
+              <p:ext uri="{D42A27DB-BD31-4B8C-83A1-F6EECF244321}">
+                <p14:modId xmlns:p14="http://schemas.microsoft.com/office/powerpoint/2010/main" val="1160297061"/>
+              </p:ext>
+            </p:extLst>
+          </p:nvPr>
+        </p:nvGraphicFramePr>
+        <p:xfrm>
+          <a:off x="1341438" y="1901825"/>
+          <a:ext cx="9509125" cy="3584575"/>
+        </p:xfrm>
+        <a:graphic>
+          <a:graphicData uri="http://schemas.openxmlformats.org/drawingml/2006/chart">
+            <c:chart xmlns:c="http://schemas.openxmlformats.org/drawingml/2006/chart" xmlns:r="http://schemas.openxmlformats.org/officeDocument/2006/relationships" r:id="rId2"/>
+          </a:graphicData>
+        </a:graphic>
+      </p:graphicFrame>
     </p:spTree>
   </p:cSld>
   <p:clrMapOvr>
@@ -21745,7 +21738,7 @@
             <p:ph idx="1"/>
             <p:extLst>
               <p:ext uri="{D42A27DB-BD31-4B8C-83A1-F6EECF244321}">
-                <p14:modId xmlns:p14="http://schemas.microsoft.com/office/powerpoint/2010/main" val="1713751193"/>
+                <p14:modId xmlns:p14="http://schemas.microsoft.com/office/powerpoint/2010/main" val="1320231048"/>
               </p:ext>
             </p:extLst>
           </p:nvPr>
@@ -21947,6 +21940,18 @@
                     <a:lstStyle/>
                     <a:p>
                       <a:pPr algn="ctr"/>
+                      <a:r>
+                        <a:rPr lang="en-US" sz="1800" dirty="0" err="1"/>
+                        <a:t>Gerente</a:t>
+                      </a:r>
+                      <a:r>
+                        <a:rPr lang="en-US" sz="1800" dirty="0"/>
+                        <a:t> do </a:t>
+                      </a:r>
+                      <a:r>
+                        <a:rPr lang="en-US" sz="1800" dirty="0" err="1"/>
+                        <a:t>projeto</a:t>
+                      </a:r>
                       <a:endParaRPr lang="en-US" sz="1800" dirty="0"/>
                     </a:p>
                   </a:txBody>

--- a/Apresentação do projeto FINAL.pptx
+++ b/Apresentação do projeto FINAL.pptx
@@ -226,13 +226,8 @@
             </a:pPr>
             <a:r>
               <a:rPr lang="pt-BR" dirty="0"/>
-              <a:t>Custo</a:t>
+              <a:t>Custo projeto</a:t>
             </a:r>
-            <a:r>
-              <a:rPr lang="pt-BR" baseline="0" dirty="0"/>
-              <a:t>s do projeto</a:t>
-            </a:r>
-            <a:endParaRPr lang="pt-BR" dirty="0"/>
           </a:p>
         </c:rich>
       </c:tx>
@@ -298,30 +293,54 @@
           <c:invertIfNegative val="0"/>
           <c:cat>
             <c:strRef>
-              <c:f>Planilha1!$A$2:$A$5</c:f>
+              <c:f>Planilha1!$A$2:$A$6</c:f>
               <c:strCache>
-                <c:ptCount val="1"/>
+                <c:ptCount val="5"/>
                 <c:pt idx="0">
-                  <c:v>Salário</c:v>
+                  <c:v>Iniciação</c:v>
+                </c:pt>
+                <c:pt idx="1">
+                  <c:v>Planejamento</c:v>
+                </c:pt>
+                <c:pt idx="2">
+                  <c:v>Execução</c:v>
+                </c:pt>
+                <c:pt idx="3">
+                  <c:v>Controle</c:v>
+                </c:pt>
+                <c:pt idx="4">
+                  <c:v>Encerramento</c:v>
                 </c:pt>
               </c:strCache>
             </c:strRef>
           </c:cat>
           <c:val>
             <c:numRef>
-              <c:f>Planilha1!$B$2:$B$5</c:f>
+              <c:f>Planilha1!$B$2:$B$6</c:f>
               <c:numCache>
-                <c:formatCode>General</c:formatCode>
-                <c:ptCount val="4"/>
-                <c:pt idx="0" formatCode="#,##0.00">
-                  <c:v>145343.32999999999</c:v>
+                <c:formatCode>#,##0.00</c:formatCode>
+                <c:ptCount val="5"/>
+                <c:pt idx="0" formatCode="General">
+                  <c:v>196</c:v>
+                </c:pt>
+                <c:pt idx="1">
+                  <c:v>1176</c:v>
+                </c:pt>
+                <c:pt idx="2">
+                  <c:v>64059.33</c:v>
+                </c:pt>
+                <c:pt idx="3">
+                  <c:v>79520</c:v>
+                </c:pt>
+                <c:pt idx="4" formatCode="General">
+                  <c:v>392</c:v>
                 </c:pt>
               </c:numCache>
             </c:numRef>
           </c:val>
           <c:extLst>
             <c:ext xmlns:c16="http://schemas.microsoft.com/office/drawing/2014/chart" uri="{C3380CC4-5D6E-409C-BE32-E72D297353CC}">
-              <c16:uniqueId val="{00000000-37CF-4CD9-9E1D-AD2BB4EC25BB}"/>
+              <c16:uniqueId val="{00000000-3350-47D3-913D-80F7B32DA682}"/>
             </c:ext>
           </c:extLst>
         </c:ser>
@@ -351,27 +370,39 @@
           <c:invertIfNegative val="0"/>
           <c:cat>
             <c:strRef>
-              <c:f>Planilha1!$A$2:$A$5</c:f>
+              <c:f>Planilha1!$A$2:$A$6</c:f>
               <c:strCache>
-                <c:ptCount val="1"/>
+                <c:ptCount val="5"/>
                 <c:pt idx="0">
-                  <c:v>Salário</c:v>
+                  <c:v>Iniciação</c:v>
+                </c:pt>
+                <c:pt idx="1">
+                  <c:v>Planejamento</c:v>
+                </c:pt>
+                <c:pt idx="2">
+                  <c:v>Execução</c:v>
+                </c:pt>
+                <c:pt idx="3">
+                  <c:v>Controle</c:v>
+                </c:pt>
+                <c:pt idx="4">
+                  <c:v>Encerramento</c:v>
                 </c:pt>
               </c:strCache>
             </c:strRef>
           </c:cat>
           <c:val>
             <c:numRef>
-              <c:f>Planilha1!$C$2:$C$5</c:f>
+              <c:f>Planilha1!$C$2:$C$6</c:f>
               <c:numCache>
                 <c:formatCode>General</c:formatCode>
-                <c:ptCount val="4"/>
+                <c:ptCount val="5"/>
               </c:numCache>
             </c:numRef>
           </c:val>
           <c:extLst>
             <c:ext xmlns:c16="http://schemas.microsoft.com/office/drawing/2014/chart" uri="{C3380CC4-5D6E-409C-BE32-E72D297353CC}">
-              <c16:uniqueId val="{00000001-37CF-4CD9-9E1D-AD2BB4EC25BB}"/>
+              <c16:uniqueId val="{00000001-3350-47D3-913D-80F7B32DA682}"/>
             </c:ext>
           </c:extLst>
         </c:ser>
@@ -401,27 +432,39 @@
           <c:invertIfNegative val="0"/>
           <c:cat>
             <c:strRef>
-              <c:f>Planilha1!$A$2:$A$5</c:f>
+              <c:f>Planilha1!$A$2:$A$6</c:f>
               <c:strCache>
-                <c:ptCount val="1"/>
+                <c:ptCount val="5"/>
                 <c:pt idx="0">
-                  <c:v>Salário</c:v>
+                  <c:v>Iniciação</c:v>
+                </c:pt>
+                <c:pt idx="1">
+                  <c:v>Planejamento</c:v>
+                </c:pt>
+                <c:pt idx="2">
+                  <c:v>Execução</c:v>
+                </c:pt>
+                <c:pt idx="3">
+                  <c:v>Controle</c:v>
+                </c:pt>
+                <c:pt idx="4">
+                  <c:v>Encerramento</c:v>
                 </c:pt>
               </c:strCache>
             </c:strRef>
           </c:cat>
           <c:val>
             <c:numRef>
-              <c:f>Planilha1!$D$2:$D$5</c:f>
+              <c:f>Planilha1!$D$2:$D$6</c:f>
               <c:numCache>
                 <c:formatCode>General</c:formatCode>
-                <c:ptCount val="4"/>
+                <c:ptCount val="5"/>
               </c:numCache>
             </c:numRef>
           </c:val>
           <c:extLst>
             <c:ext xmlns:c16="http://schemas.microsoft.com/office/drawing/2014/chart" uri="{C3380CC4-5D6E-409C-BE32-E72D297353CC}">
-              <c16:uniqueId val="{00000002-37CF-4CD9-9E1D-AD2BB4EC25BB}"/>
+              <c16:uniqueId val="{00000002-3350-47D3-913D-80F7B32DA682}"/>
             </c:ext>
           </c:extLst>
         </c:ser>
@@ -435,11 +478,11 @@
         </c:dLbls>
         <c:gapWidth val="219"/>
         <c:overlap val="-27"/>
-        <c:axId val="1242865424"/>
-        <c:axId val="1317661264"/>
+        <c:axId val="385330239"/>
+        <c:axId val="397605951"/>
       </c:barChart>
       <c:catAx>
-        <c:axId val="1242865424"/>
+        <c:axId val="385330239"/>
         <c:scaling>
           <c:orientation val="minMax"/>
         </c:scaling>
@@ -482,7 +525,7 @@
             <a:endParaRPr lang="pt-BR"/>
           </a:p>
         </c:txPr>
-        <c:crossAx val="1317661264"/>
+        <c:crossAx val="397605951"/>
         <c:crosses val="autoZero"/>
         <c:auto val="1"/>
         <c:lblAlgn val="ctr"/>
@@ -490,7 +533,7 @@
         <c:noMultiLvlLbl val="0"/>
       </c:catAx>
       <c:valAx>
-        <c:axId val="1317661264"/>
+        <c:axId val="397605951"/>
         <c:scaling>
           <c:orientation val="minMax"/>
         </c:scaling>
@@ -510,7 +553,7 @@
             <a:effectLst/>
           </c:spPr>
         </c:majorGridlines>
-        <c:numFmt formatCode="#,##0.00" sourceLinked="1"/>
+        <c:numFmt formatCode="General" sourceLinked="1"/>
         <c:majorTickMark val="none"/>
         <c:minorTickMark val="none"/>
         <c:tickLblPos val="nextTo"/>
@@ -541,7 +584,7 @@
             <a:endParaRPr lang="pt-BR"/>
           </a:p>
         </c:txPr>
-        <c:crossAx val="1242865424"/>
+        <c:crossAx val="385330239"/>
         <c:crosses val="autoZero"/>
         <c:crossBetween val="between"/>
       </c:valAx>
@@ -20384,16 +20427,30 @@
             <p:ph type="title"/>
           </p:nvPr>
         </p:nvSpPr>
-        <p:spPr/>
+        <p:spPr>
+          <a:xfrm>
+            <a:off x="1350341" y="0"/>
+            <a:ext cx="9509125" cy="1233488"/>
+          </a:xfrm>
+        </p:spPr>
         <p:txBody>
           <a:bodyPr/>
           <a:lstStyle/>
           <a:p>
             <a:pPr eaLnBrk="1" hangingPunct="1"/>
             <a:r>
-              <a:rPr lang="en-US" altLang="pt-BR"/>
-              <a:t>Análise de Custos</a:t>
+              <a:rPr lang="en-US" altLang="pt-BR" dirty="0" err="1"/>
+              <a:t>Análise</a:t>
             </a:r>
+            <a:r>
+              <a:rPr lang="en-US" altLang="pt-BR" dirty="0"/>
+              <a:t> de </a:t>
+            </a:r>
+            <a:r>
+              <a:rPr lang="en-US" altLang="pt-BR" dirty="0" err="1"/>
+              <a:t>Custos</a:t>
+            </a:r>
+            <a:endParaRPr lang="en-US" altLang="pt-BR" dirty="0"/>
           </a:p>
         </p:txBody>
       </p:sp>
@@ -20411,7 +20468,7 @@
         </p:nvSpPr>
         <p:spPr>
           <a:xfrm>
-            <a:off x="4495800" y="5764212"/>
+            <a:off x="4495800" y="5899026"/>
             <a:ext cx="5257800" cy="477054"/>
           </a:xfrm>
           <a:prstGeom prst="rect">
@@ -20430,17 +20487,27 @@
                 <a:latin typeface="Arial" panose="020B0604020202020204" pitchFamily="34" charset="0"/>
                 <a:cs typeface="Arial" panose="020B0604020202020204" pitchFamily="34" charset="0"/>
               </a:rPr>
-              <a:t>TOTAL: R$ 145.343,33 </a:t>
+              <a:t>TOTAL: </a:t>
+            </a:r>
+            <a:r>
+              <a:rPr lang="pt-BR" sz="2500" dirty="0">
+                <a:solidFill>
+                  <a:srgbClr val="FF0000"/>
+                </a:solidFill>
+                <a:latin typeface="Arial" panose="020B0604020202020204" pitchFamily="34" charset="0"/>
+                <a:cs typeface="Arial" panose="020B0604020202020204" pitchFamily="34" charset="0"/>
+              </a:rPr>
+              <a:t>R$ 145.343,33 </a:t>
             </a:r>
           </a:p>
         </p:txBody>
       </p:sp>
       <p:graphicFrame>
         <p:nvGraphicFramePr>
-          <p:cNvPr id="13" name="Espaço Reservado para Conteúdo 12">
+          <p:cNvPr id="15" name="Espaço Reservado para Conteúdo 14">
             <a:extLst>
               <a:ext uri="{FF2B5EF4-FFF2-40B4-BE49-F238E27FC236}">
-                <a16:creationId xmlns:a16="http://schemas.microsoft.com/office/drawing/2014/main" id="{88CB0153-C464-44B5-9467-25AE34F186DA}"/>
+                <a16:creationId xmlns:a16="http://schemas.microsoft.com/office/drawing/2014/main" id="{898C814F-5697-4566-AF3D-CB4FCCA3629C}"/>
               </a:ext>
             </a:extLst>
           </p:cNvPr>
@@ -20451,14 +20518,14 @@
             <p:ph idx="1"/>
             <p:extLst>
               <p:ext uri="{D42A27DB-BD31-4B8C-83A1-F6EECF244321}">
-                <p14:modId xmlns:p14="http://schemas.microsoft.com/office/powerpoint/2010/main" val="1160297061"/>
+                <p14:modId xmlns:p14="http://schemas.microsoft.com/office/powerpoint/2010/main" val="3738554048"/>
               </p:ext>
             </p:extLst>
           </p:nvPr>
         </p:nvGraphicFramePr>
         <p:xfrm>
-          <a:off x="1341438" y="1901825"/>
-          <a:ext cx="9509125" cy="3584575"/>
+          <a:off x="1414151" y="1405635"/>
+          <a:ext cx="9509125" cy="3279775"/>
         </p:xfrm>
         <a:graphic>
           <a:graphicData uri="http://schemas.openxmlformats.org/drawingml/2006/chart">
@@ -20466,6 +20533,58 @@
           </a:graphicData>
         </a:graphic>
       </p:graphicFrame>
+      <p:sp>
+        <p:nvSpPr>
+          <p:cNvPr id="16" name="CaixaDeTexto 15">
+            <a:extLst>
+              <a:ext uri="{FF2B5EF4-FFF2-40B4-BE49-F238E27FC236}">
+                <a16:creationId xmlns:a16="http://schemas.microsoft.com/office/drawing/2014/main" id="{69B8900C-8B69-41D8-BA19-B2F7D9F1AE9F}"/>
+              </a:ext>
+            </a:extLst>
+          </p:cNvPr>
+          <p:cNvSpPr txBox="1"/>
+          <p:nvPr/>
+        </p:nvSpPr>
+        <p:spPr>
+          <a:xfrm>
+            <a:off x="1414151" y="5069080"/>
+            <a:ext cx="9608171" cy="923330"/>
+          </a:xfrm>
+          <a:prstGeom prst="rect">
+            <a:avLst/>
+          </a:prstGeom>
+          <a:noFill/>
+        </p:spPr>
+        <p:txBody>
+          <a:bodyPr wrap="square" rtlCol="0">
+            <a:spAutoFit/>
+          </a:bodyPr>
+          <a:lstStyle/>
+          <a:p>
+            <a:pPr algn="ctr"/>
+            <a:r>
+              <a:rPr lang="pt-BR" dirty="0">
+                <a:latin typeface="Arial" panose="020B0604020202020204" pitchFamily="34" charset="0"/>
+                <a:cs typeface="Arial" panose="020B0604020202020204" pitchFamily="34" charset="0"/>
+              </a:rPr>
+              <a:t>Iniciação: R$ 196,00 | Planejamento : R$ 1.176,00   | Execução: R$ 64.059,33  </a:t>
+            </a:r>
+          </a:p>
+          <a:p>
+            <a:pPr algn="ctr"/>
+            <a:r>
+              <a:rPr lang="pt-BR" dirty="0">
+                <a:latin typeface="Arial" panose="020B0604020202020204" pitchFamily="34" charset="0"/>
+                <a:cs typeface="Arial" panose="020B0604020202020204" pitchFamily="34" charset="0"/>
+              </a:rPr>
+              <a:t>|Controle: R$ 79.520,00  | Encerramento: R$ 392,00 </a:t>
+            </a:r>
+          </a:p>
+          <a:p>
+            <a:endParaRPr lang="pt-BR" dirty="0"/>
+          </a:p>
+        </p:txBody>
+      </p:sp>
     </p:spTree>
   </p:cSld>
   <p:clrMapOvr>
